--- a/src/presentation/Codingwarriors - avsluttende presentasjon.pptx
+++ b/src/presentation/Codingwarriors - avsluttende presentasjon.pptx
@@ -2,23 +2,23 @@
 <file path=ppt/presentation.xml><?xml version="1.0" encoding="utf-8"?>
 <p:presentation xmlns:a="http://schemas.openxmlformats.org/drawingml/2006/main" xmlns:r="http://schemas.openxmlformats.org/officeDocument/2006/relationships" xmlns:p="http://schemas.openxmlformats.org/presentationml/2006/main" saveSubsetFonts="1">
   <p:sldMasterIdLst>
-    <p:sldMasterId id="2147483648" r:id="rId1"/>
+    <p:sldMasterId id="2147483660" r:id="rId1"/>
   </p:sldMasterIdLst>
   <p:sldIdLst>
     <p:sldId id="256" r:id="rId2"/>
     <p:sldId id="257" r:id="rId3"/>
     <p:sldId id="261" r:id="rId4"/>
-    <p:sldId id="262" r:id="rId5"/>
-    <p:sldId id="263" r:id="rId6"/>
-    <p:sldId id="264" r:id="rId7"/>
+    <p:sldId id="263" r:id="rId5"/>
+    <p:sldId id="264" r:id="rId6"/>
+    <p:sldId id="262" r:id="rId7"/>
   </p:sldIdLst>
   <p:sldSz cx="12192000" cy="6858000"/>
   <p:notesSz cx="6858000" cy="9144000"/>
   <p:defaultTextStyle>
     <a:defPPr>
-      <a:defRPr lang="nb-NO"/>
+      <a:defRPr lang="en-US"/>
     </a:defPPr>
-    <a:lvl1pPr marL="0" algn="l" defTabSz="914400" rtl="0" eaLnBrk="1" latinLnBrk="0" hangingPunct="1">
+    <a:lvl1pPr marL="0" algn="l" defTabSz="457200" rtl="0" eaLnBrk="1" latinLnBrk="0" hangingPunct="1">
       <a:defRPr sz="1800" kern="1200">
         <a:solidFill>
           <a:schemeClr val="tx1"/>
@@ -28,7 +28,7 @@
         <a:cs typeface="+mn-cs"/>
       </a:defRPr>
     </a:lvl1pPr>
-    <a:lvl2pPr marL="457200" algn="l" defTabSz="914400" rtl="0" eaLnBrk="1" latinLnBrk="0" hangingPunct="1">
+    <a:lvl2pPr marL="457200" algn="l" defTabSz="457200" rtl="0" eaLnBrk="1" latinLnBrk="0" hangingPunct="1">
       <a:defRPr sz="1800" kern="1200">
         <a:solidFill>
           <a:schemeClr val="tx1"/>
@@ -38,7 +38,7 @@
         <a:cs typeface="+mn-cs"/>
       </a:defRPr>
     </a:lvl2pPr>
-    <a:lvl3pPr marL="914400" algn="l" defTabSz="914400" rtl="0" eaLnBrk="1" latinLnBrk="0" hangingPunct="1">
+    <a:lvl3pPr marL="914400" algn="l" defTabSz="457200" rtl="0" eaLnBrk="1" latinLnBrk="0" hangingPunct="1">
       <a:defRPr sz="1800" kern="1200">
         <a:solidFill>
           <a:schemeClr val="tx1"/>
@@ -48,7 +48,7 @@
         <a:cs typeface="+mn-cs"/>
       </a:defRPr>
     </a:lvl3pPr>
-    <a:lvl4pPr marL="1371600" algn="l" defTabSz="914400" rtl="0" eaLnBrk="1" latinLnBrk="0" hangingPunct="1">
+    <a:lvl4pPr marL="1371600" algn="l" defTabSz="457200" rtl="0" eaLnBrk="1" latinLnBrk="0" hangingPunct="1">
       <a:defRPr sz="1800" kern="1200">
         <a:solidFill>
           <a:schemeClr val="tx1"/>
@@ -58,7 +58,7 @@
         <a:cs typeface="+mn-cs"/>
       </a:defRPr>
     </a:lvl4pPr>
-    <a:lvl5pPr marL="1828800" algn="l" defTabSz="914400" rtl="0" eaLnBrk="1" latinLnBrk="0" hangingPunct="1">
+    <a:lvl5pPr marL="1828800" algn="l" defTabSz="457200" rtl="0" eaLnBrk="1" latinLnBrk="0" hangingPunct="1">
       <a:defRPr sz="1800" kern="1200">
         <a:solidFill>
           <a:schemeClr val="tx1"/>
@@ -68,7 +68,7 @@
         <a:cs typeface="+mn-cs"/>
       </a:defRPr>
     </a:lvl5pPr>
-    <a:lvl6pPr marL="2286000" algn="l" defTabSz="914400" rtl="0" eaLnBrk="1" latinLnBrk="0" hangingPunct="1">
+    <a:lvl6pPr marL="2286000" algn="l" defTabSz="457200" rtl="0" eaLnBrk="1" latinLnBrk="0" hangingPunct="1">
       <a:defRPr sz="1800" kern="1200">
         <a:solidFill>
           <a:schemeClr val="tx1"/>
@@ -78,7 +78,7 @@
         <a:cs typeface="+mn-cs"/>
       </a:defRPr>
     </a:lvl6pPr>
-    <a:lvl7pPr marL="2743200" algn="l" defTabSz="914400" rtl="0" eaLnBrk="1" latinLnBrk="0" hangingPunct="1">
+    <a:lvl7pPr marL="2743200" algn="l" defTabSz="457200" rtl="0" eaLnBrk="1" latinLnBrk="0" hangingPunct="1">
       <a:defRPr sz="1800" kern="1200">
         <a:solidFill>
           <a:schemeClr val="tx1"/>
@@ -88,7 +88,7 @@
         <a:cs typeface="+mn-cs"/>
       </a:defRPr>
     </a:lvl7pPr>
-    <a:lvl8pPr marL="3200400" algn="l" defTabSz="914400" rtl="0" eaLnBrk="1" latinLnBrk="0" hangingPunct="1">
+    <a:lvl8pPr marL="3200400" algn="l" defTabSz="457200" rtl="0" eaLnBrk="1" latinLnBrk="0" hangingPunct="1">
       <a:defRPr sz="1800" kern="1200">
         <a:solidFill>
           <a:schemeClr val="tx1"/>
@@ -98,7 +98,7 @@
         <a:cs typeface="+mn-cs"/>
       </a:defRPr>
     </a:lvl8pPr>
-    <a:lvl9pPr marL="3657600" algn="l" defTabSz="914400" rtl="0" eaLnBrk="1" latinLnBrk="0" hangingPunct="1">
+    <a:lvl9pPr marL="3657600" algn="l" defTabSz="457200" rtl="0" eaLnBrk="1" latinLnBrk="0" hangingPunct="1">
       <a:defRPr sz="1800" kern="1200">
         <a:solidFill>
           <a:schemeClr val="tx1"/>
@@ -145,15 +145,39 @@
           <a:chExt cx="0" cy="0"/>
         </a:xfrm>
       </p:grpSpPr>
-      <p:sp>
-        <p:nvSpPr>
-          <p:cNvPr id="2" name="Tittel 1">
+      <p:pic>
+        <p:nvPicPr>
+          <p:cNvPr id="7" name="Picture 6" descr="C0-HD-BTM.png"/>
+          <p:cNvPicPr>
+            <a:picLocks noChangeAspect="1"/>
+          </p:cNvPicPr>
+          <p:nvPr/>
+        </p:nvPicPr>
+        <p:blipFill>
+          <a:blip r:embed="rId2">
             <a:extLst>
-              <a:ext uri="{FF2B5EF4-FFF2-40B4-BE49-F238E27FC236}">
-                <a16:creationId xmlns:a16="http://schemas.microsoft.com/office/drawing/2014/main" id="{86B62F66-F8EA-488B-9894-AC9452E80CDA}"/>
+              <a:ext uri="{28A0092B-C50C-407E-A947-70E740481C1C}">
+                <a14:useLocalDpi xmlns:a14="http://schemas.microsoft.com/office/drawing/2010/main" val="0"/>
               </a:ext>
             </a:extLst>
-          </p:cNvPr>
+          </a:blip>
+          <a:stretch>
+            <a:fillRect/>
+          </a:stretch>
+        </p:blipFill>
+        <p:spPr>
+          <a:xfrm>
+            <a:off x="0" y="4375150"/>
+            <a:ext cx="12192000" cy="2482850"/>
+          </a:xfrm>
+          <a:prstGeom prst="rect">
+            <a:avLst/>
+          </a:prstGeom>
+        </p:spPr>
+      </p:pic>
+      <p:sp>
+        <p:nvSpPr>
+          <p:cNvPr id="2" name="Title 1"/>
           <p:cNvSpPr>
             <a:spLocks noGrp="1"/>
           </p:cNvSpPr>
@@ -163,14 +187,16 @@
         </p:nvSpPr>
         <p:spPr>
           <a:xfrm>
-            <a:off x="1524000" y="1122363"/>
-            <a:ext cx="9144000" cy="2387600"/>
-          </a:xfrm>
-        </p:spPr>
-        <p:txBody>
-          <a:bodyPr anchor="b"/>
+            <a:off x="1371600" y="1803405"/>
+            <a:ext cx="9448800" cy="1825096"/>
+          </a:xfrm>
+        </p:spPr>
+        <p:txBody>
+          <a:bodyPr anchor="b">
+            <a:normAutofit/>
+          </a:bodyPr>
           <a:lstStyle>
-            <a:lvl1pPr algn="ctr">
+            <a:lvl1pPr algn="l">
               <a:defRPr sz="6000"/>
             </a:lvl1pPr>
           </a:lstStyle>
@@ -179,18 +205,13 @@
               <a:rPr lang="nb-NO"/>
               <a:t>Klikk for å redigere tittelstil</a:t>
             </a:r>
-          </a:p>
-        </p:txBody>
-      </p:sp>
-      <p:sp>
-        <p:nvSpPr>
-          <p:cNvPr id="3" name="Undertittel 2">
-            <a:extLst>
-              <a:ext uri="{FF2B5EF4-FFF2-40B4-BE49-F238E27FC236}">
-                <a16:creationId xmlns:a16="http://schemas.microsoft.com/office/drawing/2014/main" id="{86F6A860-C879-4635-A2F0-AF6FFCB81298}"/>
-              </a:ext>
-            </a:extLst>
-          </p:cNvPr>
+            <a:endParaRPr lang="en-US" dirty="0"/>
+          </a:p>
+        </p:txBody>
+      </p:sp>
+      <p:sp>
+        <p:nvSpPr>
+          <p:cNvPr id="3" name="Subtitle 2"/>
           <p:cNvSpPr>
             <a:spLocks noGrp="1"/>
           </p:cNvSpPr>
@@ -200,16 +221,18 @@
         </p:nvSpPr>
         <p:spPr>
           <a:xfrm>
-            <a:off x="1524000" y="3602038"/>
-            <a:ext cx="9144000" cy="1655762"/>
-          </a:xfrm>
-        </p:spPr>
-        <p:txBody>
-          <a:bodyPr/>
+            <a:off x="1371600" y="3632201"/>
+            <a:ext cx="9448800" cy="685800"/>
+          </a:xfrm>
+        </p:spPr>
+        <p:txBody>
+          <a:bodyPr>
+            <a:normAutofit/>
+          </a:bodyPr>
           <a:lstStyle>
-            <a:lvl1pPr marL="0" indent="0" algn="ctr">
-              <a:buNone/>
-              <a:defRPr sz="2400"/>
+            <a:lvl1pPr marL="0" indent="0" algn="l">
+              <a:buNone/>
+              <a:defRPr sz="2000"/>
             </a:lvl1pPr>
             <a:lvl2pPr marL="457200" indent="0" algn="ctr">
               <a:buNone/>
@@ -249,18 +272,13 @@
               <a:rPr lang="nb-NO"/>
               <a:t>Klikk for å redigere undertittelstil i malen</a:t>
             </a:r>
-          </a:p>
-        </p:txBody>
-      </p:sp>
-      <p:sp>
-        <p:nvSpPr>
-          <p:cNvPr id="4" name="Plassholder for dato 3">
-            <a:extLst>
-              <a:ext uri="{FF2B5EF4-FFF2-40B4-BE49-F238E27FC236}">
-                <a16:creationId xmlns:a16="http://schemas.microsoft.com/office/drawing/2014/main" id="{1C817686-D01D-48B5-9B1E-32738FF116A0}"/>
-              </a:ext>
-            </a:extLst>
-          </p:cNvPr>
+            <a:endParaRPr lang="en-US" dirty="0"/>
+          </a:p>
+        </p:txBody>
+      </p:sp>
+      <p:sp>
+        <p:nvSpPr>
+          <p:cNvPr id="4" name="Date Placeholder 3"/>
           <p:cNvSpPr>
             <a:spLocks noGrp="1"/>
           </p:cNvSpPr>
@@ -268,7 +286,12 @@
             <p:ph type="dt" sz="half" idx="10"/>
           </p:nvPr>
         </p:nvSpPr>
-        <p:spPr/>
+        <p:spPr>
+          <a:xfrm>
+            <a:off x="7909561" y="4314328"/>
+            <a:ext cx="2910840" cy="374642"/>
+          </a:xfrm>
+        </p:spPr>
         <p:txBody>
           <a:bodyPr/>
           <a:lstStyle/>
@@ -283,13 +306,7 @@
       </p:sp>
       <p:sp>
         <p:nvSpPr>
-          <p:cNvPr id="5" name="Plassholder for bunntekst 4">
-            <a:extLst>
-              <a:ext uri="{FF2B5EF4-FFF2-40B4-BE49-F238E27FC236}">
-                <a16:creationId xmlns:a16="http://schemas.microsoft.com/office/drawing/2014/main" id="{72FEE5EC-9742-4416-9A7D-A5DF5E4F2B5B}"/>
-              </a:ext>
-            </a:extLst>
-          </p:cNvPr>
+          <p:cNvPr id="5" name="Footer Placeholder 4"/>
           <p:cNvSpPr>
             <a:spLocks noGrp="1"/>
           </p:cNvSpPr>
@@ -297,7 +314,12 @@
             <p:ph type="ftr" sz="quarter" idx="11"/>
           </p:nvPr>
         </p:nvSpPr>
-        <p:spPr/>
+        <p:spPr>
+          <a:xfrm>
+            <a:off x="1371600" y="4323845"/>
+            <a:ext cx="6400800" cy="365125"/>
+          </a:xfrm>
+        </p:spPr>
         <p:txBody>
           <a:bodyPr/>
           <a:lstStyle/>
@@ -308,13 +330,7 @@
       </p:sp>
       <p:sp>
         <p:nvSpPr>
-          <p:cNvPr id="6" name="Plassholder for lysbildenummer 5">
-            <a:extLst>
-              <a:ext uri="{FF2B5EF4-FFF2-40B4-BE49-F238E27FC236}">
-                <a16:creationId xmlns:a16="http://schemas.microsoft.com/office/drawing/2014/main" id="{5423FB2D-D4FA-4658-92E5-F013DBAB534E}"/>
-              </a:ext>
-            </a:extLst>
-          </p:cNvPr>
+          <p:cNvPr id="6" name="Slide Number Placeholder 5"/>
           <p:cNvSpPr>
             <a:spLocks noGrp="1"/>
           </p:cNvSpPr>
@@ -322,7 +338,12 @@
             <p:ph type="sldNum" sz="quarter" idx="12"/>
           </p:nvPr>
         </p:nvSpPr>
-        <p:spPr/>
+        <p:spPr>
+          <a:xfrm>
+            <a:off x="8077200" y="1430866"/>
+            <a:ext cx="2743200" cy="365125"/>
+          </a:xfrm>
+        </p:spPr>
         <p:txBody>
           <a:bodyPr/>
           <a:lstStyle/>
@@ -338,7 +359,7 @@
     </p:spTree>
     <p:extLst>
       <p:ext uri="{BB962C8B-B14F-4D97-AF65-F5344CB8AC3E}">
-        <p14:creationId xmlns:p14="http://schemas.microsoft.com/office/powerpoint/2010/main" val="3899537001"/>
+        <p14:creationId xmlns:p14="http://schemas.microsoft.com/office/powerpoint/2010/main" val="720572347"/>
       </p:ext>
     </p:extLst>
   </p:cSld>
@@ -349,6 +370,2598 @@
 </file>
 
 <file path=ppt/slideLayouts/slideLayout10.xml><?xml version="1.0" encoding="utf-8"?>
+<p:sldLayout xmlns:a="http://schemas.openxmlformats.org/drawingml/2006/main" xmlns:r="http://schemas.openxmlformats.org/officeDocument/2006/relationships" xmlns:p="http://schemas.openxmlformats.org/presentationml/2006/main" preserve="1">
+  <p:cSld name="Panoramabilde med bildetekst">
+    <p:spTree>
+      <p:nvGrpSpPr>
+        <p:cNvPr id="1" name=""/>
+        <p:cNvGrpSpPr/>
+        <p:nvPr/>
+      </p:nvGrpSpPr>
+      <p:grpSpPr>
+        <a:xfrm>
+          <a:off x="0" y="0"/>
+          <a:ext cx="0" cy="0"/>
+          <a:chOff x="0" y="0"/>
+          <a:chExt cx="0" cy="0"/>
+        </a:xfrm>
+      </p:grpSpPr>
+      <p:sp>
+        <p:nvSpPr>
+          <p:cNvPr id="2" name="Title 1"/>
+          <p:cNvSpPr>
+            <a:spLocks noGrp="1"/>
+          </p:cNvSpPr>
+          <p:nvPr>
+            <p:ph type="title"/>
+          </p:nvPr>
+        </p:nvSpPr>
+        <p:spPr>
+          <a:xfrm>
+            <a:off x="685777" y="4697360"/>
+            <a:ext cx="10822034" cy="819355"/>
+          </a:xfrm>
+        </p:spPr>
+        <p:txBody>
+          <a:bodyPr anchor="b"/>
+          <a:lstStyle>
+            <a:lvl1pPr algn="l">
+              <a:defRPr sz="3200"/>
+            </a:lvl1pPr>
+          </a:lstStyle>
+          <a:p>
+            <a:r>
+              <a:rPr lang="nb-NO"/>
+              <a:t>Klikk for å redigere tittelstil</a:t>
+            </a:r>
+            <a:endParaRPr lang="en-US" dirty="0"/>
+          </a:p>
+        </p:txBody>
+      </p:sp>
+      <p:sp>
+        <p:nvSpPr>
+          <p:cNvPr id="3" name="Picture Placeholder 2"/>
+          <p:cNvSpPr>
+            <a:spLocks noGrp="1" noChangeAspect="1"/>
+          </p:cNvSpPr>
+          <p:nvPr>
+            <p:ph type="pic" idx="1"/>
+          </p:nvPr>
+        </p:nvSpPr>
+        <p:spPr>
+          <a:xfrm>
+            <a:off x="681727" y="941439"/>
+            <a:ext cx="10821840" cy="3478161"/>
+          </a:xfrm>
+        </p:spPr>
+        <p:txBody>
+          <a:bodyPr anchor="t"/>
+          <a:lstStyle>
+            <a:lvl1pPr marL="0" indent="0">
+              <a:buNone/>
+              <a:defRPr sz="3200"/>
+            </a:lvl1pPr>
+            <a:lvl2pPr marL="457200" indent="0">
+              <a:buNone/>
+              <a:defRPr sz="2800"/>
+            </a:lvl2pPr>
+            <a:lvl3pPr marL="914400" indent="0">
+              <a:buNone/>
+              <a:defRPr sz="2400"/>
+            </a:lvl3pPr>
+            <a:lvl4pPr marL="1371600" indent="0">
+              <a:buNone/>
+              <a:defRPr sz="2000"/>
+            </a:lvl4pPr>
+            <a:lvl5pPr marL="1828800" indent="0">
+              <a:buNone/>
+              <a:defRPr sz="2000"/>
+            </a:lvl5pPr>
+            <a:lvl6pPr marL="2286000" indent="0">
+              <a:buNone/>
+              <a:defRPr sz="2000"/>
+            </a:lvl6pPr>
+            <a:lvl7pPr marL="2743200" indent="0">
+              <a:buNone/>
+              <a:defRPr sz="2000"/>
+            </a:lvl7pPr>
+            <a:lvl8pPr marL="3200400" indent="0">
+              <a:buNone/>
+              <a:defRPr sz="2000"/>
+            </a:lvl8pPr>
+            <a:lvl9pPr marL="3657600" indent="0">
+              <a:buNone/>
+              <a:defRPr sz="2000"/>
+            </a:lvl9pPr>
+          </a:lstStyle>
+          <a:p>
+            <a:r>
+              <a:rPr lang="nb-NO"/>
+              <a:t>Klikk på ikonet for å legge til et bilde</a:t>
+            </a:r>
+            <a:endParaRPr lang="en-US" dirty="0"/>
+          </a:p>
+        </p:txBody>
+      </p:sp>
+      <p:sp>
+        <p:nvSpPr>
+          <p:cNvPr id="4" name="Text Placeholder 3"/>
+          <p:cNvSpPr>
+            <a:spLocks noGrp="1"/>
+          </p:cNvSpPr>
+          <p:nvPr>
+            <p:ph type="body" sz="half" idx="2"/>
+          </p:nvPr>
+        </p:nvSpPr>
+        <p:spPr>
+          <a:xfrm>
+            <a:off x="685800" y="5516715"/>
+            <a:ext cx="10820400" cy="701969"/>
+          </a:xfrm>
+        </p:spPr>
+        <p:txBody>
+          <a:bodyPr/>
+          <a:lstStyle>
+            <a:lvl1pPr marL="0" indent="0" algn="l">
+              <a:buNone/>
+              <a:defRPr sz="1600"/>
+            </a:lvl1pPr>
+            <a:lvl2pPr marL="457200" indent="0">
+              <a:buNone/>
+              <a:defRPr sz="1400"/>
+            </a:lvl2pPr>
+            <a:lvl3pPr marL="914400" indent="0">
+              <a:buNone/>
+              <a:defRPr sz="1200"/>
+            </a:lvl3pPr>
+            <a:lvl4pPr marL="1371600" indent="0">
+              <a:buNone/>
+              <a:defRPr sz="1000"/>
+            </a:lvl4pPr>
+            <a:lvl5pPr marL="1828800" indent="0">
+              <a:buNone/>
+              <a:defRPr sz="1000"/>
+            </a:lvl5pPr>
+            <a:lvl6pPr marL="2286000" indent="0">
+              <a:buNone/>
+              <a:defRPr sz="1000"/>
+            </a:lvl6pPr>
+            <a:lvl7pPr marL="2743200" indent="0">
+              <a:buNone/>
+              <a:defRPr sz="1000"/>
+            </a:lvl7pPr>
+            <a:lvl8pPr marL="3200400" indent="0">
+              <a:buNone/>
+              <a:defRPr sz="1000"/>
+            </a:lvl8pPr>
+            <a:lvl9pPr marL="3657600" indent="0">
+              <a:buNone/>
+              <a:defRPr sz="1000"/>
+            </a:lvl9pPr>
+          </a:lstStyle>
+          <a:p>
+            <a:pPr lvl="0"/>
+            <a:r>
+              <a:rPr lang="nb-NO"/>
+              <a:t>Klikk for å redigere tekststiler i malen</a:t>
+            </a:r>
+          </a:p>
+        </p:txBody>
+      </p:sp>
+      <p:sp>
+        <p:nvSpPr>
+          <p:cNvPr id="5" name="Date Placeholder 4"/>
+          <p:cNvSpPr>
+            <a:spLocks noGrp="1"/>
+          </p:cNvSpPr>
+          <p:nvPr>
+            <p:ph type="dt" sz="half" idx="10"/>
+          </p:nvPr>
+        </p:nvSpPr>
+        <p:spPr/>
+        <p:txBody>
+          <a:bodyPr/>
+          <a:lstStyle/>
+          <a:p>
+            <a:fld id="{157F21B9-E034-4324-AC08-9CA98376BE26}" type="datetimeFigureOut">
+              <a:rPr lang="nb-NO" smtClean="0"/>
+              <a:t>07.05.2019</a:t>
+            </a:fld>
+            <a:endParaRPr lang="nb-NO"/>
+          </a:p>
+        </p:txBody>
+      </p:sp>
+      <p:sp>
+        <p:nvSpPr>
+          <p:cNvPr id="6" name="Footer Placeholder 5"/>
+          <p:cNvSpPr>
+            <a:spLocks noGrp="1"/>
+          </p:cNvSpPr>
+          <p:nvPr>
+            <p:ph type="ftr" sz="quarter" idx="11"/>
+          </p:nvPr>
+        </p:nvSpPr>
+        <p:spPr/>
+        <p:txBody>
+          <a:bodyPr/>
+          <a:lstStyle/>
+          <a:p>
+            <a:endParaRPr lang="nb-NO"/>
+          </a:p>
+        </p:txBody>
+      </p:sp>
+      <p:sp>
+        <p:nvSpPr>
+          <p:cNvPr id="7" name="Slide Number Placeholder 6"/>
+          <p:cNvSpPr>
+            <a:spLocks noGrp="1"/>
+          </p:cNvSpPr>
+          <p:nvPr>
+            <p:ph type="sldNum" sz="quarter" idx="12"/>
+          </p:nvPr>
+        </p:nvSpPr>
+        <p:spPr/>
+        <p:txBody>
+          <a:bodyPr/>
+          <a:lstStyle/>
+          <a:p>
+            <a:fld id="{4F9999A4-F276-4C27-B35B-F10F793B62EC}" type="slidenum">
+              <a:rPr lang="nb-NO" smtClean="0"/>
+              <a:t>‹#›</a:t>
+            </a:fld>
+            <a:endParaRPr lang="nb-NO"/>
+          </a:p>
+        </p:txBody>
+      </p:sp>
+    </p:spTree>
+    <p:extLst>
+      <p:ext uri="{BB962C8B-B14F-4D97-AF65-F5344CB8AC3E}">
+        <p14:creationId xmlns:p14="http://schemas.microsoft.com/office/powerpoint/2010/main" val="3526096817"/>
+      </p:ext>
+    </p:extLst>
+  </p:cSld>
+  <p:clrMapOvr>
+    <a:masterClrMapping/>
+  </p:clrMapOvr>
+</p:sldLayout>
+</file>
+
+<file path=ppt/slideLayouts/slideLayout11.xml><?xml version="1.0" encoding="utf-8"?>
+<p:sldLayout xmlns:a="http://schemas.openxmlformats.org/drawingml/2006/main" xmlns:r="http://schemas.openxmlformats.org/officeDocument/2006/relationships" xmlns:p="http://schemas.openxmlformats.org/presentationml/2006/main" showMasterSp="0" preserve="1">
+  <p:cSld name="Tittel og tekst">
+    <p:spTree>
+      <p:nvGrpSpPr>
+        <p:cNvPr id="1" name=""/>
+        <p:cNvGrpSpPr/>
+        <p:nvPr/>
+      </p:nvGrpSpPr>
+      <p:grpSpPr>
+        <a:xfrm>
+          <a:off x="0" y="0"/>
+          <a:ext cx="0" cy="0"/>
+          <a:chOff x="0" y="0"/>
+          <a:chExt cx="0" cy="0"/>
+        </a:xfrm>
+      </p:grpSpPr>
+      <p:pic>
+        <p:nvPicPr>
+          <p:cNvPr id="8" name="Picture 7" descr="C0-HD-BTM.png"/>
+          <p:cNvPicPr>
+            <a:picLocks noChangeAspect="1"/>
+          </p:cNvPicPr>
+          <p:nvPr/>
+        </p:nvPicPr>
+        <p:blipFill>
+          <a:blip r:embed="rId2">
+            <a:extLst>
+              <a:ext uri="{28A0092B-C50C-407E-A947-70E740481C1C}">
+                <a14:useLocalDpi xmlns:a14="http://schemas.microsoft.com/office/drawing/2010/main" val="0"/>
+              </a:ext>
+            </a:extLst>
+          </a:blip>
+          <a:stretch>
+            <a:fillRect/>
+          </a:stretch>
+        </p:blipFill>
+        <p:spPr>
+          <a:xfrm>
+            <a:off x="0" y="4375150"/>
+            <a:ext cx="12192000" cy="2482850"/>
+          </a:xfrm>
+          <a:prstGeom prst="rect">
+            <a:avLst/>
+          </a:prstGeom>
+        </p:spPr>
+      </p:pic>
+      <p:sp>
+        <p:nvSpPr>
+          <p:cNvPr id="2" name="Title 1"/>
+          <p:cNvSpPr>
+            <a:spLocks noGrp="1"/>
+          </p:cNvSpPr>
+          <p:nvPr>
+            <p:ph type="title"/>
+          </p:nvPr>
+        </p:nvSpPr>
+        <p:spPr>
+          <a:xfrm>
+            <a:off x="685800" y="753532"/>
+            <a:ext cx="10820400" cy="2802467"/>
+          </a:xfrm>
+        </p:spPr>
+        <p:txBody>
+          <a:bodyPr anchor="ctr"/>
+          <a:lstStyle>
+            <a:lvl1pPr algn="l">
+              <a:defRPr sz="3200"/>
+            </a:lvl1pPr>
+          </a:lstStyle>
+          <a:p>
+            <a:r>
+              <a:rPr lang="nb-NO"/>
+              <a:t>Klikk for å redigere tittelstil</a:t>
+            </a:r>
+            <a:endParaRPr lang="en-US" dirty="0"/>
+          </a:p>
+        </p:txBody>
+      </p:sp>
+      <p:sp>
+        <p:nvSpPr>
+          <p:cNvPr id="4" name="Text Placeholder 3"/>
+          <p:cNvSpPr>
+            <a:spLocks noGrp="1"/>
+          </p:cNvSpPr>
+          <p:nvPr>
+            <p:ph type="body" sz="half" idx="2"/>
+          </p:nvPr>
+        </p:nvSpPr>
+        <p:spPr>
+          <a:xfrm>
+            <a:off x="1024467" y="3649133"/>
+            <a:ext cx="10130516" cy="999067"/>
+          </a:xfrm>
+        </p:spPr>
+        <p:txBody>
+          <a:bodyPr anchor="ctr"/>
+          <a:lstStyle>
+            <a:lvl1pPr marL="0" indent="0">
+              <a:buNone/>
+              <a:defRPr sz="1600"/>
+            </a:lvl1pPr>
+            <a:lvl2pPr marL="457200" indent="0">
+              <a:buNone/>
+              <a:defRPr sz="1400"/>
+            </a:lvl2pPr>
+            <a:lvl3pPr marL="914400" indent="0">
+              <a:buNone/>
+              <a:defRPr sz="1200"/>
+            </a:lvl3pPr>
+            <a:lvl4pPr marL="1371600" indent="0">
+              <a:buNone/>
+              <a:defRPr sz="1000"/>
+            </a:lvl4pPr>
+            <a:lvl5pPr marL="1828800" indent="0">
+              <a:buNone/>
+              <a:defRPr sz="1000"/>
+            </a:lvl5pPr>
+            <a:lvl6pPr marL="2286000" indent="0">
+              <a:buNone/>
+              <a:defRPr sz="1000"/>
+            </a:lvl6pPr>
+            <a:lvl7pPr marL="2743200" indent="0">
+              <a:buNone/>
+              <a:defRPr sz="1000"/>
+            </a:lvl7pPr>
+            <a:lvl8pPr marL="3200400" indent="0">
+              <a:buNone/>
+              <a:defRPr sz="1000"/>
+            </a:lvl8pPr>
+            <a:lvl9pPr marL="3657600" indent="0">
+              <a:buNone/>
+              <a:defRPr sz="1000"/>
+            </a:lvl9pPr>
+          </a:lstStyle>
+          <a:p>
+            <a:pPr lvl="0"/>
+            <a:r>
+              <a:rPr lang="nb-NO"/>
+              <a:t>Klikk for å redigere tekststiler i malen</a:t>
+            </a:r>
+          </a:p>
+        </p:txBody>
+      </p:sp>
+      <p:sp>
+        <p:nvSpPr>
+          <p:cNvPr id="5" name="Date Placeholder 4"/>
+          <p:cNvSpPr>
+            <a:spLocks noGrp="1"/>
+          </p:cNvSpPr>
+          <p:nvPr>
+            <p:ph type="dt" sz="half" idx="10"/>
+          </p:nvPr>
+        </p:nvSpPr>
+        <p:spPr>
+          <a:xfrm>
+            <a:off x="7814452" y="381000"/>
+            <a:ext cx="2910840" cy="365125"/>
+          </a:xfrm>
+        </p:spPr>
+        <p:txBody>
+          <a:bodyPr/>
+          <a:lstStyle>
+            <a:lvl1pPr algn="r">
+              <a:defRPr/>
+            </a:lvl1pPr>
+          </a:lstStyle>
+          <a:p>
+            <a:fld id="{157F21B9-E034-4324-AC08-9CA98376BE26}" type="datetimeFigureOut">
+              <a:rPr lang="nb-NO" smtClean="0"/>
+              <a:t>07.05.2019</a:t>
+            </a:fld>
+            <a:endParaRPr lang="nb-NO"/>
+          </a:p>
+        </p:txBody>
+      </p:sp>
+      <p:sp>
+        <p:nvSpPr>
+          <p:cNvPr id="6" name="Footer Placeholder 5"/>
+          <p:cNvSpPr>
+            <a:spLocks noGrp="1"/>
+          </p:cNvSpPr>
+          <p:nvPr>
+            <p:ph type="ftr" sz="quarter" idx="11"/>
+          </p:nvPr>
+        </p:nvSpPr>
+        <p:spPr>
+          <a:xfrm>
+            <a:off x="685800" y="379941"/>
+            <a:ext cx="6991492" cy="365125"/>
+          </a:xfrm>
+        </p:spPr>
+        <p:txBody>
+          <a:bodyPr/>
+          <a:lstStyle/>
+          <a:p>
+            <a:endParaRPr lang="nb-NO"/>
+          </a:p>
+        </p:txBody>
+      </p:sp>
+      <p:sp>
+        <p:nvSpPr>
+          <p:cNvPr id="7" name="Slide Number Placeholder 6"/>
+          <p:cNvSpPr>
+            <a:spLocks noGrp="1"/>
+          </p:cNvSpPr>
+          <p:nvPr>
+            <p:ph type="sldNum" sz="quarter" idx="12"/>
+          </p:nvPr>
+        </p:nvSpPr>
+        <p:spPr>
+          <a:xfrm>
+            <a:off x="10862452" y="381000"/>
+            <a:ext cx="643748" cy="365125"/>
+          </a:xfrm>
+        </p:spPr>
+        <p:txBody>
+          <a:bodyPr/>
+          <a:lstStyle/>
+          <a:p>
+            <a:fld id="{4F9999A4-F276-4C27-B35B-F10F793B62EC}" type="slidenum">
+              <a:rPr lang="nb-NO" smtClean="0"/>
+              <a:t>‹#›</a:t>
+            </a:fld>
+            <a:endParaRPr lang="nb-NO"/>
+          </a:p>
+        </p:txBody>
+      </p:sp>
+    </p:spTree>
+    <p:extLst>
+      <p:ext uri="{BB962C8B-B14F-4D97-AF65-F5344CB8AC3E}">
+        <p14:creationId xmlns:p14="http://schemas.microsoft.com/office/powerpoint/2010/main" val="2052116630"/>
+      </p:ext>
+    </p:extLst>
+  </p:cSld>
+  <p:clrMapOvr>
+    <a:masterClrMapping/>
+  </p:clrMapOvr>
+</p:sldLayout>
+</file>
+
+<file path=ppt/slideLayouts/slideLayout12.xml><?xml version="1.0" encoding="utf-8"?>
+<p:sldLayout xmlns:a="http://schemas.openxmlformats.org/drawingml/2006/main" xmlns:r="http://schemas.openxmlformats.org/officeDocument/2006/relationships" xmlns:p="http://schemas.openxmlformats.org/presentationml/2006/main" showMasterSp="0" preserve="1">
+  <p:cSld name="Sitat med tekst">
+    <p:spTree>
+      <p:nvGrpSpPr>
+        <p:cNvPr id="1" name=""/>
+        <p:cNvGrpSpPr/>
+        <p:nvPr/>
+      </p:nvGrpSpPr>
+      <p:grpSpPr>
+        <a:xfrm>
+          <a:off x="0" y="0"/>
+          <a:ext cx="0" cy="0"/>
+          <a:chOff x="0" y="0"/>
+          <a:chExt cx="0" cy="0"/>
+        </a:xfrm>
+      </p:grpSpPr>
+      <p:pic>
+        <p:nvPicPr>
+          <p:cNvPr id="13" name="Picture 12" descr="C0-HD-BTM.png"/>
+          <p:cNvPicPr>
+            <a:picLocks noChangeAspect="1"/>
+          </p:cNvPicPr>
+          <p:nvPr/>
+        </p:nvPicPr>
+        <p:blipFill>
+          <a:blip r:embed="rId2">
+            <a:extLst>
+              <a:ext uri="{28A0092B-C50C-407E-A947-70E740481C1C}">
+                <a14:useLocalDpi xmlns:a14="http://schemas.microsoft.com/office/drawing/2010/main" val="0"/>
+              </a:ext>
+            </a:extLst>
+          </a:blip>
+          <a:stretch>
+            <a:fillRect/>
+          </a:stretch>
+        </p:blipFill>
+        <p:spPr>
+          <a:xfrm>
+            <a:off x="0" y="4375150"/>
+            <a:ext cx="12192000" cy="2482850"/>
+          </a:xfrm>
+          <a:prstGeom prst="rect">
+            <a:avLst/>
+          </a:prstGeom>
+        </p:spPr>
+      </p:pic>
+      <p:sp>
+        <p:nvSpPr>
+          <p:cNvPr id="2" name="Title 1"/>
+          <p:cNvSpPr>
+            <a:spLocks noGrp="1"/>
+          </p:cNvSpPr>
+          <p:nvPr>
+            <p:ph type="title"/>
+          </p:nvPr>
+        </p:nvSpPr>
+        <p:spPr>
+          <a:xfrm>
+            <a:off x="1024467" y="753533"/>
+            <a:ext cx="10151533" cy="2604495"/>
+          </a:xfrm>
+        </p:spPr>
+        <p:txBody>
+          <a:bodyPr anchor="ctr"/>
+          <a:lstStyle>
+            <a:lvl1pPr algn="l">
+              <a:defRPr sz="3200"/>
+            </a:lvl1pPr>
+          </a:lstStyle>
+          <a:p>
+            <a:r>
+              <a:rPr lang="nb-NO"/>
+              <a:t>Klikk for å redigere tittelstil</a:t>
+            </a:r>
+            <a:endParaRPr lang="en-US" dirty="0"/>
+          </a:p>
+        </p:txBody>
+      </p:sp>
+      <p:sp>
+        <p:nvSpPr>
+          <p:cNvPr id="12" name="Text Placeholder 3"/>
+          <p:cNvSpPr>
+            <a:spLocks noGrp="1"/>
+          </p:cNvSpPr>
+          <p:nvPr>
+            <p:ph type="body" sz="half" idx="13"/>
+          </p:nvPr>
+        </p:nvSpPr>
+        <p:spPr>
+          <a:xfrm>
+            <a:off x="1303865" y="3365556"/>
+            <a:ext cx="9592736" cy="444443"/>
+          </a:xfrm>
+        </p:spPr>
+        <p:txBody>
+          <a:bodyPr anchor="t">
+            <a:normAutofit/>
+          </a:bodyPr>
+          <a:lstStyle>
+            <a:lvl1pPr marL="0" indent="0">
+              <a:buNone/>
+              <a:defRPr sz="1400"/>
+            </a:lvl1pPr>
+            <a:lvl2pPr marL="457200" indent="0">
+              <a:buNone/>
+              <a:defRPr sz="1400"/>
+            </a:lvl2pPr>
+            <a:lvl3pPr marL="914400" indent="0">
+              <a:buNone/>
+              <a:defRPr sz="1200"/>
+            </a:lvl3pPr>
+            <a:lvl4pPr marL="1371600" indent="0">
+              <a:buNone/>
+              <a:defRPr sz="1000"/>
+            </a:lvl4pPr>
+            <a:lvl5pPr marL="1828800" indent="0">
+              <a:buNone/>
+              <a:defRPr sz="1000"/>
+            </a:lvl5pPr>
+            <a:lvl6pPr marL="2286000" indent="0">
+              <a:buNone/>
+              <a:defRPr sz="1000"/>
+            </a:lvl6pPr>
+            <a:lvl7pPr marL="2743200" indent="0">
+              <a:buNone/>
+              <a:defRPr sz="1000"/>
+            </a:lvl7pPr>
+            <a:lvl8pPr marL="3200400" indent="0">
+              <a:buNone/>
+              <a:defRPr sz="1000"/>
+            </a:lvl8pPr>
+            <a:lvl9pPr marL="3657600" indent="0">
+              <a:buNone/>
+              <a:defRPr sz="1000"/>
+            </a:lvl9pPr>
+          </a:lstStyle>
+          <a:p>
+            <a:pPr lvl="0"/>
+            <a:r>
+              <a:rPr lang="nb-NO"/>
+              <a:t>Klikk for å redigere tekststiler i malen</a:t>
+            </a:r>
+          </a:p>
+        </p:txBody>
+      </p:sp>
+      <p:sp>
+        <p:nvSpPr>
+          <p:cNvPr id="4" name="Text Placeholder 3"/>
+          <p:cNvSpPr>
+            <a:spLocks noGrp="1"/>
+          </p:cNvSpPr>
+          <p:nvPr>
+            <p:ph type="body" sz="half" idx="2"/>
+          </p:nvPr>
+        </p:nvSpPr>
+        <p:spPr>
+          <a:xfrm>
+            <a:off x="1024467" y="3959862"/>
+            <a:ext cx="10151533" cy="679871"/>
+          </a:xfrm>
+        </p:spPr>
+        <p:txBody>
+          <a:bodyPr anchor="ctr">
+            <a:normAutofit/>
+          </a:bodyPr>
+          <a:lstStyle>
+            <a:lvl1pPr marL="0" indent="0">
+              <a:buNone/>
+              <a:defRPr sz="1600"/>
+            </a:lvl1pPr>
+            <a:lvl2pPr marL="457200" indent="0">
+              <a:buNone/>
+              <a:defRPr sz="1400"/>
+            </a:lvl2pPr>
+            <a:lvl3pPr marL="914400" indent="0">
+              <a:buNone/>
+              <a:defRPr sz="1200"/>
+            </a:lvl3pPr>
+            <a:lvl4pPr marL="1371600" indent="0">
+              <a:buNone/>
+              <a:defRPr sz="1000"/>
+            </a:lvl4pPr>
+            <a:lvl5pPr marL="1828800" indent="0">
+              <a:buNone/>
+              <a:defRPr sz="1000"/>
+            </a:lvl5pPr>
+            <a:lvl6pPr marL="2286000" indent="0">
+              <a:buNone/>
+              <a:defRPr sz="1000"/>
+            </a:lvl6pPr>
+            <a:lvl7pPr marL="2743200" indent="0">
+              <a:buNone/>
+              <a:defRPr sz="1000"/>
+            </a:lvl7pPr>
+            <a:lvl8pPr marL="3200400" indent="0">
+              <a:buNone/>
+              <a:defRPr sz="1000"/>
+            </a:lvl8pPr>
+            <a:lvl9pPr marL="3657600" indent="0">
+              <a:buNone/>
+              <a:defRPr sz="1000"/>
+            </a:lvl9pPr>
+          </a:lstStyle>
+          <a:p>
+            <a:pPr lvl="0"/>
+            <a:r>
+              <a:rPr lang="nb-NO"/>
+              <a:t>Klikk for å redigere tekststiler i malen</a:t>
+            </a:r>
+          </a:p>
+        </p:txBody>
+      </p:sp>
+      <p:sp>
+        <p:nvSpPr>
+          <p:cNvPr id="5" name="Date Placeholder 4"/>
+          <p:cNvSpPr>
+            <a:spLocks noGrp="1"/>
+          </p:cNvSpPr>
+          <p:nvPr>
+            <p:ph type="dt" sz="half" idx="10"/>
+          </p:nvPr>
+        </p:nvSpPr>
+        <p:spPr>
+          <a:xfrm>
+            <a:off x="7814452" y="381000"/>
+            <a:ext cx="2910840" cy="365125"/>
+          </a:xfrm>
+        </p:spPr>
+        <p:txBody>
+          <a:bodyPr/>
+          <a:lstStyle>
+            <a:lvl1pPr algn="r">
+              <a:defRPr/>
+            </a:lvl1pPr>
+          </a:lstStyle>
+          <a:p>
+            <a:fld id="{157F21B9-E034-4324-AC08-9CA98376BE26}" type="datetimeFigureOut">
+              <a:rPr lang="nb-NO" smtClean="0"/>
+              <a:t>07.05.2019</a:t>
+            </a:fld>
+            <a:endParaRPr lang="nb-NO"/>
+          </a:p>
+        </p:txBody>
+      </p:sp>
+      <p:sp>
+        <p:nvSpPr>
+          <p:cNvPr id="6" name="Footer Placeholder 5"/>
+          <p:cNvSpPr>
+            <a:spLocks noGrp="1"/>
+          </p:cNvSpPr>
+          <p:nvPr>
+            <p:ph type="ftr" sz="quarter" idx="11"/>
+          </p:nvPr>
+        </p:nvSpPr>
+        <p:spPr>
+          <a:xfrm>
+            <a:off x="685800" y="379941"/>
+            <a:ext cx="6991492" cy="365125"/>
+          </a:xfrm>
+        </p:spPr>
+        <p:txBody>
+          <a:bodyPr/>
+          <a:lstStyle/>
+          <a:p>
+            <a:endParaRPr lang="nb-NO"/>
+          </a:p>
+        </p:txBody>
+      </p:sp>
+      <p:sp>
+        <p:nvSpPr>
+          <p:cNvPr id="7" name="Slide Number Placeholder 6"/>
+          <p:cNvSpPr>
+            <a:spLocks noGrp="1"/>
+          </p:cNvSpPr>
+          <p:nvPr>
+            <p:ph type="sldNum" sz="quarter" idx="12"/>
+          </p:nvPr>
+        </p:nvSpPr>
+        <p:spPr>
+          <a:xfrm>
+            <a:off x="10862452" y="381000"/>
+            <a:ext cx="643748" cy="365125"/>
+          </a:xfrm>
+        </p:spPr>
+        <p:txBody>
+          <a:bodyPr/>
+          <a:lstStyle/>
+          <a:p>
+            <a:fld id="{4F9999A4-F276-4C27-B35B-F10F793B62EC}" type="slidenum">
+              <a:rPr lang="nb-NO" smtClean="0"/>
+              <a:t>‹#›</a:t>
+            </a:fld>
+            <a:endParaRPr lang="nb-NO"/>
+          </a:p>
+        </p:txBody>
+      </p:sp>
+      <p:sp>
+        <p:nvSpPr>
+          <p:cNvPr id="9" name="TextBox 8"/>
+          <p:cNvSpPr txBox="1"/>
+          <p:nvPr/>
+        </p:nvSpPr>
+        <p:spPr>
+          <a:xfrm>
+            <a:off x="476250" y="933450"/>
+            <a:ext cx="609600" cy="584776"/>
+          </a:xfrm>
+          <a:prstGeom prst="rect">
+            <a:avLst/>
+          </a:prstGeom>
+        </p:spPr>
+        <p:txBody>
+          <a:bodyPr vert="horz" lIns="91440" tIns="45720" rIns="91440" bIns="45720" rtlCol="0" anchor="ctr">
+            <a:noAutofit/>
+          </a:bodyPr>
+          <a:lstStyle>
+            <a:lvl1pPr>
+              <a:spcBef>
+                <a:spcPct val="0"/>
+              </a:spcBef>
+              <a:buNone/>
+              <a:defRPr sz="3200" b="0" cap="all">
+                <a:ln w="3175" cmpd="sng">
+                  <a:noFill/>
+                </a:ln>
+                <a:effectLst>
+                  <a:glow rad="38100">
+                    <a:schemeClr val="bg1">
+                      <a:lumMod val="65000"/>
+                      <a:lumOff val="35000"/>
+                      <a:alpha val="40000"/>
+                    </a:schemeClr>
+                  </a:glow>
+                  <a:outerShdw blurRad="28575" dist="38100" dir="14040000" algn="tl" rotWithShape="0">
+                    <a:srgbClr val="000000">
+                      <a:alpha val="25000"/>
+                    </a:srgbClr>
+                  </a:outerShdw>
+                </a:effectLst>
+              </a:defRPr>
+            </a:lvl1pPr>
+            <a:lvl2pPr>
+              <a:defRPr>
+                <a:solidFill>
+                  <a:schemeClr val="tx2"/>
+                </a:solidFill>
+              </a:defRPr>
+            </a:lvl2pPr>
+            <a:lvl3pPr>
+              <a:defRPr>
+                <a:solidFill>
+                  <a:schemeClr val="tx2"/>
+                </a:solidFill>
+              </a:defRPr>
+            </a:lvl3pPr>
+            <a:lvl4pPr>
+              <a:defRPr>
+                <a:solidFill>
+                  <a:schemeClr val="tx2"/>
+                </a:solidFill>
+              </a:defRPr>
+            </a:lvl4pPr>
+            <a:lvl5pPr>
+              <a:defRPr>
+                <a:solidFill>
+                  <a:schemeClr val="tx2"/>
+                </a:solidFill>
+              </a:defRPr>
+            </a:lvl5pPr>
+            <a:lvl6pPr>
+              <a:defRPr>
+                <a:solidFill>
+                  <a:schemeClr val="tx2"/>
+                </a:solidFill>
+              </a:defRPr>
+            </a:lvl6pPr>
+            <a:lvl7pPr>
+              <a:defRPr>
+                <a:solidFill>
+                  <a:schemeClr val="tx2"/>
+                </a:solidFill>
+              </a:defRPr>
+            </a:lvl7pPr>
+            <a:lvl8pPr>
+              <a:defRPr>
+                <a:solidFill>
+                  <a:schemeClr val="tx2"/>
+                </a:solidFill>
+              </a:defRPr>
+            </a:lvl8pPr>
+            <a:lvl9pPr>
+              <a:defRPr>
+                <a:solidFill>
+                  <a:schemeClr val="tx2"/>
+                </a:solidFill>
+              </a:defRPr>
+            </a:lvl9pPr>
+          </a:lstStyle>
+          <a:p>
+            <a:pPr lvl="0"/>
+            <a:r>
+              <a:rPr lang="en-US" sz="8000" dirty="0">
+                <a:solidFill>
+                  <a:schemeClr val="tx1"/>
+                </a:solidFill>
+                <a:effectLst/>
+              </a:rPr>
+              <a:t>“</a:t>
+            </a:r>
+          </a:p>
+        </p:txBody>
+      </p:sp>
+      <p:sp>
+        <p:nvSpPr>
+          <p:cNvPr id="10" name="TextBox 9"/>
+          <p:cNvSpPr txBox="1"/>
+          <p:nvPr/>
+        </p:nvSpPr>
+        <p:spPr>
+          <a:xfrm>
+            <a:off x="10984230" y="2701290"/>
+            <a:ext cx="609600" cy="584776"/>
+          </a:xfrm>
+          <a:prstGeom prst="rect">
+            <a:avLst/>
+          </a:prstGeom>
+        </p:spPr>
+        <p:txBody>
+          <a:bodyPr vert="horz" lIns="91440" tIns="45720" rIns="91440" bIns="45720" rtlCol="0" anchor="ctr">
+            <a:noAutofit/>
+          </a:bodyPr>
+          <a:lstStyle>
+            <a:lvl1pPr>
+              <a:spcBef>
+                <a:spcPct val="0"/>
+              </a:spcBef>
+              <a:buNone/>
+              <a:defRPr sz="3200" b="0" cap="all">
+                <a:ln w="3175" cmpd="sng">
+                  <a:noFill/>
+                </a:ln>
+                <a:effectLst>
+                  <a:glow rad="38100">
+                    <a:schemeClr val="bg1">
+                      <a:lumMod val="65000"/>
+                      <a:lumOff val="35000"/>
+                      <a:alpha val="40000"/>
+                    </a:schemeClr>
+                  </a:glow>
+                  <a:outerShdw blurRad="28575" dist="38100" dir="14040000" algn="tl" rotWithShape="0">
+                    <a:srgbClr val="000000">
+                      <a:alpha val="25000"/>
+                    </a:srgbClr>
+                  </a:outerShdw>
+                </a:effectLst>
+              </a:defRPr>
+            </a:lvl1pPr>
+            <a:lvl2pPr>
+              <a:defRPr>
+                <a:solidFill>
+                  <a:schemeClr val="tx2"/>
+                </a:solidFill>
+              </a:defRPr>
+            </a:lvl2pPr>
+            <a:lvl3pPr>
+              <a:defRPr>
+                <a:solidFill>
+                  <a:schemeClr val="tx2"/>
+                </a:solidFill>
+              </a:defRPr>
+            </a:lvl3pPr>
+            <a:lvl4pPr>
+              <a:defRPr>
+                <a:solidFill>
+                  <a:schemeClr val="tx2"/>
+                </a:solidFill>
+              </a:defRPr>
+            </a:lvl4pPr>
+            <a:lvl5pPr>
+              <a:defRPr>
+                <a:solidFill>
+                  <a:schemeClr val="tx2"/>
+                </a:solidFill>
+              </a:defRPr>
+            </a:lvl5pPr>
+            <a:lvl6pPr>
+              <a:defRPr>
+                <a:solidFill>
+                  <a:schemeClr val="tx2"/>
+                </a:solidFill>
+              </a:defRPr>
+            </a:lvl6pPr>
+            <a:lvl7pPr>
+              <a:defRPr>
+                <a:solidFill>
+                  <a:schemeClr val="tx2"/>
+                </a:solidFill>
+              </a:defRPr>
+            </a:lvl7pPr>
+            <a:lvl8pPr>
+              <a:defRPr>
+                <a:solidFill>
+                  <a:schemeClr val="tx2"/>
+                </a:solidFill>
+              </a:defRPr>
+            </a:lvl8pPr>
+            <a:lvl9pPr>
+              <a:defRPr>
+                <a:solidFill>
+                  <a:schemeClr val="tx2"/>
+                </a:solidFill>
+              </a:defRPr>
+            </a:lvl9pPr>
+          </a:lstStyle>
+          <a:p>
+            <a:pPr lvl="0" algn="r"/>
+            <a:r>
+              <a:rPr lang="en-US" sz="8000" dirty="0">
+                <a:solidFill>
+                  <a:schemeClr val="tx1"/>
+                </a:solidFill>
+                <a:effectLst/>
+              </a:rPr>
+              <a:t>”</a:t>
+            </a:r>
+          </a:p>
+        </p:txBody>
+      </p:sp>
+    </p:spTree>
+    <p:extLst>
+      <p:ext uri="{BB962C8B-B14F-4D97-AF65-F5344CB8AC3E}">
+        <p14:creationId xmlns:p14="http://schemas.microsoft.com/office/powerpoint/2010/main" val="4140304089"/>
+      </p:ext>
+    </p:extLst>
+  </p:cSld>
+  <p:clrMapOvr>
+    <a:masterClrMapping/>
+  </p:clrMapOvr>
+</p:sldLayout>
+</file>
+
+<file path=ppt/slideLayouts/slideLayout13.xml><?xml version="1.0" encoding="utf-8"?>
+<p:sldLayout xmlns:a="http://schemas.openxmlformats.org/drawingml/2006/main" xmlns:r="http://schemas.openxmlformats.org/officeDocument/2006/relationships" xmlns:p="http://schemas.openxmlformats.org/presentationml/2006/main" showMasterSp="0" preserve="1">
+  <p:cSld name="Navnekort">
+    <p:spTree>
+      <p:nvGrpSpPr>
+        <p:cNvPr id="1" name=""/>
+        <p:cNvGrpSpPr/>
+        <p:nvPr/>
+      </p:nvGrpSpPr>
+      <p:grpSpPr>
+        <a:xfrm>
+          <a:off x="0" y="0"/>
+          <a:ext cx="0" cy="0"/>
+          <a:chOff x="0" y="0"/>
+          <a:chExt cx="0" cy="0"/>
+        </a:xfrm>
+      </p:grpSpPr>
+      <p:pic>
+        <p:nvPicPr>
+          <p:cNvPr id="9" name="Picture 8" descr="C0-HD-BTM.png"/>
+          <p:cNvPicPr>
+            <a:picLocks noChangeAspect="1"/>
+          </p:cNvPicPr>
+          <p:nvPr/>
+        </p:nvPicPr>
+        <p:blipFill>
+          <a:blip r:embed="rId2">
+            <a:extLst>
+              <a:ext uri="{28A0092B-C50C-407E-A947-70E740481C1C}">
+                <a14:useLocalDpi xmlns:a14="http://schemas.microsoft.com/office/drawing/2010/main" val="0"/>
+              </a:ext>
+            </a:extLst>
+          </a:blip>
+          <a:stretch>
+            <a:fillRect/>
+          </a:stretch>
+        </p:blipFill>
+        <p:spPr>
+          <a:xfrm>
+            <a:off x="0" y="4375150"/>
+            <a:ext cx="12192000" cy="2482850"/>
+          </a:xfrm>
+          <a:prstGeom prst="rect">
+            <a:avLst/>
+          </a:prstGeom>
+        </p:spPr>
+      </p:pic>
+      <p:sp>
+        <p:nvSpPr>
+          <p:cNvPr id="2" name="Title 1"/>
+          <p:cNvSpPr>
+            <a:spLocks noGrp="1"/>
+          </p:cNvSpPr>
+          <p:nvPr>
+            <p:ph type="title"/>
+          </p:nvPr>
+        </p:nvSpPr>
+        <p:spPr>
+          <a:xfrm>
+            <a:off x="1024495" y="1124701"/>
+            <a:ext cx="10146186" cy="2511835"/>
+          </a:xfrm>
+        </p:spPr>
+        <p:txBody>
+          <a:bodyPr anchor="b"/>
+          <a:lstStyle>
+            <a:lvl1pPr algn="l">
+              <a:defRPr sz="3200"/>
+            </a:lvl1pPr>
+          </a:lstStyle>
+          <a:p>
+            <a:r>
+              <a:rPr lang="nb-NO"/>
+              <a:t>Klikk for å redigere tittelstil</a:t>
+            </a:r>
+            <a:endParaRPr lang="en-US" dirty="0"/>
+          </a:p>
+        </p:txBody>
+      </p:sp>
+      <p:sp>
+        <p:nvSpPr>
+          <p:cNvPr id="4" name="Text Placeholder 3"/>
+          <p:cNvSpPr>
+            <a:spLocks noGrp="1"/>
+          </p:cNvSpPr>
+          <p:nvPr>
+            <p:ph type="body" sz="half" idx="2"/>
+          </p:nvPr>
+        </p:nvSpPr>
+        <p:spPr>
+          <a:xfrm>
+            <a:off x="1024467" y="3648315"/>
+            <a:ext cx="10144654" cy="999885"/>
+          </a:xfrm>
+        </p:spPr>
+        <p:txBody>
+          <a:bodyPr anchor="t"/>
+          <a:lstStyle>
+            <a:lvl1pPr marL="0" indent="0">
+              <a:buNone/>
+              <a:defRPr sz="1600"/>
+            </a:lvl1pPr>
+            <a:lvl2pPr marL="457200" indent="0">
+              <a:buNone/>
+              <a:defRPr sz="1400"/>
+            </a:lvl2pPr>
+            <a:lvl3pPr marL="914400" indent="0">
+              <a:buNone/>
+              <a:defRPr sz="1200"/>
+            </a:lvl3pPr>
+            <a:lvl4pPr marL="1371600" indent="0">
+              <a:buNone/>
+              <a:defRPr sz="1000"/>
+            </a:lvl4pPr>
+            <a:lvl5pPr marL="1828800" indent="0">
+              <a:buNone/>
+              <a:defRPr sz="1000"/>
+            </a:lvl5pPr>
+            <a:lvl6pPr marL="2286000" indent="0">
+              <a:buNone/>
+              <a:defRPr sz="1000"/>
+            </a:lvl6pPr>
+            <a:lvl7pPr marL="2743200" indent="0">
+              <a:buNone/>
+              <a:defRPr sz="1000"/>
+            </a:lvl7pPr>
+            <a:lvl8pPr marL="3200400" indent="0">
+              <a:buNone/>
+              <a:defRPr sz="1000"/>
+            </a:lvl8pPr>
+            <a:lvl9pPr marL="3657600" indent="0">
+              <a:buNone/>
+              <a:defRPr sz="1000"/>
+            </a:lvl9pPr>
+          </a:lstStyle>
+          <a:p>
+            <a:pPr lvl="0"/>
+            <a:r>
+              <a:rPr lang="nb-NO"/>
+              <a:t>Klikk for å redigere tekststiler i malen</a:t>
+            </a:r>
+          </a:p>
+        </p:txBody>
+      </p:sp>
+      <p:sp>
+        <p:nvSpPr>
+          <p:cNvPr id="5" name="Date Placeholder 4"/>
+          <p:cNvSpPr>
+            <a:spLocks noGrp="1"/>
+          </p:cNvSpPr>
+          <p:nvPr>
+            <p:ph type="dt" sz="half" idx="10"/>
+          </p:nvPr>
+        </p:nvSpPr>
+        <p:spPr>
+          <a:xfrm>
+            <a:off x="7814452" y="378883"/>
+            <a:ext cx="2910840" cy="365125"/>
+          </a:xfrm>
+        </p:spPr>
+        <p:txBody>
+          <a:bodyPr/>
+          <a:lstStyle>
+            <a:lvl1pPr algn="r">
+              <a:defRPr/>
+            </a:lvl1pPr>
+          </a:lstStyle>
+          <a:p>
+            <a:fld id="{157F21B9-E034-4324-AC08-9CA98376BE26}" type="datetimeFigureOut">
+              <a:rPr lang="nb-NO" smtClean="0"/>
+              <a:t>07.05.2019</a:t>
+            </a:fld>
+            <a:endParaRPr lang="nb-NO"/>
+          </a:p>
+        </p:txBody>
+      </p:sp>
+      <p:sp>
+        <p:nvSpPr>
+          <p:cNvPr id="6" name="Footer Placeholder 5"/>
+          <p:cNvSpPr>
+            <a:spLocks noGrp="1"/>
+          </p:cNvSpPr>
+          <p:nvPr>
+            <p:ph type="ftr" sz="quarter" idx="11"/>
+          </p:nvPr>
+        </p:nvSpPr>
+        <p:spPr>
+          <a:xfrm>
+            <a:off x="685800" y="378883"/>
+            <a:ext cx="6991492" cy="365125"/>
+          </a:xfrm>
+        </p:spPr>
+        <p:txBody>
+          <a:bodyPr/>
+          <a:lstStyle/>
+          <a:p>
+            <a:endParaRPr lang="nb-NO"/>
+          </a:p>
+        </p:txBody>
+      </p:sp>
+      <p:sp>
+        <p:nvSpPr>
+          <p:cNvPr id="7" name="Slide Number Placeholder 6"/>
+          <p:cNvSpPr>
+            <a:spLocks noGrp="1"/>
+          </p:cNvSpPr>
+          <p:nvPr>
+            <p:ph type="sldNum" sz="quarter" idx="12"/>
+          </p:nvPr>
+        </p:nvSpPr>
+        <p:spPr>
+          <a:xfrm>
+            <a:off x="10862452" y="381000"/>
+            <a:ext cx="643748" cy="365125"/>
+          </a:xfrm>
+        </p:spPr>
+        <p:txBody>
+          <a:bodyPr/>
+          <a:lstStyle/>
+          <a:p>
+            <a:fld id="{4F9999A4-F276-4C27-B35B-F10F793B62EC}" type="slidenum">
+              <a:rPr lang="nb-NO" smtClean="0"/>
+              <a:t>‹#›</a:t>
+            </a:fld>
+            <a:endParaRPr lang="nb-NO"/>
+          </a:p>
+        </p:txBody>
+      </p:sp>
+    </p:spTree>
+    <p:extLst>
+      <p:ext uri="{BB962C8B-B14F-4D97-AF65-F5344CB8AC3E}">
+        <p14:creationId xmlns:p14="http://schemas.microsoft.com/office/powerpoint/2010/main" val="2251851009"/>
+      </p:ext>
+    </p:extLst>
+  </p:cSld>
+  <p:clrMapOvr>
+    <a:masterClrMapping/>
+  </p:clrMapOvr>
+</p:sldLayout>
+</file>
+
+<file path=ppt/slideLayouts/slideLayout14.xml><?xml version="1.0" encoding="utf-8"?>
+<p:sldLayout xmlns:a="http://schemas.openxmlformats.org/drawingml/2006/main" xmlns:r="http://schemas.openxmlformats.org/officeDocument/2006/relationships" xmlns:p="http://schemas.openxmlformats.org/presentationml/2006/main" preserve="1">
+  <p:cSld name="3 kolonner">
+    <p:spTree>
+      <p:nvGrpSpPr>
+        <p:cNvPr id="1" name=""/>
+        <p:cNvGrpSpPr/>
+        <p:nvPr/>
+      </p:nvGrpSpPr>
+      <p:grpSpPr>
+        <a:xfrm>
+          <a:off x="0" y="0"/>
+          <a:ext cx="0" cy="0"/>
+          <a:chOff x="0" y="0"/>
+          <a:chExt cx="0" cy="0"/>
+        </a:xfrm>
+      </p:grpSpPr>
+      <p:sp>
+        <p:nvSpPr>
+          <p:cNvPr id="15" name="Title 1"/>
+          <p:cNvSpPr>
+            <a:spLocks noGrp="1"/>
+          </p:cNvSpPr>
+          <p:nvPr>
+            <p:ph type="title"/>
+          </p:nvPr>
+        </p:nvSpPr>
+        <p:spPr>
+          <a:xfrm>
+            <a:off x="2895600" y="761999"/>
+            <a:ext cx="8610599" cy="1303867"/>
+          </a:xfrm>
+        </p:spPr>
+        <p:txBody>
+          <a:bodyPr/>
+          <a:lstStyle/>
+          <a:p>
+            <a:r>
+              <a:rPr lang="nb-NO"/>
+              <a:t>Klikk for å redigere tittelstil</a:t>
+            </a:r>
+            <a:endParaRPr lang="en-US" dirty="0"/>
+          </a:p>
+        </p:txBody>
+      </p:sp>
+      <p:sp>
+        <p:nvSpPr>
+          <p:cNvPr id="7" name="Text Placeholder 2"/>
+          <p:cNvSpPr>
+            <a:spLocks noGrp="1"/>
+          </p:cNvSpPr>
+          <p:nvPr>
+            <p:ph type="body" idx="1"/>
+          </p:nvPr>
+        </p:nvSpPr>
+        <p:spPr>
+          <a:xfrm>
+            <a:off x="685800" y="2202080"/>
+            <a:ext cx="3456432" cy="617320"/>
+          </a:xfrm>
+        </p:spPr>
+        <p:txBody>
+          <a:bodyPr anchor="b">
+            <a:noAutofit/>
+          </a:bodyPr>
+          <a:lstStyle>
+            <a:lvl1pPr marL="0" indent="0">
+              <a:buNone/>
+              <a:defRPr sz="2400" b="0">
+                <a:solidFill>
+                  <a:schemeClr val="tx1"/>
+                </a:solidFill>
+              </a:defRPr>
+            </a:lvl1pPr>
+            <a:lvl2pPr marL="457200" indent="0">
+              <a:buNone/>
+              <a:defRPr sz="2000" b="1"/>
+            </a:lvl2pPr>
+            <a:lvl3pPr marL="914400" indent="0">
+              <a:buNone/>
+              <a:defRPr sz="1800" b="1"/>
+            </a:lvl3pPr>
+            <a:lvl4pPr marL="1371600" indent="0">
+              <a:buNone/>
+              <a:defRPr sz="1600" b="1"/>
+            </a:lvl4pPr>
+            <a:lvl5pPr marL="1828800" indent="0">
+              <a:buNone/>
+              <a:defRPr sz="1600" b="1"/>
+            </a:lvl5pPr>
+            <a:lvl6pPr marL="2286000" indent="0">
+              <a:buNone/>
+              <a:defRPr sz="1600" b="1"/>
+            </a:lvl6pPr>
+            <a:lvl7pPr marL="2743200" indent="0">
+              <a:buNone/>
+              <a:defRPr sz="1600" b="1"/>
+            </a:lvl7pPr>
+            <a:lvl8pPr marL="3200400" indent="0">
+              <a:buNone/>
+              <a:defRPr sz="1600" b="1"/>
+            </a:lvl8pPr>
+            <a:lvl9pPr marL="3657600" indent="0">
+              <a:buNone/>
+              <a:defRPr sz="1600" b="1"/>
+            </a:lvl9pPr>
+          </a:lstStyle>
+          <a:p>
+            <a:pPr lvl="0"/>
+            <a:r>
+              <a:rPr lang="nb-NO"/>
+              <a:t>Klikk for å redigere tekststiler i malen</a:t>
+            </a:r>
+          </a:p>
+        </p:txBody>
+      </p:sp>
+      <p:sp>
+        <p:nvSpPr>
+          <p:cNvPr id="8" name="Text Placeholder 3"/>
+          <p:cNvSpPr>
+            <a:spLocks noGrp="1"/>
+          </p:cNvSpPr>
+          <p:nvPr>
+            <p:ph type="body" sz="half" idx="15"/>
+          </p:nvPr>
+        </p:nvSpPr>
+        <p:spPr>
+          <a:xfrm>
+            <a:off x="685799" y="2904565"/>
+            <a:ext cx="3456432" cy="3314132"/>
+          </a:xfrm>
+        </p:spPr>
+        <p:txBody>
+          <a:bodyPr anchor="t">
+            <a:normAutofit/>
+          </a:bodyPr>
+          <a:lstStyle>
+            <a:lvl1pPr marL="0" indent="0">
+              <a:buNone/>
+              <a:defRPr sz="1400"/>
+            </a:lvl1pPr>
+            <a:lvl2pPr marL="457200" indent="0">
+              <a:buNone/>
+              <a:defRPr sz="1200"/>
+            </a:lvl2pPr>
+            <a:lvl3pPr marL="914400" indent="0">
+              <a:buNone/>
+              <a:defRPr sz="1000"/>
+            </a:lvl3pPr>
+            <a:lvl4pPr marL="1371600" indent="0">
+              <a:buNone/>
+              <a:defRPr sz="900"/>
+            </a:lvl4pPr>
+            <a:lvl5pPr marL="1828800" indent="0">
+              <a:buNone/>
+              <a:defRPr sz="900"/>
+            </a:lvl5pPr>
+            <a:lvl6pPr marL="2286000" indent="0">
+              <a:buNone/>
+              <a:defRPr sz="900"/>
+            </a:lvl6pPr>
+            <a:lvl7pPr marL="2743200" indent="0">
+              <a:buNone/>
+              <a:defRPr sz="900"/>
+            </a:lvl7pPr>
+            <a:lvl8pPr marL="3200400" indent="0">
+              <a:buNone/>
+              <a:defRPr sz="900"/>
+            </a:lvl8pPr>
+            <a:lvl9pPr marL="3657600" indent="0">
+              <a:buNone/>
+              <a:defRPr sz="900"/>
+            </a:lvl9pPr>
+          </a:lstStyle>
+          <a:p>
+            <a:pPr lvl="0"/>
+            <a:r>
+              <a:rPr lang="nb-NO"/>
+              <a:t>Klikk for å redigere tekststiler i malen</a:t>
+            </a:r>
+          </a:p>
+        </p:txBody>
+      </p:sp>
+      <p:sp>
+        <p:nvSpPr>
+          <p:cNvPr id="9" name="Text Placeholder 4"/>
+          <p:cNvSpPr>
+            <a:spLocks noGrp="1"/>
+          </p:cNvSpPr>
+          <p:nvPr>
+            <p:ph type="body" sz="quarter" idx="3"/>
+          </p:nvPr>
+        </p:nvSpPr>
+        <p:spPr>
+          <a:xfrm>
+            <a:off x="4368800" y="2201333"/>
+            <a:ext cx="3456432" cy="626534"/>
+          </a:xfrm>
+        </p:spPr>
+        <p:txBody>
+          <a:bodyPr anchor="b">
+            <a:noAutofit/>
+          </a:bodyPr>
+          <a:lstStyle>
+            <a:lvl1pPr marL="0" indent="0">
+              <a:buNone/>
+              <a:defRPr sz="2400" b="0">
+                <a:solidFill>
+                  <a:schemeClr val="tx1"/>
+                </a:solidFill>
+              </a:defRPr>
+            </a:lvl1pPr>
+            <a:lvl2pPr marL="457200" indent="0">
+              <a:buNone/>
+              <a:defRPr sz="2000" b="1"/>
+            </a:lvl2pPr>
+            <a:lvl3pPr marL="914400" indent="0">
+              <a:buNone/>
+              <a:defRPr sz="1800" b="1"/>
+            </a:lvl3pPr>
+            <a:lvl4pPr marL="1371600" indent="0">
+              <a:buNone/>
+              <a:defRPr sz="1600" b="1"/>
+            </a:lvl4pPr>
+            <a:lvl5pPr marL="1828800" indent="0">
+              <a:buNone/>
+              <a:defRPr sz="1600" b="1"/>
+            </a:lvl5pPr>
+            <a:lvl6pPr marL="2286000" indent="0">
+              <a:buNone/>
+              <a:defRPr sz="1600" b="1"/>
+            </a:lvl6pPr>
+            <a:lvl7pPr marL="2743200" indent="0">
+              <a:buNone/>
+              <a:defRPr sz="1600" b="1"/>
+            </a:lvl7pPr>
+            <a:lvl8pPr marL="3200400" indent="0">
+              <a:buNone/>
+              <a:defRPr sz="1600" b="1"/>
+            </a:lvl8pPr>
+            <a:lvl9pPr marL="3657600" indent="0">
+              <a:buNone/>
+              <a:defRPr sz="1600" b="1"/>
+            </a:lvl9pPr>
+          </a:lstStyle>
+          <a:p>
+            <a:pPr lvl="0"/>
+            <a:r>
+              <a:rPr lang="nb-NO"/>
+              <a:t>Klikk for å redigere tekststiler i malen</a:t>
+            </a:r>
+          </a:p>
+        </p:txBody>
+      </p:sp>
+      <p:sp>
+        <p:nvSpPr>
+          <p:cNvPr id="10" name="Text Placeholder 3"/>
+          <p:cNvSpPr>
+            <a:spLocks noGrp="1"/>
+          </p:cNvSpPr>
+          <p:nvPr>
+            <p:ph type="body" sz="half" idx="16"/>
+          </p:nvPr>
+        </p:nvSpPr>
+        <p:spPr>
+          <a:xfrm>
+            <a:off x="4366858" y="2904067"/>
+            <a:ext cx="3456432" cy="3314618"/>
+          </a:xfrm>
+        </p:spPr>
+        <p:txBody>
+          <a:bodyPr anchor="t">
+            <a:normAutofit/>
+          </a:bodyPr>
+          <a:lstStyle>
+            <a:lvl1pPr marL="0" indent="0">
+              <a:buNone/>
+              <a:defRPr sz="1400"/>
+            </a:lvl1pPr>
+            <a:lvl2pPr marL="457200" indent="0">
+              <a:buNone/>
+              <a:defRPr sz="1200"/>
+            </a:lvl2pPr>
+            <a:lvl3pPr marL="914400" indent="0">
+              <a:buNone/>
+              <a:defRPr sz="1000"/>
+            </a:lvl3pPr>
+            <a:lvl4pPr marL="1371600" indent="0">
+              <a:buNone/>
+              <a:defRPr sz="900"/>
+            </a:lvl4pPr>
+            <a:lvl5pPr marL="1828800" indent="0">
+              <a:buNone/>
+              <a:defRPr sz="900"/>
+            </a:lvl5pPr>
+            <a:lvl6pPr marL="2286000" indent="0">
+              <a:buNone/>
+              <a:defRPr sz="900"/>
+            </a:lvl6pPr>
+            <a:lvl7pPr marL="2743200" indent="0">
+              <a:buNone/>
+              <a:defRPr sz="900"/>
+            </a:lvl7pPr>
+            <a:lvl8pPr marL="3200400" indent="0">
+              <a:buNone/>
+              <a:defRPr sz="900"/>
+            </a:lvl8pPr>
+            <a:lvl9pPr marL="3657600" indent="0">
+              <a:buNone/>
+              <a:defRPr sz="900"/>
+            </a:lvl9pPr>
+          </a:lstStyle>
+          <a:p>
+            <a:pPr lvl="0"/>
+            <a:r>
+              <a:rPr lang="nb-NO"/>
+              <a:t>Klikk for å redigere tekststiler i malen</a:t>
+            </a:r>
+          </a:p>
+        </p:txBody>
+      </p:sp>
+      <p:sp>
+        <p:nvSpPr>
+          <p:cNvPr id="11" name="Text Placeholder 4"/>
+          <p:cNvSpPr>
+            <a:spLocks noGrp="1"/>
+          </p:cNvSpPr>
+          <p:nvPr>
+            <p:ph type="body" sz="quarter" idx="13"/>
+          </p:nvPr>
+        </p:nvSpPr>
+        <p:spPr>
+          <a:xfrm>
+            <a:off x="8051800" y="2192866"/>
+            <a:ext cx="3456432" cy="626534"/>
+          </a:xfrm>
+        </p:spPr>
+        <p:txBody>
+          <a:bodyPr anchor="b">
+            <a:noAutofit/>
+          </a:bodyPr>
+          <a:lstStyle>
+            <a:lvl1pPr marL="0" indent="0">
+              <a:buNone/>
+              <a:defRPr sz="2400" b="0">
+                <a:solidFill>
+                  <a:schemeClr val="tx1"/>
+                </a:solidFill>
+              </a:defRPr>
+            </a:lvl1pPr>
+            <a:lvl2pPr marL="457200" indent="0">
+              <a:buNone/>
+              <a:defRPr sz="2000" b="1"/>
+            </a:lvl2pPr>
+            <a:lvl3pPr marL="914400" indent="0">
+              <a:buNone/>
+              <a:defRPr sz="1800" b="1"/>
+            </a:lvl3pPr>
+            <a:lvl4pPr marL="1371600" indent="0">
+              <a:buNone/>
+              <a:defRPr sz="1600" b="1"/>
+            </a:lvl4pPr>
+            <a:lvl5pPr marL="1828800" indent="0">
+              <a:buNone/>
+              <a:defRPr sz="1600" b="1"/>
+            </a:lvl5pPr>
+            <a:lvl6pPr marL="2286000" indent="0">
+              <a:buNone/>
+              <a:defRPr sz="1600" b="1"/>
+            </a:lvl6pPr>
+            <a:lvl7pPr marL="2743200" indent="0">
+              <a:buNone/>
+              <a:defRPr sz="1600" b="1"/>
+            </a:lvl7pPr>
+            <a:lvl8pPr marL="3200400" indent="0">
+              <a:buNone/>
+              <a:defRPr sz="1600" b="1"/>
+            </a:lvl8pPr>
+            <a:lvl9pPr marL="3657600" indent="0">
+              <a:buNone/>
+              <a:defRPr sz="1600" b="1"/>
+            </a:lvl9pPr>
+          </a:lstStyle>
+          <a:p>
+            <a:pPr lvl="0"/>
+            <a:r>
+              <a:rPr lang="nb-NO"/>
+              <a:t>Klikk for å redigere tekststiler i malen</a:t>
+            </a:r>
+          </a:p>
+        </p:txBody>
+      </p:sp>
+      <p:sp>
+        <p:nvSpPr>
+          <p:cNvPr id="12" name="Text Placeholder 3"/>
+          <p:cNvSpPr>
+            <a:spLocks noGrp="1"/>
+          </p:cNvSpPr>
+          <p:nvPr>
+            <p:ph type="body" sz="half" idx="17"/>
+          </p:nvPr>
+        </p:nvSpPr>
+        <p:spPr>
+          <a:xfrm>
+            <a:off x="8051801" y="2904565"/>
+            <a:ext cx="3456432" cy="3314132"/>
+          </a:xfrm>
+        </p:spPr>
+        <p:txBody>
+          <a:bodyPr anchor="t">
+            <a:normAutofit/>
+          </a:bodyPr>
+          <a:lstStyle>
+            <a:lvl1pPr marL="0" indent="0">
+              <a:buNone/>
+              <a:defRPr sz="1400"/>
+            </a:lvl1pPr>
+            <a:lvl2pPr marL="457200" indent="0">
+              <a:buNone/>
+              <a:defRPr sz="1200"/>
+            </a:lvl2pPr>
+            <a:lvl3pPr marL="914400" indent="0">
+              <a:buNone/>
+              <a:defRPr sz="1000"/>
+            </a:lvl3pPr>
+            <a:lvl4pPr marL="1371600" indent="0">
+              <a:buNone/>
+              <a:defRPr sz="900"/>
+            </a:lvl4pPr>
+            <a:lvl5pPr marL="1828800" indent="0">
+              <a:buNone/>
+              <a:defRPr sz="900"/>
+            </a:lvl5pPr>
+            <a:lvl6pPr marL="2286000" indent="0">
+              <a:buNone/>
+              <a:defRPr sz="900"/>
+            </a:lvl6pPr>
+            <a:lvl7pPr marL="2743200" indent="0">
+              <a:buNone/>
+              <a:defRPr sz="900"/>
+            </a:lvl7pPr>
+            <a:lvl8pPr marL="3200400" indent="0">
+              <a:buNone/>
+              <a:defRPr sz="900"/>
+            </a:lvl8pPr>
+            <a:lvl9pPr marL="3657600" indent="0">
+              <a:buNone/>
+              <a:defRPr sz="900"/>
+            </a:lvl9pPr>
+          </a:lstStyle>
+          <a:p>
+            <a:pPr lvl="0"/>
+            <a:r>
+              <a:rPr lang="nb-NO"/>
+              <a:t>Klikk for å redigere tekststiler i malen</a:t>
+            </a:r>
+          </a:p>
+        </p:txBody>
+      </p:sp>
+      <p:sp>
+        <p:nvSpPr>
+          <p:cNvPr id="3" name="Date Placeholder 2"/>
+          <p:cNvSpPr>
+            <a:spLocks noGrp="1"/>
+          </p:cNvSpPr>
+          <p:nvPr>
+            <p:ph type="dt" sz="half" idx="10"/>
+          </p:nvPr>
+        </p:nvSpPr>
+        <p:spPr/>
+        <p:txBody>
+          <a:bodyPr/>
+          <a:lstStyle/>
+          <a:p>
+            <a:fld id="{157F21B9-E034-4324-AC08-9CA98376BE26}" type="datetimeFigureOut">
+              <a:rPr lang="nb-NO" smtClean="0"/>
+              <a:t>07.05.2019</a:t>
+            </a:fld>
+            <a:endParaRPr lang="nb-NO"/>
+          </a:p>
+        </p:txBody>
+      </p:sp>
+      <p:sp>
+        <p:nvSpPr>
+          <p:cNvPr id="4" name="Footer Placeholder 3"/>
+          <p:cNvSpPr>
+            <a:spLocks noGrp="1"/>
+          </p:cNvSpPr>
+          <p:nvPr>
+            <p:ph type="ftr" sz="quarter" idx="11"/>
+          </p:nvPr>
+        </p:nvSpPr>
+        <p:spPr/>
+        <p:txBody>
+          <a:bodyPr/>
+          <a:lstStyle/>
+          <a:p>
+            <a:endParaRPr lang="nb-NO"/>
+          </a:p>
+        </p:txBody>
+      </p:sp>
+      <p:sp>
+        <p:nvSpPr>
+          <p:cNvPr id="5" name="Slide Number Placeholder 4"/>
+          <p:cNvSpPr>
+            <a:spLocks noGrp="1"/>
+          </p:cNvSpPr>
+          <p:nvPr>
+            <p:ph type="sldNum" sz="quarter" idx="12"/>
+          </p:nvPr>
+        </p:nvSpPr>
+        <p:spPr/>
+        <p:txBody>
+          <a:bodyPr/>
+          <a:lstStyle/>
+          <a:p>
+            <a:fld id="{4F9999A4-F276-4C27-B35B-F10F793B62EC}" type="slidenum">
+              <a:rPr lang="nb-NO" smtClean="0"/>
+              <a:t>‹#›</a:t>
+            </a:fld>
+            <a:endParaRPr lang="nb-NO"/>
+          </a:p>
+        </p:txBody>
+      </p:sp>
+    </p:spTree>
+    <p:extLst>
+      <p:ext uri="{BB962C8B-B14F-4D97-AF65-F5344CB8AC3E}">
+        <p14:creationId xmlns:p14="http://schemas.microsoft.com/office/powerpoint/2010/main" val="2906299012"/>
+      </p:ext>
+    </p:extLst>
+  </p:cSld>
+  <p:clrMapOvr>
+    <a:masterClrMapping/>
+  </p:clrMapOvr>
+</p:sldLayout>
+</file>
+
+<file path=ppt/slideLayouts/slideLayout15.xml><?xml version="1.0" encoding="utf-8"?>
+<p:sldLayout xmlns:a="http://schemas.openxmlformats.org/drawingml/2006/main" xmlns:r="http://schemas.openxmlformats.org/officeDocument/2006/relationships" xmlns:p="http://schemas.openxmlformats.org/presentationml/2006/main" preserve="1">
+  <p:cSld name="3 kolonner for bilde">
+    <p:spTree>
+      <p:nvGrpSpPr>
+        <p:cNvPr id="1" name=""/>
+        <p:cNvGrpSpPr/>
+        <p:nvPr/>
+      </p:nvGrpSpPr>
+      <p:grpSpPr>
+        <a:xfrm>
+          <a:off x="0" y="0"/>
+          <a:ext cx="0" cy="0"/>
+          <a:chOff x="0" y="0"/>
+          <a:chExt cx="0" cy="0"/>
+        </a:xfrm>
+      </p:grpSpPr>
+      <p:sp>
+        <p:nvSpPr>
+          <p:cNvPr id="30" name="Title 1"/>
+          <p:cNvSpPr>
+            <a:spLocks noGrp="1"/>
+          </p:cNvSpPr>
+          <p:nvPr>
+            <p:ph type="title"/>
+          </p:nvPr>
+        </p:nvSpPr>
+        <p:spPr>
+          <a:xfrm>
+            <a:off x="2895600" y="762000"/>
+            <a:ext cx="8610599" cy="1295400"/>
+          </a:xfrm>
+        </p:spPr>
+        <p:txBody>
+          <a:bodyPr/>
+          <a:lstStyle/>
+          <a:p>
+            <a:r>
+              <a:rPr lang="nb-NO"/>
+              <a:t>Klikk for å redigere tittelstil</a:t>
+            </a:r>
+            <a:endParaRPr lang="en-US" dirty="0"/>
+          </a:p>
+        </p:txBody>
+      </p:sp>
+      <p:sp>
+        <p:nvSpPr>
+          <p:cNvPr id="19" name="Text Placeholder 2"/>
+          <p:cNvSpPr>
+            <a:spLocks noGrp="1"/>
+          </p:cNvSpPr>
+          <p:nvPr>
+            <p:ph type="body" idx="1"/>
+          </p:nvPr>
+        </p:nvSpPr>
+        <p:spPr>
+          <a:xfrm>
+            <a:off x="688618" y="4191000"/>
+            <a:ext cx="3451582" cy="682765"/>
+          </a:xfrm>
+        </p:spPr>
+        <p:txBody>
+          <a:bodyPr anchor="b">
+            <a:noAutofit/>
+          </a:bodyPr>
+          <a:lstStyle>
+            <a:lvl1pPr marL="0" indent="0">
+              <a:buNone/>
+              <a:defRPr sz="2400" b="0">
+                <a:solidFill>
+                  <a:schemeClr val="tx1"/>
+                </a:solidFill>
+              </a:defRPr>
+            </a:lvl1pPr>
+            <a:lvl2pPr marL="457200" indent="0">
+              <a:buNone/>
+              <a:defRPr sz="2000" b="1"/>
+            </a:lvl2pPr>
+            <a:lvl3pPr marL="914400" indent="0">
+              <a:buNone/>
+              <a:defRPr sz="1800" b="1"/>
+            </a:lvl3pPr>
+            <a:lvl4pPr marL="1371600" indent="0">
+              <a:buNone/>
+              <a:defRPr sz="1600" b="1"/>
+            </a:lvl4pPr>
+            <a:lvl5pPr marL="1828800" indent="0">
+              <a:buNone/>
+              <a:defRPr sz="1600" b="1"/>
+            </a:lvl5pPr>
+            <a:lvl6pPr marL="2286000" indent="0">
+              <a:buNone/>
+              <a:defRPr sz="1600" b="1"/>
+            </a:lvl6pPr>
+            <a:lvl7pPr marL="2743200" indent="0">
+              <a:buNone/>
+              <a:defRPr sz="1600" b="1"/>
+            </a:lvl7pPr>
+            <a:lvl8pPr marL="3200400" indent="0">
+              <a:buNone/>
+              <a:defRPr sz="1600" b="1"/>
+            </a:lvl8pPr>
+            <a:lvl9pPr marL="3657600" indent="0">
+              <a:buNone/>
+              <a:defRPr sz="1600" b="1"/>
+            </a:lvl9pPr>
+          </a:lstStyle>
+          <a:p>
+            <a:pPr lvl="0"/>
+            <a:r>
+              <a:rPr lang="nb-NO"/>
+              <a:t>Klikk for å redigere tekststiler i malen</a:t>
+            </a:r>
+          </a:p>
+        </p:txBody>
+      </p:sp>
+      <p:sp>
+        <p:nvSpPr>
+          <p:cNvPr id="20" name="Picture Placeholder 2"/>
+          <p:cNvSpPr>
+            <a:spLocks noGrp="1" noChangeAspect="1"/>
+          </p:cNvSpPr>
+          <p:nvPr>
+            <p:ph type="pic" idx="15"/>
+          </p:nvPr>
+        </p:nvSpPr>
+        <p:spPr>
+          <a:xfrm>
+            <a:off x="688618" y="2362200"/>
+            <a:ext cx="3451582" cy="1524000"/>
+          </a:xfrm>
+          <a:prstGeom prst="roundRect">
+            <a:avLst>
+              <a:gd name="adj" fmla="val 0"/>
+            </a:avLst>
+          </a:prstGeom>
+          <a:effectLst>
+            <a:outerShdw blurRad="50800" dist="50800" dir="5400000" algn="tl" rotWithShape="0">
+              <a:srgbClr val="000000">
+                <a:alpha val="43000"/>
+              </a:srgbClr>
+            </a:outerShdw>
+          </a:effectLst>
+        </p:spPr>
+        <p:txBody>
+          <a:bodyPr anchor="t">
+            <a:normAutofit/>
+          </a:bodyPr>
+          <a:lstStyle>
+            <a:lvl1pPr marL="0" indent="0" algn="ctr">
+              <a:buNone/>
+              <a:defRPr sz="1600"/>
+            </a:lvl1pPr>
+            <a:lvl2pPr marL="457200" indent="0">
+              <a:buNone/>
+              <a:defRPr sz="1600"/>
+            </a:lvl2pPr>
+            <a:lvl3pPr marL="914400" indent="0">
+              <a:buNone/>
+              <a:defRPr sz="1600"/>
+            </a:lvl3pPr>
+            <a:lvl4pPr marL="1371600" indent="0">
+              <a:buNone/>
+              <a:defRPr sz="1600"/>
+            </a:lvl4pPr>
+            <a:lvl5pPr marL="1828800" indent="0">
+              <a:buNone/>
+              <a:defRPr sz="1600"/>
+            </a:lvl5pPr>
+            <a:lvl6pPr marL="2286000" indent="0">
+              <a:buNone/>
+              <a:defRPr sz="1600"/>
+            </a:lvl6pPr>
+            <a:lvl7pPr marL="2743200" indent="0">
+              <a:buNone/>
+              <a:defRPr sz="1600"/>
+            </a:lvl7pPr>
+            <a:lvl8pPr marL="3200400" indent="0">
+              <a:buNone/>
+              <a:defRPr sz="1600"/>
+            </a:lvl8pPr>
+            <a:lvl9pPr marL="3657600" indent="0">
+              <a:buNone/>
+              <a:defRPr sz="1600"/>
+            </a:lvl9pPr>
+          </a:lstStyle>
+          <a:p>
+            <a:r>
+              <a:rPr lang="nb-NO"/>
+              <a:t>Klikk på ikonet for å legge til et bilde</a:t>
+            </a:r>
+            <a:endParaRPr lang="en-US" dirty="0"/>
+          </a:p>
+        </p:txBody>
+      </p:sp>
+      <p:sp>
+        <p:nvSpPr>
+          <p:cNvPr id="21" name="Text Placeholder 3"/>
+          <p:cNvSpPr>
+            <a:spLocks noGrp="1"/>
+          </p:cNvSpPr>
+          <p:nvPr>
+            <p:ph type="body" sz="half" idx="18"/>
+          </p:nvPr>
+        </p:nvSpPr>
+        <p:spPr>
+          <a:xfrm>
+            <a:off x="688618" y="4873764"/>
+            <a:ext cx="3451582" cy="1344921"/>
+          </a:xfrm>
+        </p:spPr>
+        <p:txBody>
+          <a:bodyPr anchor="t">
+            <a:normAutofit/>
+          </a:bodyPr>
+          <a:lstStyle>
+            <a:lvl1pPr marL="0" indent="0">
+              <a:buNone/>
+              <a:defRPr sz="1400"/>
+            </a:lvl1pPr>
+            <a:lvl2pPr marL="457200" indent="0">
+              <a:buNone/>
+              <a:defRPr sz="1200"/>
+            </a:lvl2pPr>
+            <a:lvl3pPr marL="914400" indent="0">
+              <a:buNone/>
+              <a:defRPr sz="1000"/>
+            </a:lvl3pPr>
+            <a:lvl4pPr marL="1371600" indent="0">
+              <a:buNone/>
+              <a:defRPr sz="900"/>
+            </a:lvl4pPr>
+            <a:lvl5pPr marL="1828800" indent="0">
+              <a:buNone/>
+              <a:defRPr sz="900"/>
+            </a:lvl5pPr>
+            <a:lvl6pPr marL="2286000" indent="0">
+              <a:buNone/>
+              <a:defRPr sz="900"/>
+            </a:lvl6pPr>
+            <a:lvl7pPr marL="2743200" indent="0">
+              <a:buNone/>
+              <a:defRPr sz="900"/>
+            </a:lvl7pPr>
+            <a:lvl8pPr marL="3200400" indent="0">
+              <a:buNone/>
+              <a:defRPr sz="900"/>
+            </a:lvl8pPr>
+            <a:lvl9pPr marL="3657600" indent="0">
+              <a:buNone/>
+              <a:defRPr sz="900"/>
+            </a:lvl9pPr>
+          </a:lstStyle>
+          <a:p>
+            <a:pPr lvl="0"/>
+            <a:r>
+              <a:rPr lang="nb-NO"/>
+              <a:t>Klikk for å redigere tekststiler i malen</a:t>
+            </a:r>
+          </a:p>
+        </p:txBody>
+      </p:sp>
+      <p:sp>
+        <p:nvSpPr>
+          <p:cNvPr id="22" name="Text Placeholder 4"/>
+          <p:cNvSpPr>
+            <a:spLocks noGrp="1"/>
+          </p:cNvSpPr>
+          <p:nvPr>
+            <p:ph type="body" sz="quarter" idx="3"/>
+          </p:nvPr>
+        </p:nvSpPr>
+        <p:spPr>
+          <a:xfrm>
+            <a:off x="4374263" y="4191000"/>
+            <a:ext cx="3448935" cy="682765"/>
+          </a:xfrm>
+        </p:spPr>
+        <p:txBody>
+          <a:bodyPr anchor="b">
+            <a:noAutofit/>
+          </a:bodyPr>
+          <a:lstStyle>
+            <a:lvl1pPr marL="0" indent="0">
+              <a:buNone/>
+              <a:defRPr sz="2400" b="0">
+                <a:solidFill>
+                  <a:schemeClr val="tx1"/>
+                </a:solidFill>
+              </a:defRPr>
+            </a:lvl1pPr>
+            <a:lvl2pPr marL="457200" indent="0">
+              <a:buNone/>
+              <a:defRPr sz="2000" b="1"/>
+            </a:lvl2pPr>
+            <a:lvl3pPr marL="914400" indent="0">
+              <a:buNone/>
+              <a:defRPr sz="1800" b="1"/>
+            </a:lvl3pPr>
+            <a:lvl4pPr marL="1371600" indent="0">
+              <a:buNone/>
+              <a:defRPr sz="1600" b="1"/>
+            </a:lvl4pPr>
+            <a:lvl5pPr marL="1828800" indent="0">
+              <a:buNone/>
+              <a:defRPr sz="1600" b="1"/>
+            </a:lvl5pPr>
+            <a:lvl6pPr marL="2286000" indent="0">
+              <a:buNone/>
+              <a:defRPr sz="1600" b="1"/>
+            </a:lvl6pPr>
+            <a:lvl7pPr marL="2743200" indent="0">
+              <a:buNone/>
+              <a:defRPr sz="1600" b="1"/>
+            </a:lvl7pPr>
+            <a:lvl8pPr marL="3200400" indent="0">
+              <a:buNone/>
+              <a:defRPr sz="1600" b="1"/>
+            </a:lvl8pPr>
+            <a:lvl9pPr marL="3657600" indent="0">
+              <a:buNone/>
+              <a:defRPr sz="1600" b="1"/>
+            </a:lvl9pPr>
+          </a:lstStyle>
+          <a:p>
+            <a:pPr lvl="0"/>
+            <a:r>
+              <a:rPr lang="nb-NO"/>
+              <a:t>Klikk for å redigere tekststiler i malen</a:t>
+            </a:r>
+          </a:p>
+        </p:txBody>
+      </p:sp>
+      <p:sp>
+        <p:nvSpPr>
+          <p:cNvPr id="23" name="Picture Placeholder 2"/>
+          <p:cNvSpPr>
+            <a:spLocks noGrp="1" noChangeAspect="1"/>
+          </p:cNvSpPr>
+          <p:nvPr>
+            <p:ph type="pic" idx="21"/>
+          </p:nvPr>
+        </p:nvSpPr>
+        <p:spPr>
+          <a:xfrm>
+            <a:off x="4374263" y="2362200"/>
+            <a:ext cx="3448936" cy="1524000"/>
+          </a:xfrm>
+          <a:prstGeom prst="roundRect">
+            <a:avLst>
+              <a:gd name="adj" fmla="val 0"/>
+            </a:avLst>
+          </a:prstGeom>
+          <a:effectLst>
+            <a:outerShdw blurRad="50800" dist="50800" dir="5400000" algn="tl" rotWithShape="0">
+              <a:srgbClr val="000000">
+                <a:alpha val="43000"/>
+              </a:srgbClr>
+            </a:outerShdw>
+          </a:effectLst>
+        </p:spPr>
+        <p:txBody>
+          <a:bodyPr anchor="t">
+            <a:normAutofit/>
+          </a:bodyPr>
+          <a:lstStyle>
+            <a:lvl1pPr marL="0" indent="0" algn="ctr">
+              <a:buNone/>
+              <a:defRPr sz="1600"/>
+            </a:lvl1pPr>
+            <a:lvl2pPr marL="457200" indent="0">
+              <a:buNone/>
+              <a:defRPr sz="1600"/>
+            </a:lvl2pPr>
+            <a:lvl3pPr marL="914400" indent="0">
+              <a:buNone/>
+              <a:defRPr sz="1600"/>
+            </a:lvl3pPr>
+            <a:lvl4pPr marL="1371600" indent="0">
+              <a:buNone/>
+              <a:defRPr sz="1600"/>
+            </a:lvl4pPr>
+            <a:lvl5pPr marL="1828800" indent="0">
+              <a:buNone/>
+              <a:defRPr sz="1600"/>
+            </a:lvl5pPr>
+            <a:lvl6pPr marL="2286000" indent="0">
+              <a:buNone/>
+              <a:defRPr sz="1600"/>
+            </a:lvl6pPr>
+            <a:lvl7pPr marL="2743200" indent="0">
+              <a:buNone/>
+              <a:defRPr sz="1600"/>
+            </a:lvl7pPr>
+            <a:lvl8pPr marL="3200400" indent="0">
+              <a:buNone/>
+              <a:defRPr sz="1600"/>
+            </a:lvl8pPr>
+            <a:lvl9pPr marL="3657600" indent="0">
+              <a:buNone/>
+              <a:defRPr sz="1600"/>
+            </a:lvl9pPr>
+          </a:lstStyle>
+          <a:p>
+            <a:r>
+              <a:rPr lang="nb-NO"/>
+              <a:t>Klikk på ikonet for å legge til et bilde</a:t>
+            </a:r>
+            <a:endParaRPr lang="en-US" dirty="0"/>
+          </a:p>
+        </p:txBody>
+      </p:sp>
+      <p:sp>
+        <p:nvSpPr>
+          <p:cNvPr id="24" name="Text Placeholder 3"/>
+          <p:cNvSpPr>
+            <a:spLocks noGrp="1"/>
+          </p:cNvSpPr>
+          <p:nvPr>
+            <p:ph type="body" sz="half" idx="19"/>
+          </p:nvPr>
+        </p:nvSpPr>
+        <p:spPr>
+          <a:xfrm>
+            <a:off x="4374264" y="4873763"/>
+            <a:ext cx="3448935" cy="1344921"/>
+          </a:xfrm>
+        </p:spPr>
+        <p:txBody>
+          <a:bodyPr anchor="t">
+            <a:normAutofit/>
+          </a:bodyPr>
+          <a:lstStyle>
+            <a:lvl1pPr marL="0" indent="0">
+              <a:buNone/>
+              <a:defRPr sz="1400"/>
+            </a:lvl1pPr>
+            <a:lvl2pPr marL="457200" indent="0">
+              <a:buNone/>
+              <a:defRPr sz="1200"/>
+            </a:lvl2pPr>
+            <a:lvl3pPr marL="914400" indent="0">
+              <a:buNone/>
+              <a:defRPr sz="1000"/>
+            </a:lvl3pPr>
+            <a:lvl4pPr marL="1371600" indent="0">
+              <a:buNone/>
+              <a:defRPr sz="900"/>
+            </a:lvl4pPr>
+            <a:lvl5pPr marL="1828800" indent="0">
+              <a:buNone/>
+              <a:defRPr sz="900"/>
+            </a:lvl5pPr>
+            <a:lvl6pPr marL="2286000" indent="0">
+              <a:buNone/>
+              <a:defRPr sz="900"/>
+            </a:lvl6pPr>
+            <a:lvl7pPr marL="2743200" indent="0">
+              <a:buNone/>
+              <a:defRPr sz="900"/>
+            </a:lvl7pPr>
+            <a:lvl8pPr marL="3200400" indent="0">
+              <a:buNone/>
+              <a:defRPr sz="900"/>
+            </a:lvl8pPr>
+            <a:lvl9pPr marL="3657600" indent="0">
+              <a:buNone/>
+              <a:defRPr sz="900"/>
+            </a:lvl9pPr>
+          </a:lstStyle>
+          <a:p>
+            <a:pPr lvl="0"/>
+            <a:r>
+              <a:rPr lang="nb-NO"/>
+              <a:t>Klikk for å redigere tekststiler i malen</a:t>
+            </a:r>
+          </a:p>
+        </p:txBody>
+      </p:sp>
+      <p:sp>
+        <p:nvSpPr>
+          <p:cNvPr id="25" name="Text Placeholder 4"/>
+          <p:cNvSpPr>
+            <a:spLocks noGrp="1"/>
+          </p:cNvSpPr>
+          <p:nvPr>
+            <p:ph type="body" sz="quarter" idx="13"/>
+          </p:nvPr>
+        </p:nvSpPr>
+        <p:spPr>
+          <a:xfrm>
+            <a:off x="8049731" y="4191000"/>
+            <a:ext cx="3456469" cy="682765"/>
+          </a:xfrm>
+        </p:spPr>
+        <p:txBody>
+          <a:bodyPr anchor="b">
+            <a:noAutofit/>
+          </a:bodyPr>
+          <a:lstStyle>
+            <a:lvl1pPr marL="0" indent="0">
+              <a:buNone/>
+              <a:defRPr sz="2400" b="0">
+                <a:solidFill>
+                  <a:schemeClr val="tx1"/>
+                </a:solidFill>
+              </a:defRPr>
+            </a:lvl1pPr>
+            <a:lvl2pPr marL="457200" indent="0">
+              <a:buNone/>
+              <a:defRPr sz="2000" b="1"/>
+            </a:lvl2pPr>
+            <a:lvl3pPr marL="914400" indent="0">
+              <a:buNone/>
+              <a:defRPr sz="1800" b="1"/>
+            </a:lvl3pPr>
+            <a:lvl4pPr marL="1371600" indent="0">
+              <a:buNone/>
+              <a:defRPr sz="1600" b="1"/>
+            </a:lvl4pPr>
+            <a:lvl5pPr marL="1828800" indent="0">
+              <a:buNone/>
+              <a:defRPr sz="1600" b="1"/>
+            </a:lvl5pPr>
+            <a:lvl6pPr marL="2286000" indent="0">
+              <a:buNone/>
+              <a:defRPr sz="1600" b="1"/>
+            </a:lvl6pPr>
+            <a:lvl7pPr marL="2743200" indent="0">
+              <a:buNone/>
+              <a:defRPr sz="1600" b="1"/>
+            </a:lvl7pPr>
+            <a:lvl8pPr marL="3200400" indent="0">
+              <a:buNone/>
+              <a:defRPr sz="1600" b="1"/>
+            </a:lvl8pPr>
+            <a:lvl9pPr marL="3657600" indent="0">
+              <a:buNone/>
+              <a:defRPr sz="1600" b="1"/>
+            </a:lvl9pPr>
+          </a:lstStyle>
+          <a:p>
+            <a:pPr lvl="0"/>
+            <a:r>
+              <a:rPr lang="nb-NO"/>
+              <a:t>Klikk for å redigere tekststiler i malen</a:t>
+            </a:r>
+          </a:p>
+        </p:txBody>
+      </p:sp>
+      <p:sp>
+        <p:nvSpPr>
+          <p:cNvPr id="26" name="Picture Placeholder 2"/>
+          <p:cNvSpPr>
+            <a:spLocks noGrp="1" noChangeAspect="1"/>
+          </p:cNvSpPr>
+          <p:nvPr>
+            <p:ph type="pic" idx="22"/>
+          </p:nvPr>
+        </p:nvSpPr>
+        <p:spPr>
+          <a:xfrm>
+            <a:off x="8049855" y="2362200"/>
+            <a:ext cx="3447878" cy="1524000"/>
+          </a:xfrm>
+          <a:prstGeom prst="roundRect">
+            <a:avLst>
+              <a:gd name="adj" fmla="val 0"/>
+            </a:avLst>
+          </a:prstGeom>
+          <a:effectLst>
+            <a:outerShdw blurRad="50800" dist="50800" dir="5400000" algn="tl" rotWithShape="0">
+              <a:srgbClr val="000000">
+                <a:alpha val="43000"/>
+              </a:srgbClr>
+            </a:outerShdw>
+          </a:effectLst>
+        </p:spPr>
+        <p:txBody>
+          <a:bodyPr anchor="t">
+            <a:normAutofit/>
+          </a:bodyPr>
+          <a:lstStyle>
+            <a:lvl1pPr marL="0" indent="0" algn="ctr">
+              <a:buNone/>
+              <a:defRPr sz="1600"/>
+            </a:lvl1pPr>
+            <a:lvl2pPr marL="457200" indent="0">
+              <a:buNone/>
+              <a:defRPr sz="1600"/>
+            </a:lvl2pPr>
+            <a:lvl3pPr marL="914400" indent="0">
+              <a:buNone/>
+              <a:defRPr sz="1600"/>
+            </a:lvl3pPr>
+            <a:lvl4pPr marL="1371600" indent="0">
+              <a:buNone/>
+              <a:defRPr sz="1600"/>
+            </a:lvl4pPr>
+            <a:lvl5pPr marL="1828800" indent="0">
+              <a:buNone/>
+              <a:defRPr sz="1600"/>
+            </a:lvl5pPr>
+            <a:lvl6pPr marL="2286000" indent="0">
+              <a:buNone/>
+              <a:defRPr sz="1600"/>
+            </a:lvl6pPr>
+            <a:lvl7pPr marL="2743200" indent="0">
+              <a:buNone/>
+              <a:defRPr sz="1600"/>
+            </a:lvl7pPr>
+            <a:lvl8pPr marL="3200400" indent="0">
+              <a:buNone/>
+              <a:defRPr sz="1600"/>
+            </a:lvl8pPr>
+            <a:lvl9pPr marL="3657600" indent="0">
+              <a:buNone/>
+              <a:defRPr sz="1600"/>
+            </a:lvl9pPr>
+          </a:lstStyle>
+          <a:p>
+            <a:r>
+              <a:rPr lang="nb-NO"/>
+              <a:t>Klikk på ikonet for å legge til et bilde</a:t>
+            </a:r>
+            <a:endParaRPr lang="en-US" dirty="0"/>
+          </a:p>
+        </p:txBody>
+      </p:sp>
+      <p:sp>
+        <p:nvSpPr>
+          <p:cNvPr id="27" name="Text Placeholder 3"/>
+          <p:cNvSpPr>
+            <a:spLocks noGrp="1"/>
+          </p:cNvSpPr>
+          <p:nvPr>
+            <p:ph type="body" sz="half" idx="20"/>
+          </p:nvPr>
+        </p:nvSpPr>
+        <p:spPr>
+          <a:xfrm>
+            <a:off x="8049731" y="4873761"/>
+            <a:ext cx="3452445" cy="1344921"/>
+          </a:xfrm>
+        </p:spPr>
+        <p:txBody>
+          <a:bodyPr anchor="t">
+            <a:normAutofit/>
+          </a:bodyPr>
+          <a:lstStyle>
+            <a:lvl1pPr marL="0" indent="0">
+              <a:buNone/>
+              <a:defRPr sz="1400"/>
+            </a:lvl1pPr>
+            <a:lvl2pPr marL="457200" indent="0">
+              <a:buNone/>
+              <a:defRPr sz="1200"/>
+            </a:lvl2pPr>
+            <a:lvl3pPr marL="914400" indent="0">
+              <a:buNone/>
+              <a:defRPr sz="1000"/>
+            </a:lvl3pPr>
+            <a:lvl4pPr marL="1371600" indent="0">
+              <a:buNone/>
+              <a:defRPr sz="900"/>
+            </a:lvl4pPr>
+            <a:lvl5pPr marL="1828800" indent="0">
+              <a:buNone/>
+              <a:defRPr sz="900"/>
+            </a:lvl5pPr>
+            <a:lvl6pPr marL="2286000" indent="0">
+              <a:buNone/>
+              <a:defRPr sz="900"/>
+            </a:lvl6pPr>
+            <a:lvl7pPr marL="2743200" indent="0">
+              <a:buNone/>
+              <a:defRPr sz="900"/>
+            </a:lvl7pPr>
+            <a:lvl8pPr marL="3200400" indent="0">
+              <a:buNone/>
+              <a:defRPr sz="900"/>
+            </a:lvl8pPr>
+            <a:lvl9pPr marL="3657600" indent="0">
+              <a:buNone/>
+              <a:defRPr sz="900"/>
+            </a:lvl9pPr>
+          </a:lstStyle>
+          <a:p>
+            <a:pPr lvl="0"/>
+            <a:r>
+              <a:rPr lang="nb-NO"/>
+              <a:t>Klikk for å redigere tekststiler i malen</a:t>
+            </a:r>
+          </a:p>
+        </p:txBody>
+      </p:sp>
+      <p:sp>
+        <p:nvSpPr>
+          <p:cNvPr id="3" name="Date Placeholder 2"/>
+          <p:cNvSpPr>
+            <a:spLocks noGrp="1"/>
+          </p:cNvSpPr>
+          <p:nvPr>
+            <p:ph type="dt" sz="half" idx="10"/>
+          </p:nvPr>
+        </p:nvSpPr>
+        <p:spPr/>
+        <p:txBody>
+          <a:bodyPr/>
+          <a:lstStyle/>
+          <a:p>
+            <a:fld id="{157F21B9-E034-4324-AC08-9CA98376BE26}" type="datetimeFigureOut">
+              <a:rPr lang="nb-NO" smtClean="0"/>
+              <a:t>07.05.2019</a:t>
+            </a:fld>
+            <a:endParaRPr lang="nb-NO"/>
+          </a:p>
+        </p:txBody>
+      </p:sp>
+      <p:sp>
+        <p:nvSpPr>
+          <p:cNvPr id="4" name="Footer Placeholder 3"/>
+          <p:cNvSpPr>
+            <a:spLocks noGrp="1"/>
+          </p:cNvSpPr>
+          <p:nvPr>
+            <p:ph type="ftr" sz="quarter" idx="11"/>
+          </p:nvPr>
+        </p:nvSpPr>
+        <p:spPr/>
+        <p:txBody>
+          <a:bodyPr/>
+          <a:lstStyle/>
+          <a:p>
+            <a:endParaRPr lang="nb-NO"/>
+          </a:p>
+        </p:txBody>
+      </p:sp>
+      <p:sp>
+        <p:nvSpPr>
+          <p:cNvPr id="5" name="Slide Number Placeholder 4"/>
+          <p:cNvSpPr>
+            <a:spLocks noGrp="1"/>
+          </p:cNvSpPr>
+          <p:nvPr>
+            <p:ph type="sldNum" sz="quarter" idx="12"/>
+          </p:nvPr>
+        </p:nvSpPr>
+        <p:spPr/>
+        <p:txBody>
+          <a:bodyPr/>
+          <a:lstStyle/>
+          <a:p>
+            <a:fld id="{4F9999A4-F276-4C27-B35B-F10F793B62EC}" type="slidenum">
+              <a:rPr lang="nb-NO" smtClean="0"/>
+              <a:t>‹#›</a:t>
+            </a:fld>
+            <a:endParaRPr lang="nb-NO"/>
+          </a:p>
+        </p:txBody>
+      </p:sp>
+    </p:spTree>
+    <p:extLst>
+      <p:ext uri="{BB962C8B-B14F-4D97-AF65-F5344CB8AC3E}">
+        <p14:creationId xmlns:p14="http://schemas.microsoft.com/office/powerpoint/2010/main" val="97999950"/>
+      </p:ext>
+    </p:extLst>
+  </p:cSld>
+  <p:clrMapOvr>
+    <a:masterClrMapping/>
+  </p:clrMapOvr>
+</p:sldLayout>
+</file>
+
+<file path=ppt/slideLayouts/slideLayout16.xml><?xml version="1.0" encoding="utf-8"?>
 <p:sldLayout xmlns:a="http://schemas.openxmlformats.org/drawingml/2006/main" xmlns:r="http://schemas.openxmlformats.org/officeDocument/2006/relationships" xmlns:p="http://schemas.openxmlformats.org/presentationml/2006/main" type="vertTx" preserve="1">
   <p:cSld name="Loddrett tekst">
     <p:spTree>
@@ -367,13 +2980,7 @@
       </p:grpSpPr>
       <p:sp>
         <p:nvSpPr>
-          <p:cNvPr id="2" name="Tittel 1">
-            <a:extLst>
-              <a:ext uri="{FF2B5EF4-FFF2-40B4-BE49-F238E27FC236}">
-                <a16:creationId xmlns:a16="http://schemas.microsoft.com/office/drawing/2014/main" id="{73A27659-EE26-4493-AE8D-0BA75DE9230B}"/>
-              </a:ext>
-            </a:extLst>
-          </p:cNvPr>
+          <p:cNvPr id="2" name="Title 1"/>
           <p:cNvSpPr>
             <a:spLocks noGrp="1"/>
           </p:cNvSpPr>
@@ -390,18 +2997,13 @@
               <a:rPr lang="nb-NO"/>
               <a:t>Klikk for å redigere tittelstil</a:t>
             </a:r>
-          </a:p>
-        </p:txBody>
-      </p:sp>
-      <p:sp>
-        <p:nvSpPr>
-          <p:cNvPr id="3" name="Plassholder for loddrett tekst 2">
-            <a:extLst>
-              <a:ext uri="{FF2B5EF4-FFF2-40B4-BE49-F238E27FC236}">
-                <a16:creationId xmlns:a16="http://schemas.microsoft.com/office/drawing/2014/main" id="{39305C91-DC23-4CA9-9D12-3288EDB1FE1C}"/>
-              </a:ext>
-            </a:extLst>
-          </p:cNvPr>
+            <a:endParaRPr lang="en-US" dirty="0"/>
+          </a:p>
+        </p:txBody>
+      </p:sp>
+      <p:sp>
+        <p:nvSpPr>
+          <p:cNvPr id="3" name="Vertical Text Placeholder 2"/>
           <p:cNvSpPr>
             <a:spLocks noGrp="1"/>
           </p:cNvSpPr>
@@ -409,7 +3011,12 @@
             <p:ph type="body" orient="vert" idx="1"/>
           </p:nvPr>
         </p:nvSpPr>
-        <p:spPr/>
+        <p:spPr>
+          <a:xfrm>
+            <a:off x="685800" y="2194559"/>
+            <a:ext cx="10820400" cy="4024125"/>
+          </a:xfrm>
+        </p:spPr>
         <p:txBody>
           <a:bodyPr vert="eaVert"/>
           <a:lstStyle/>
@@ -417,7 +3024,7 @@
             <a:pPr lvl="0"/>
             <a:r>
               <a:rPr lang="nb-NO"/>
-              <a:t>Rediger tekststiler i malen</a:t>
+              <a:t>Klikk for å redigere tekststiler i malen</a:t>
             </a:r>
           </a:p>
           <a:p>
@@ -447,18 +3054,13 @@
               <a:rPr lang="nb-NO"/>
               <a:t>Femte nivå</a:t>
             </a:r>
-          </a:p>
-        </p:txBody>
-      </p:sp>
-      <p:sp>
-        <p:nvSpPr>
-          <p:cNvPr id="4" name="Plassholder for dato 3">
-            <a:extLst>
-              <a:ext uri="{FF2B5EF4-FFF2-40B4-BE49-F238E27FC236}">
-                <a16:creationId xmlns:a16="http://schemas.microsoft.com/office/drawing/2014/main" id="{C4ECB494-FBD5-4013-AEA9-6A83F9849594}"/>
-              </a:ext>
-            </a:extLst>
-          </p:cNvPr>
+            <a:endParaRPr lang="en-US" dirty="0"/>
+          </a:p>
+        </p:txBody>
+      </p:sp>
+      <p:sp>
+        <p:nvSpPr>
+          <p:cNvPr id="4" name="Date Placeholder 3"/>
           <p:cNvSpPr>
             <a:spLocks noGrp="1"/>
           </p:cNvSpPr>
@@ -481,13 +3083,7 @@
       </p:sp>
       <p:sp>
         <p:nvSpPr>
-          <p:cNvPr id="5" name="Plassholder for bunntekst 4">
-            <a:extLst>
-              <a:ext uri="{FF2B5EF4-FFF2-40B4-BE49-F238E27FC236}">
-                <a16:creationId xmlns:a16="http://schemas.microsoft.com/office/drawing/2014/main" id="{04D76056-36BE-4B04-9B05-D3287D41C919}"/>
-              </a:ext>
-            </a:extLst>
-          </p:cNvPr>
+          <p:cNvPr id="5" name="Footer Placeholder 4"/>
           <p:cNvSpPr>
             <a:spLocks noGrp="1"/>
           </p:cNvSpPr>
@@ -506,13 +3102,7 @@
       </p:sp>
       <p:sp>
         <p:nvSpPr>
-          <p:cNvPr id="6" name="Plassholder for lysbildenummer 5">
-            <a:extLst>
-              <a:ext uri="{FF2B5EF4-FFF2-40B4-BE49-F238E27FC236}">
-                <a16:creationId xmlns:a16="http://schemas.microsoft.com/office/drawing/2014/main" id="{FA36E1D0-48C7-4EF1-B595-85EF63757AEB}"/>
-              </a:ext>
-            </a:extLst>
-          </p:cNvPr>
+          <p:cNvPr id="6" name="Slide Number Placeholder 5"/>
           <p:cNvSpPr>
             <a:spLocks noGrp="1"/>
           </p:cNvSpPr>
@@ -536,7 +3126,7 @@
     </p:spTree>
     <p:extLst>
       <p:ext uri="{BB962C8B-B14F-4D97-AF65-F5344CB8AC3E}">
-        <p14:creationId xmlns:p14="http://schemas.microsoft.com/office/powerpoint/2010/main" val="2402247329"/>
+        <p14:creationId xmlns:p14="http://schemas.microsoft.com/office/powerpoint/2010/main" val="2531887829"/>
       </p:ext>
     </p:extLst>
   </p:cSld>
@@ -546,8 +3136,8 @@
 </p:sldLayout>
 </file>
 
-<file path=ppt/slideLayouts/slideLayout11.xml><?xml version="1.0" encoding="utf-8"?>
-<p:sldLayout xmlns:a="http://schemas.openxmlformats.org/drawingml/2006/main" xmlns:r="http://schemas.openxmlformats.org/officeDocument/2006/relationships" xmlns:p="http://schemas.openxmlformats.org/presentationml/2006/main" type="vertTitleAndTx" preserve="1">
+<file path=ppt/slideLayouts/slideLayout17.xml><?xml version="1.0" encoding="utf-8"?>
+<p:sldLayout xmlns:a="http://schemas.openxmlformats.org/drawingml/2006/main" xmlns:r="http://schemas.openxmlformats.org/officeDocument/2006/relationships" xmlns:p="http://schemas.openxmlformats.org/presentationml/2006/main" showMasterSp="0" type="vertTitleAndTx" preserve="1">
   <p:cSld name="Loddrett tittel og tekst">
     <p:spTree>
       <p:nvGrpSpPr>
@@ -563,15 +3153,39 @@
           <a:chExt cx="0" cy="0"/>
         </a:xfrm>
       </p:grpSpPr>
-      <p:sp>
-        <p:nvSpPr>
-          <p:cNvPr id="2" name="Loddrett tittel 1">
+      <p:pic>
+        <p:nvPicPr>
+          <p:cNvPr id="8" name="Picture 7" descr="C0-HD-BTM.png"/>
+          <p:cNvPicPr>
+            <a:picLocks noChangeAspect="1"/>
+          </p:cNvPicPr>
+          <p:nvPr/>
+        </p:nvPicPr>
+        <p:blipFill>
+          <a:blip r:embed="rId2">
             <a:extLst>
-              <a:ext uri="{FF2B5EF4-FFF2-40B4-BE49-F238E27FC236}">
-                <a16:creationId xmlns:a16="http://schemas.microsoft.com/office/drawing/2014/main" id="{1B359BB1-C5E0-4CEB-9290-07A065AB1076}"/>
+              <a:ext uri="{28A0092B-C50C-407E-A947-70E740481C1C}">
+                <a14:useLocalDpi xmlns:a14="http://schemas.microsoft.com/office/drawing/2010/main" val="0"/>
               </a:ext>
             </a:extLst>
-          </p:cNvPr>
+          </a:blip>
+          <a:stretch>
+            <a:fillRect/>
+          </a:stretch>
+        </p:blipFill>
+        <p:spPr>
+          <a:xfrm>
+            <a:off x="0" y="4375150"/>
+            <a:ext cx="12192000" cy="2482850"/>
+          </a:xfrm>
+          <a:prstGeom prst="rect">
+            <a:avLst/>
+          </a:prstGeom>
+        </p:spPr>
+      </p:pic>
+      <p:sp>
+        <p:nvSpPr>
+          <p:cNvPr id="2" name="Vertical Title 1"/>
           <p:cNvSpPr>
             <a:spLocks noGrp="1"/>
           </p:cNvSpPr>
@@ -581,30 +3195,29 @@
         </p:nvSpPr>
         <p:spPr>
           <a:xfrm>
-            <a:off x="8724900" y="365125"/>
-            <a:ext cx="2628900" cy="5811838"/>
+            <a:off x="9448800" y="745066"/>
+            <a:ext cx="2057400" cy="3903133"/>
           </a:xfrm>
         </p:spPr>
         <p:txBody>
           <a:bodyPr vert="eaVert"/>
-          <a:lstStyle/>
+          <a:lstStyle>
+            <a:lvl1pPr algn="l">
+              <a:defRPr/>
+            </a:lvl1pPr>
+          </a:lstStyle>
           <a:p>
             <a:r>
               <a:rPr lang="nb-NO"/>
               <a:t>Klikk for å redigere tittelstil</a:t>
             </a:r>
-          </a:p>
-        </p:txBody>
-      </p:sp>
-      <p:sp>
-        <p:nvSpPr>
-          <p:cNvPr id="3" name="Plassholder for loddrett tekst 2">
-            <a:extLst>
-              <a:ext uri="{FF2B5EF4-FFF2-40B4-BE49-F238E27FC236}">
-                <a16:creationId xmlns:a16="http://schemas.microsoft.com/office/drawing/2014/main" id="{59585B62-85D2-48A2-A1F7-C011E8CB4B0E}"/>
-              </a:ext>
-            </a:extLst>
-          </p:cNvPr>
+            <a:endParaRPr lang="en-US" dirty="0"/>
+          </a:p>
+        </p:txBody>
+      </p:sp>
+      <p:sp>
+        <p:nvSpPr>
+          <p:cNvPr id="3" name="Vertical Text Placeholder 2"/>
           <p:cNvSpPr>
             <a:spLocks noGrp="1"/>
           </p:cNvSpPr>
@@ -614,8 +3227,8 @@
         </p:nvSpPr>
         <p:spPr>
           <a:xfrm>
-            <a:off x="838200" y="365125"/>
-            <a:ext cx="7734300" cy="5811838"/>
+            <a:off x="1024466" y="745067"/>
+            <a:ext cx="8204201" cy="3903133"/>
           </a:xfrm>
         </p:spPr>
         <p:txBody>
@@ -625,7 +3238,7 @@
             <a:pPr lvl="0"/>
             <a:r>
               <a:rPr lang="nb-NO"/>
-              <a:t>Rediger tekststiler i malen</a:t>
+              <a:t>Klikk for å redigere tekststiler i malen</a:t>
             </a:r>
           </a:p>
           <a:p>
@@ -655,18 +3268,13 @@
               <a:rPr lang="nb-NO"/>
               <a:t>Femte nivå</a:t>
             </a:r>
-          </a:p>
-        </p:txBody>
-      </p:sp>
-      <p:sp>
-        <p:nvSpPr>
-          <p:cNvPr id="4" name="Plassholder for dato 3">
-            <a:extLst>
-              <a:ext uri="{FF2B5EF4-FFF2-40B4-BE49-F238E27FC236}">
-                <a16:creationId xmlns:a16="http://schemas.microsoft.com/office/drawing/2014/main" id="{F77098AF-353E-4F83-B958-C3D8388293B5}"/>
-              </a:ext>
-            </a:extLst>
-          </p:cNvPr>
+            <a:endParaRPr lang="en-US" dirty="0"/>
+          </a:p>
+        </p:txBody>
+      </p:sp>
+      <p:sp>
+        <p:nvSpPr>
+          <p:cNvPr id="4" name="Date Placeholder 3"/>
           <p:cNvSpPr>
             <a:spLocks noGrp="1"/>
           </p:cNvSpPr>
@@ -674,10 +3282,19 @@
             <p:ph type="dt" sz="half" idx="10"/>
           </p:nvPr>
         </p:nvSpPr>
-        <p:spPr/>
-        <p:txBody>
-          <a:bodyPr/>
-          <a:lstStyle/>
+        <p:spPr>
+          <a:xfrm>
+            <a:off x="7814452" y="379941"/>
+            <a:ext cx="2910840" cy="365125"/>
+          </a:xfrm>
+        </p:spPr>
+        <p:txBody>
+          <a:bodyPr/>
+          <a:lstStyle>
+            <a:lvl1pPr algn="r">
+              <a:defRPr/>
+            </a:lvl1pPr>
+          </a:lstStyle>
           <a:p>
             <a:fld id="{157F21B9-E034-4324-AC08-9CA98376BE26}" type="datetimeFigureOut">
               <a:rPr lang="nb-NO" smtClean="0"/>
@@ -689,13 +3306,7 @@
       </p:sp>
       <p:sp>
         <p:nvSpPr>
-          <p:cNvPr id="5" name="Plassholder for bunntekst 4">
-            <a:extLst>
-              <a:ext uri="{FF2B5EF4-FFF2-40B4-BE49-F238E27FC236}">
-                <a16:creationId xmlns:a16="http://schemas.microsoft.com/office/drawing/2014/main" id="{CEC35369-2F36-4262-B476-9618691FD34B}"/>
-              </a:ext>
-            </a:extLst>
-          </p:cNvPr>
+          <p:cNvPr id="5" name="Footer Placeholder 4"/>
           <p:cNvSpPr>
             <a:spLocks noGrp="1"/>
           </p:cNvSpPr>
@@ -703,7 +3314,12 @@
             <p:ph type="ftr" sz="quarter" idx="11"/>
           </p:nvPr>
         </p:nvSpPr>
-        <p:spPr/>
+        <p:spPr>
+          <a:xfrm>
+            <a:off x="685800" y="381000"/>
+            <a:ext cx="6991492" cy="365125"/>
+          </a:xfrm>
+        </p:spPr>
         <p:txBody>
           <a:bodyPr/>
           <a:lstStyle/>
@@ -714,13 +3330,7 @@
       </p:sp>
       <p:sp>
         <p:nvSpPr>
-          <p:cNvPr id="6" name="Plassholder for lysbildenummer 5">
-            <a:extLst>
-              <a:ext uri="{FF2B5EF4-FFF2-40B4-BE49-F238E27FC236}">
-                <a16:creationId xmlns:a16="http://schemas.microsoft.com/office/drawing/2014/main" id="{53F84388-0E58-4B1E-B59B-3E29D6F98921}"/>
-              </a:ext>
-            </a:extLst>
-          </p:cNvPr>
+          <p:cNvPr id="6" name="Slide Number Placeholder 5"/>
           <p:cNvSpPr>
             <a:spLocks noGrp="1"/>
           </p:cNvSpPr>
@@ -728,7 +3338,12 @@
             <p:ph type="sldNum" sz="quarter" idx="12"/>
           </p:nvPr>
         </p:nvSpPr>
-        <p:spPr/>
+        <p:spPr>
+          <a:xfrm>
+            <a:off x="10862452" y="381000"/>
+            <a:ext cx="643748" cy="365125"/>
+          </a:xfrm>
+        </p:spPr>
         <p:txBody>
           <a:bodyPr/>
           <a:lstStyle/>
@@ -744,7 +3359,7 @@
     </p:spTree>
     <p:extLst>
       <p:ext uri="{BB962C8B-B14F-4D97-AF65-F5344CB8AC3E}">
-        <p14:creationId xmlns:p14="http://schemas.microsoft.com/office/powerpoint/2010/main" val="3273236890"/>
+        <p14:creationId xmlns:p14="http://schemas.microsoft.com/office/powerpoint/2010/main" val="3770529251"/>
       </p:ext>
     </p:extLst>
   </p:cSld>
@@ -773,13 +3388,7 @@
       </p:grpSpPr>
       <p:sp>
         <p:nvSpPr>
-          <p:cNvPr id="2" name="Tittel 1">
-            <a:extLst>
-              <a:ext uri="{FF2B5EF4-FFF2-40B4-BE49-F238E27FC236}">
-                <a16:creationId xmlns:a16="http://schemas.microsoft.com/office/drawing/2014/main" id="{6949ED1F-E4DD-4B3B-A8B7-ADCA7D7BF812}"/>
-              </a:ext>
-            </a:extLst>
-          </p:cNvPr>
+          <p:cNvPr id="2" name="Title 1"/>
           <p:cNvSpPr>
             <a:spLocks noGrp="1"/>
           </p:cNvSpPr>
@@ -796,18 +3405,13 @@
               <a:rPr lang="nb-NO"/>
               <a:t>Klikk for å redigere tittelstil</a:t>
             </a:r>
-          </a:p>
-        </p:txBody>
-      </p:sp>
-      <p:sp>
-        <p:nvSpPr>
-          <p:cNvPr id="3" name="Plassholder for innhold 2">
-            <a:extLst>
-              <a:ext uri="{FF2B5EF4-FFF2-40B4-BE49-F238E27FC236}">
-                <a16:creationId xmlns:a16="http://schemas.microsoft.com/office/drawing/2014/main" id="{B924A39D-9999-472A-998A-BC2F214FC72E}"/>
-              </a:ext>
-            </a:extLst>
-          </p:cNvPr>
+            <a:endParaRPr lang="en-US" dirty="0"/>
+          </a:p>
+        </p:txBody>
+      </p:sp>
+      <p:sp>
+        <p:nvSpPr>
+          <p:cNvPr id="3" name="Content Placeholder 2"/>
           <p:cNvSpPr>
             <a:spLocks noGrp="1"/>
           </p:cNvSpPr>
@@ -823,7 +3427,7 @@
             <a:pPr lvl="0"/>
             <a:r>
               <a:rPr lang="nb-NO"/>
-              <a:t>Rediger tekststiler i malen</a:t>
+              <a:t>Klikk for å redigere tekststiler i malen</a:t>
             </a:r>
           </a:p>
           <a:p>
@@ -853,18 +3457,13 @@
               <a:rPr lang="nb-NO"/>
               <a:t>Femte nivå</a:t>
             </a:r>
-          </a:p>
-        </p:txBody>
-      </p:sp>
-      <p:sp>
-        <p:nvSpPr>
-          <p:cNvPr id="4" name="Plassholder for dato 3">
-            <a:extLst>
-              <a:ext uri="{FF2B5EF4-FFF2-40B4-BE49-F238E27FC236}">
-                <a16:creationId xmlns:a16="http://schemas.microsoft.com/office/drawing/2014/main" id="{D09164F5-14DC-40EF-A19D-4D576B9D438A}"/>
-              </a:ext>
-            </a:extLst>
-          </p:cNvPr>
+            <a:endParaRPr lang="en-US" dirty="0"/>
+          </a:p>
+        </p:txBody>
+      </p:sp>
+      <p:sp>
+        <p:nvSpPr>
+          <p:cNvPr id="4" name="Date Placeholder 3"/>
           <p:cNvSpPr>
             <a:spLocks noGrp="1"/>
           </p:cNvSpPr>
@@ -887,13 +3486,7 @@
       </p:sp>
       <p:sp>
         <p:nvSpPr>
-          <p:cNvPr id="5" name="Plassholder for bunntekst 4">
-            <a:extLst>
-              <a:ext uri="{FF2B5EF4-FFF2-40B4-BE49-F238E27FC236}">
-                <a16:creationId xmlns:a16="http://schemas.microsoft.com/office/drawing/2014/main" id="{776E6B37-CDA3-4B0C-B678-2774B6FBA5CC}"/>
-              </a:ext>
-            </a:extLst>
-          </p:cNvPr>
+          <p:cNvPr id="5" name="Footer Placeholder 4"/>
           <p:cNvSpPr>
             <a:spLocks noGrp="1"/>
           </p:cNvSpPr>
@@ -912,13 +3505,7 @@
       </p:sp>
       <p:sp>
         <p:nvSpPr>
-          <p:cNvPr id="6" name="Plassholder for lysbildenummer 5">
-            <a:extLst>
-              <a:ext uri="{FF2B5EF4-FFF2-40B4-BE49-F238E27FC236}">
-                <a16:creationId xmlns:a16="http://schemas.microsoft.com/office/drawing/2014/main" id="{05D73D98-C6FC-4DDA-9DEC-974D65718525}"/>
-              </a:ext>
-            </a:extLst>
-          </p:cNvPr>
+          <p:cNvPr id="6" name="Slide Number Placeholder 5"/>
           <p:cNvSpPr>
             <a:spLocks noGrp="1"/>
           </p:cNvSpPr>
@@ -942,7 +3529,7 @@
     </p:spTree>
     <p:extLst>
       <p:ext uri="{BB962C8B-B14F-4D97-AF65-F5344CB8AC3E}">
-        <p14:creationId xmlns:p14="http://schemas.microsoft.com/office/powerpoint/2010/main" val="245736007"/>
+        <p14:creationId xmlns:p14="http://schemas.microsoft.com/office/powerpoint/2010/main" val="322359140"/>
       </p:ext>
     </p:extLst>
   </p:cSld>
@@ -953,7 +3540,7 @@
 </file>
 
 <file path=ppt/slideLayouts/slideLayout3.xml><?xml version="1.0" encoding="utf-8"?>
-<p:sldLayout xmlns:a="http://schemas.openxmlformats.org/drawingml/2006/main" xmlns:r="http://schemas.openxmlformats.org/officeDocument/2006/relationships" xmlns:p="http://schemas.openxmlformats.org/presentationml/2006/main" type="secHead" preserve="1">
+<p:sldLayout xmlns:a="http://schemas.openxmlformats.org/drawingml/2006/main" xmlns:r="http://schemas.openxmlformats.org/officeDocument/2006/relationships" xmlns:p="http://schemas.openxmlformats.org/presentationml/2006/main" showMasterSp="0" type="secHead" preserve="1">
   <p:cSld name="Deloverskrift">
     <p:spTree>
       <p:nvGrpSpPr>
@@ -969,15 +3556,39 @@
           <a:chExt cx="0" cy="0"/>
         </a:xfrm>
       </p:grpSpPr>
-      <p:sp>
-        <p:nvSpPr>
-          <p:cNvPr id="2" name="Tittel 1">
+      <p:pic>
+        <p:nvPicPr>
+          <p:cNvPr id="9" name="Picture 8" descr="C0-HD-BTM.png"/>
+          <p:cNvPicPr>
+            <a:picLocks noChangeAspect="1"/>
+          </p:cNvPicPr>
+          <p:nvPr/>
+        </p:nvPicPr>
+        <p:blipFill>
+          <a:blip r:embed="rId2">
             <a:extLst>
-              <a:ext uri="{FF2B5EF4-FFF2-40B4-BE49-F238E27FC236}">
-                <a16:creationId xmlns:a16="http://schemas.microsoft.com/office/drawing/2014/main" id="{9093A513-59E8-46E9-9370-D4C6249108A6}"/>
+              <a:ext uri="{28A0092B-C50C-407E-A947-70E740481C1C}">
+                <a14:useLocalDpi xmlns:a14="http://schemas.microsoft.com/office/drawing/2010/main" val="0"/>
               </a:ext>
             </a:extLst>
-          </p:cNvPr>
+          </a:blip>
+          <a:stretch>
+            <a:fillRect/>
+          </a:stretch>
+        </p:blipFill>
+        <p:spPr>
+          <a:xfrm>
+            <a:off x="0" y="4375150"/>
+            <a:ext cx="12192000" cy="2482850"/>
+          </a:xfrm>
+          <a:prstGeom prst="rect">
+            <a:avLst/>
+          </a:prstGeom>
+        </p:spPr>
+      </p:pic>
+      <p:sp>
+        <p:nvSpPr>
+          <p:cNvPr id="2" name="Title 1"/>
           <p:cNvSpPr>
             <a:spLocks noGrp="1"/>
           </p:cNvSpPr>
@@ -987,15 +3598,17 @@
         </p:nvSpPr>
         <p:spPr>
           <a:xfrm>
-            <a:off x="831850" y="1709738"/>
-            <a:ext cx="10515600" cy="2852737"/>
-          </a:xfrm>
-        </p:spPr>
-        <p:txBody>
-          <a:bodyPr anchor="b"/>
+            <a:off x="685800" y="753533"/>
+            <a:ext cx="10820399" cy="2801935"/>
+          </a:xfrm>
+        </p:spPr>
+        <p:txBody>
+          <a:bodyPr anchor="b">
+            <a:normAutofit/>
+          </a:bodyPr>
           <a:lstStyle>
-            <a:lvl1pPr>
-              <a:defRPr sz="6000"/>
+            <a:lvl1pPr algn="r">
+              <a:defRPr sz="4000"/>
             </a:lvl1pPr>
           </a:lstStyle>
           <a:p>
@@ -1003,18 +3616,13 @@
               <a:rPr lang="nb-NO"/>
               <a:t>Klikk for å redigere tittelstil</a:t>
             </a:r>
-          </a:p>
-        </p:txBody>
-      </p:sp>
-      <p:sp>
-        <p:nvSpPr>
-          <p:cNvPr id="3" name="Plassholder for tekst 2">
-            <a:extLst>
-              <a:ext uri="{FF2B5EF4-FFF2-40B4-BE49-F238E27FC236}">
-                <a16:creationId xmlns:a16="http://schemas.microsoft.com/office/drawing/2014/main" id="{29B53BCA-44F5-4889-827B-0BFCADA3D9A3}"/>
-              </a:ext>
-            </a:extLst>
-          </p:cNvPr>
+            <a:endParaRPr lang="en-US" dirty="0"/>
+          </a:p>
+        </p:txBody>
+      </p:sp>
+      <p:sp>
+        <p:nvSpPr>
+          <p:cNvPr id="3" name="Text Placeholder 2"/>
           <p:cNvSpPr>
             <a:spLocks noGrp="1"/>
           </p:cNvSpPr>
@@ -1024,16 +3632,18 @@
         </p:nvSpPr>
         <p:spPr>
           <a:xfrm>
-            <a:off x="831850" y="4589463"/>
-            <a:ext cx="10515600" cy="1500187"/>
-          </a:xfrm>
-        </p:spPr>
-        <p:txBody>
-          <a:bodyPr/>
+            <a:off x="1024467" y="3641725"/>
+            <a:ext cx="10490200" cy="955675"/>
+          </a:xfrm>
+        </p:spPr>
+        <p:txBody>
+          <a:bodyPr>
+            <a:normAutofit/>
+          </a:bodyPr>
           <a:lstStyle>
-            <a:lvl1pPr marL="0" indent="0">
-              <a:buNone/>
-              <a:defRPr sz="2400">
+            <a:lvl1pPr marL="0" indent="0" algn="r">
+              <a:buNone/>
+              <a:defRPr sz="2200">
                 <a:solidFill>
                   <a:schemeClr val="tx1">
                     <a:tint val="75000"/>
@@ -1126,20 +3736,14 @@
             <a:pPr lvl="0"/>
             <a:r>
               <a:rPr lang="nb-NO"/>
-              <a:t>Rediger tekststiler i malen</a:t>
-            </a:r>
-          </a:p>
-        </p:txBody>
-      </p:sp>
-      <p:sp>
-        <p:nvSpPr>
-          <p:cNvPr id="4" name="Plassholder for dato 3">
-            <a:extLst>
-              <a:ext uri="{FF2B5EF4-FFF2-40B4-BE49-F238E27FC236}">
-                <a16:creationId xmlns:a16="http://schemas.microsoft.com/office/drawing/2014/main" id="{556D8120-A7C7-4D56-99EB-1A2AB36CBFC2}"/>
-              </a:ext>
-            </a:extLst>
-          </p:cNvPr>
+              <a:t>Klikk for å redigere tekststiler i malen</a:t>
+            </a:r>
+          </a:p>
+        </p:txBody>
+      </p:sp>
+      <p:sp>
+        <p:nvSpPr>
+          <p:cNvPr id="4" name="Date Placeholder 3"/>
           <p:cNvSpPr>
             <a:spLocks noGrp="1"/>
           </p:cNvSpPr>
@@ -1147,10 +3751,19 @@
             <p:ph type="dt" sz="half" idx="10"/>
           </p:nvPr>
         </p:nvSpPr>
-        <p:spPr/>
-        <p:txBody>
-          <a:bodyPr/>
-          <a:lstStyle/>
+        <p:spPr>
+          <a:xfrm>
+            <a:off x="7814452" y="381000"/>
+            <a:ext cx="2910840" cy="365125"/>
+          </a:xfrm>
+        </p:spPr>
+        <p:txBody>
+          <a:bodyPr/>
+          <a:lstStyle>
+            <a:lvl1pPr algn="r">
+              <a:defRPr/>
+            </a:lvl1pPr>
+          </a:lstStyle>
           <a:p>
             <a:fld id="{157F21B9-E034-4324-AC08-9CA98376BE26}" type="datetimeFigureOut">
               <a:rPr lang="nb-NO" smtClean="0"/>
@@ -1162,13 +3775,7 @@
       </p:sp>
       <p:sp>
         <p:nvSpPr>
-          <p:cNvPr id="5" name="Plassholder for bunntekst 4">
-            <a:extLst>
-              <a:ext uri="{FF2B5EF4-FFF2-40B4-BE49-F238E27FC236}">
-                <a16:creationId xmlns:a16="http://schemas.microsoft.com/office/drawing/2014/main" id="{2212A10A-808B-46C4-88C1-38C2ECE4B609}"/>
-              </a:ext>
-            </a:extLst>
-          </p:cNvPr>
+          <p:cNvPr id="5" name="Footer Placeholder 4"/>
           <p:cNvSpPr>
             <a:spLocks noGrp="1"/>
           </p:cNvSpPr>
@@ -1176,7 +3783,12 @@
             <p:ph type="ftr" sz="quarter" idx="11"/>
           </p:nvPr>
         </p:nvSpPr>
-        <p:spPr/>
+        <p:spPr>
+          <a:xfrm>
+            <a:off x="685800" y="381001"/>
+            <a:ext cx="6991492" cy="364065"/>
+          </a:xfrm>
+        </p:spPr>
         <p:txBody>
           <a:bodyPr/>
           <a:lstStyle/>
@@ -1187,13 +3799,7 @@
       </p:sp>
       <p:sp>
         <p:nvSpPr>
-          <p:cNvPr id="6" name="Plassholder for lysbildenummer 5">
-            <a:extLst>
-              <a:ext uri="{FF2B5EF4-FFF2-40B4-BE49-F238E27FC236}">
-                <a16:creationId xmlns:a16="http://schemas.microsoft.com/office/drawing/2014/main" id="{173DBB00-3B7E-4204-9B81-F5FF76F3224C}"/>
-              </a:ext>
-            </a:extLst>
-          </p:cNvPr>
+          <p:cNvPr id="6" name="Slide Number Placeholder 5"/>
           <p:cNvSpPr>
             <a:spLocks noGrp="1"/>
           </p:cNvSpPr>
@@ -1201,7 +3807,12 @@
             <p:ph type="sldNum" sz="quarter" idx="12"/>
           </p:nvPr>
         </p:nvSpPr>
-        <p:spPr/>
+        <p:spPr>
+          <a:xfrm>
+            <a:off x="10862452" y="381000"/>
+            <a:ext cx="643748" cy="365125"/>
+          </a:xfrm>
+        </p:spPr>
         <p:txBody>
           <a:bodyPr/>
           <a:lstStyle/>
@@ -1217,7 +3828,7 @@
     </p:spTree>
     <p:extLst>
       <p:ext uri="{BB962C8B-B14F-4D97-AF65-F5344CB8AC3E}">
-        <p14:creationId xmlns:p14="http://schemas.microsoft.com/office/powerpoint/2010/main" val="3407416095"/>
+        <p14:creationId xmlns:p14="http://schemas.microsoft.com/office/powerpoint/2010/main" val="1877307213"/>
       </p:ext>
     </p:extLst>
   </p:cSld>
@@ -1246,13 +3857,7 @@
       </p:grpSpPr>
       <p:sp>
         <p:nvSpPr>
-          <p:cNvPr id="2" name="Tittel 1">
-            <a:extLst>
-              <a:ext uri="{FF2B5EF4-FFF2-40B4-BE49-F238E27FC236}">
-                <a16:creationId xmlns:a16="http://schemas.microsoft.com/office/drawing/2014/main" id="{57895EDF-49F3-4328-9884-DB709C4092FF}"/>
-              </a:ext>
-            </a:extLst>
-          </p:cNvPr>
+          <p:cNvPr id="2" name="Title 1"/>
           <p:cNvSpPr>
             <a:spLocks noGrp="1"/>
           </p:cNvSpPr>
@@ -1269,18 +3874,13 @@
               <a:rPr lang="nb-NO"/>
               <a:t>Klikk for å redigere tittelstil</a:t>
             </a:r>
-          </a:p>
-        </p:txBody>
-      </p:sp>
-      <p:sp>
-        <p:nvSpPr>
-          <p:cNvPr id="3" name="Plassholder for innhold 2">
-            <a:extLst>
-              <a:ext uri="{FF2B5EF4-FFF2-40B4-BE49-F238E27FC236}">
-                <a16:creationId xmlns:a16="http://schemas.microsoft.com/office/drawing/2014/main" id="{D3DFC1BE-B306-4FE3-941A-3AA84DC980E2}"/>
-              </a:ext>
-            </a:extLst>
-          </p:cNvPr>
+            <a:endParaRPr lang="en-US" dirty="0"/>
+          </a:p>
+        </p:txBody>
+      </p:sp>
+      <p:sp>
+        <p:nvSpPr>
+          <p:cNvPr id="3" name="Content Placeholder 2"/>
           <p:cNvSpPr>
             <a:spLocks noGrp="1"/>
           </p:cNvSpPr>
@@ -1290,8 +3890,8 @@
         </p:nvSpPr>
         <p:spPr>
           <a:xfrm>
-            <a:off x="838200" y="1825625"/>
-            <a:ext cx="5181600" cy="4351338"/>
+            <a:off x="685800" y="2194559"/>
+            <a:ext cx="5334000" cy="4024125"/>
           </a:xfrm>
         </p:spPr>
         <p:txBody>
@@ -1301,7 +3901,7 @@
             <a:pPr lvl="0"/>
             <a:r>
               <a:rPr lang="nb-NO"/>
-              <a:t>Rediger tekststiler i malen</a:t>
+              <a:t>Klikk for å redigere tekststiler i malen</a:t>
             </a:r>
           </a:p>
           <a:p>
@@ -1331,18 +3931,13 @@
               <a:rPr lang="nb-NO"/>
               <a:t>Femte nivå</a:t>
             </a:r>
-          </a:p>
-        </p:txBody>
-      </p:sp>
-      <p:sp>
-        <p:nvSpPr>
-          <p:cNvPr id="4" name="Plassholder for innhold 3">
-            <a:extLst>
-              <a:ext uri="{FF2B5EF4-FFF2-40B4-BE49-F238E27FC236}">
-                <a16:creationId xmlns:a16="http://schemas.microsoft.com/office/drawing/2014/main" id="{B06BB444-2289-4D76-9041-34E5C1F83501}"/>
-              </a:ext>
-            </a:extLst>
-          </p:cNvPr>
+            <a:endParaRPr lang="en-US" dirty="0"/>
+          </a:p>
+        </p:txBody>
+      </p:sp>
+      <p:sp>
+        <p:nvSpPr>
+          <p:cNvPr id="4" name="Content Placeholder 3"/>
           <p:cNvSpPr>
             <a:spLocks noGrp="1"/>
           </p:cNvSpPr>
@@ -1352,8 +3947,8 @@
         </p:nvSpPr>
         <p:spPr>
           <a:xfrm>
-            <a:off x="6172200" y="1825625"/>
-            <a:ext cx="5181600" cy="4351338"/>
+            <a:off x="6172200" y="2194559"/>
+            <a:ext cx="5334000" cy="4024125"/>
           </a:xfrm>
         </p:spPr>
         <p:txBody>
@@ -1363,7 +3958,7 @@
             <a:pPr lvl="0"/>
             <a:r>
               <a:rPr lang="nb-NO"/>
-              <a:t>Rediger tekststiler i malen</a:t>
+              <a:t>Klikk for å redigere tekststiler i malen</a:t>
             </a:r>
           </a:p>
           <a:p>
@@ -1393,18 +3988,13 @@
               <a:rPr lang="nb-NO"/>
               <a:t>Femte nivå</a:t>
             </a:r>
-          </a:p>
-        </p:txBody>
-      </p:sp>
-      <p:sp>
-        <p:nvSpPr>
-          <p:cNvPr id="5" name="Plassholder for dato 4">
-            <a:extLst>
-              <a:ext uri="{FF2B5EF4-FFF2-40B4-BE49-F238E27FC236}">
-                <a16:creationId xmlns:a16="http://schemas.microsoft.com/office/drawing/2014/main" id="{1FB717EC-4E79-4626-A9C6-1CF8080285E5}"/>
-              </a:ext>
-            </a:extLst>
-          </p:cNvPr>
+            <a:endParaRPr lang="en-US" dirty="0"/>
+          </a:p>
+        </p:txBody>
+      </p:sp>
+      <p:sp>
+        <p:nvSpPr>
+          <p:cNvPr id="5" name="Date Placeholder 4"/>
           <p:cNvSpPr>
             <a:spLocks noGrp="1"/>
           </p:cNvSpPr>
@@ -1427,13 +4017,7 @@
       </p:sp>
       <p:sp>
         <p:nvSpPr>
-          <p:cNvPr id="6" name="Plassholder for bunntekst 5">
-            <a:extLst>
-              <a:ext uri="{FF2B5EF4-FFF2-40B4-BE49-F238E27FC236}">
-                <a16:creationId xmlns:a16="http://schemas.microsoft.com/office/drawing/2014/main" id="{9683935B-0EEA-41D5-B14B-CCA317691090}"/>
-              </a:ext>
-            </a:extLst>
-          </p:cNvPr>
+          <p:cNvPr id="6" name="Footer Placeholder 5"/>
           <p:cNvSpPr>
             <a:spLocks noGrp="1"/>
           </p:cNvSpPr>
@@ -1452,13 +4036,7 @@
       </p:sp>
       <p:sp>
         <p:nvSpPr>
-          <p:cNvPr id="7" name="Plassholder for lysbildenummer 6">
-            <a:extLst>
-              <a:ext uri="{FF2B5EF4-FFF2-40B4-BE49-F238E27FC236}">
-                <a16:creationId xmlns:a16="http://schemas.microsoft.com/office/drawing/2014/main" id="{18E27B85-B25C-4692-9CB6-1ECB5FC53ED6}"/>
-              </a:ext>
-            </a:extLst>
-          </p:cNvPr>
+          <p:cNvPr id="7" name="Slide Number Placeholder 6"/>
           <p:cNvSpPr>
             <a:spLocks noGrp="1"/>
           </p:cNvSpPr>
@@ -1482,7 +4060,7 @@
     </p:spTree>
     <p:extLst>
       <p:ext uri="{BB962C8B-B14F-4D97-AF65-F5344CB8AC3E}">
-        <p14:creationId xmlns:p14="http://schemas.microsoft.com/office/powerpoint/2010/main" val="1540575225"/>
+        <p14:creationId xmlns:p14="http://schemas.microsoft.com/office/powerpoint/2010/main" val="949172308"/>
       </p:ext>
     </p:extLst>
   </p:cSld>
@@ -1511,13 +4089,7 @@
       </p:grpSpPr>
       <p:sp>
         <p:nvSpPr>
-          <p:cNvPr id="2" name="Tittel 1">
-            <a:extLst>
-              <a:ext uri="{FF2B5EF4-FFF2-40B4-BE49-F238E27FC236}">
-                <a16:creationId xmlns:a16="http://schemas.microsoft.com/office/drawing/2014/main" id="{2ED29842-1105-4A57-AFEF-47A428CCF430}"/>
-              </a:ext>
-            </a:extLst>
-          </p:cNvPr>
+          <p:cNvPr id="2" name="Title 1"/>
           <p:cNvSpPr>
             <a:spLocks noGrp="1"/>
           </p:cNvSpPr>
@@ -1527,8 +4099,8 @@
         </p:nvSpPr>
         <p:spPr>
           <a:xfrm>
-            <a:off x="839788" y="365125"/>
-            <a:ext cx="10515600" cy="1325563"/>
+            <a:off x="2895600" y="762000"/>
+            <a:ext cx="8610600" cy="1295400"/>
           </a:xfrm>
         </p:spPr>
         <p:txBody>
@@ -1539,18 +4111,13 @@
               <a:rPr lang="nb-NO"/>
               <a:t>Klikk for å redigere tittelstil</a:t>
             </a:r>
-          </a:p>
-        </p:txBody>
-      </p:sp>
-      <p:sp>
-        <p:nvSpPr>
-          <p:cNvPr id="3" name="Plassholder for tekst 2">
-            <a:extLst>
-              <a:ext uri="{FF2B5EF4-FFF2-40B4-BE49-F238E27FC236}">
-                <a16:creationId xmlns:a16="http://schemas.microsoft.com/office/drawing/2014/main" id="{19E25DF9-E485-41D6-B11E-B6AC92B30911}"/>
-              </a:ext>
-            </a:extLst>
-          </p:cNvPr>
+            <a:endParaRPr lang="en-US" dirty="0"/>
+          </a:p>
+        </p:txBody>
+      </p:sp>
+      <p:sp>
+        <p:nvSpPr>
+          <p:cNvPr id="3" name="Text Placeholder 2"/>
           <p:cNvSpPr>
             <a:spLocks noGrp="1"/>
           </p:cNvSpPr>
@@ -1560,16 +4127,22 @@
         </p:nvSpPr>
         <p:spPr>
           <a:xfrm>
-            <a:off x="839788" y="1681163"/>
-            <a:ext cx="5157787" cy="823912"/>
-          </a:xfrm>
-        </p:spPr>
-        <p:txBody>
-          <a:bodyPr anchor="b"/>
+            <a:off x="914409" y="2183802"/>
+            <a:ext cx="5079991" cy="823912"/>
+          </a:xfrm>
+        </p:spPr>
+        <p:txBody>
+          <a:bodyPr anchor="b">
+            <a:normAutofit/>
+          </a:bodyPr>
           <a:lstStyle>
             <a:lvl1pPr marL="0" indent="0">
               <a:buNone/>
-              <a:defRPr sz="2400" b="1"/>
+              <a:defRPr sz="2800" b="0">
+                <a:solidFill>
+                  <a:schemeClr val="tx1"/>
+                </a:solidFill>
+              </a:defRPr>
             </a:lvl1pPr>
             <a:lvl2pPr marL="457200" indent="0">
               <a:buNone/>
@@ -1608,20 +4181,14 @@
             <a:pPr lvl="0"/>
             <a:r>
               <a:rPr lang="nb-NO"/>
-              <a:t>Rediger tekststiler i malen</a:t>
-            </a:r>
-          </a:p>
-        </p:txBody>
-      </p:sp>
-      <p:sp>
-        <p:nvSpPr>
-          <p:cNvPr id="4" name="Plassholder for innhold 3">
-            <a:extLst>
-              <a:ext uri="{FF2B5EF4-FFF2-40B4-BE49-F238E27FC236}">
-                <a16:creationId xmlns:a16="http://schemas.microsoft.com/office/drawing/2014/main" id="{7C03030F-556C-4008-8BC3-F3224A2DBD0D}"/>
-              </a:ext>
-            </a:extLst>
-          </p:cNvPr>
+              <a:t>Klikk for å redigere tekststiler i malen</a:t>
+            </a:r>
+          </a:p>
+        </p:txBody>
+      </p:sp>
+      <p:sp>
+        <p:nvSpPr>
+          <p:cNvPr id="4" name="Content Placeholder 3"/>
           <p:cNvSpPr>
             <a:spLocks noGrp="1"/>
           </p:cNvSpPr>
@@ -1631,8 +4198,8 @@
         </p:nvSpPr>
         <p:spPr>
           <a:xfrm>
-            <a:off x="839788" y="2505075"/>
-            <a:ext cx="5157787" cy="3684588"/>
+            <a:off x="685800" y="3132666"/>
+            <a:ext cx="5311775" cy="3086019"/>
           </a:xfrm>
         </p:spPr>
         <p:txBody>
@@ -1642,7 +4209,7 @@
             <a:pPr lvl="0"/>
             <a:r>
               <a:rPr lang="nb-NO"/>
-              <a:t>Rediger tekststiler i malen</a:t>
+              <a:t>Klikk for å redigere tekststiler i malen</a:t>
             </a:r>
           </a:p>
           <a:p>
@@ -1672,18 +4239,13 @@
               <a:rPr lang="nb-NO"/>
               <a:t>Femte nivå</a:t>
             </a:r>
-          </a:p>
-        </p:txBody>
-      </p:sp>
-      <p:sp>
-        <p:nvSpPr>
-          <p:cNvPr id="5" name="Plassholder for tekst 4">
-            <a:extLst>
-              <a:ext uri="{FF2B5EF4-FFF2-40B4-BE49-F238E27FC236}">
-                <a16:creationId xmlns:a16="http://schemas.microsoft.com/office/drawing/2014/main" id="{AF7A9EC7-AAA9-4AC2-8D52-2067916BB17F}"/>
-              </a:ext>
-            </a:extLst>
-          </p:cNvPr>
+            <a:endParaRPr lang="en-US" dirty="0"/>
+          </a:p>
+        </p:txBody>
+      </p:sp>
+      <p:sp>
+        <p:nvSpPr>
+          <p:cNvPr id="5" name="Text Placeholder 4"/>
           <p:cNvSpPr>
             <a:spLocks noGrp="1"/>
           </p:cNvSpPr>
@@ -1693,16 +4255,22 @@
         </p:nvSpPr>
         <p:spPr>
           <a:xfrm>
-            <a:off x="6172200" y="1681163"/>
-            <a:ext cx="5183188" cy="823912"/>
-          </a:xfrm>
-        </p:spPr>
-        <p:txBody>
-          <a:bodyPr anchor="b"/>
+            <a:off x="6400800" y="2183802"/>
+            <a:ext cx="5105400" cy="823912"/>
+          </a:xfrm>
+        </p:spPr>
+        <p:txBody>
+          <a:bodyPr anchor="b">
+            <a:normAutofit/>
+          </a:bodyPr>
           <a:lstStyle>
             <a:lvl1pPr marL="0" indent="0">
               <a:buNone/>
-              <a:defRPr sz="2400" b="1"/>
+              <a:defRPr sz="2800" b="0">
+                <a:solidFill>
+                  <a:schemeClr val="tx1"/>
+                </a:solidFill>
+              </a:defRPr>
             </a:lvl1pPr>
             <a:lvl2pPr marL="457200" indent="0">
               <a:buNone/>
@@ -1741,20 +4309,14 @@
             <a:pPr lvl="0"/>
             <a:r>
               <a:rPr lang="nb-NO"/>
-              <a:t>Rediger tekststiler i malen</a:t>
-            </a:r>
-          </a:p>
-        </p:txBody>
-      </p:sp>
-      <p:sp>
-        <p:nvSpPr>
-          <p:cNvPr id="6" name="Plassholder for innhold 5">
-            <a:extLst>
-              <a:ext uri="{FF2B5EF4-FFF2-40B4-BE49-F238E27FC236}">
-                <a16:creationId xmlns:a16="http://schemas.microsoft.com/office/drawing/2014/main" id="{FD9EC332-6FF7-4D14-AB02-3ED8B5452F41}"/>
-              </a:ext>
-            </a:extLst>
-          </p:cNvPr>
+              <a:t>Klikk for å redigere tekststiler i malen</a:t>
+            </a:r>
+          </a:p>
+        </p:txBody>
+      </p:sp>
+      <p:sp>
+        <p:nvSpPr>
+          <p:cNvPr id="6" name="Content Placeholder 5"/>
           <p:cNvSpPr>
             <a:spLocks noGrp="1"/>
           </p:cNvSpPr>
@@ -1764,8 +4326,8 @@
         </p:nvSpPr>
         <p:spPr>
           <a:xfrm>
-            <a:off x="6172200" y="2505075"/>
-            <a:ext cx="5183188" cy="3684588"/>
+            <a:off x="6172200" y="3132666"/>
+            <a:ext cx="5334000" cy="3086019"/>
           </a:xfrm>
         </p:spPr>
         <p:txBody>
@@ -1775,7 +4337,7 @@
             <a:pPr lvl="0"/>
             <a:r>
               <a:rPr lang="nb-NO"/>
-              <a:t>Rediger tekststiler i malen</a:t>
+              <a:t>Klikk for å redigere tekststiler i malen</a:t>
             </a:r>
           </a:p>
           <a:p>
@@ -1805,18 +4367,13 @@
               <a:rPr lang="nb-NO"/>
               <a:t>Femte nivå</a:t>
             </a:r>
-          </a:p>
-        </p:txBody>
-      </p:sp>
-      <p:sp>
-        <p:nvSpPr>
-          <p:cNvPr id="7" name="Plassholder for dato 6">
-            <a:extLst>
-              <a:ext uri="{FF2B5EF4-FFF2-40B4-BE49-F238E27FC236}">
-                <a16:creationId xmlns:a16="http://schemas.microsoft.com/office/drawing/2014/main" id="{04C729E4-F05D-4610-AABE-A880EF64F783}"/>
-              </a:ext>
-            </a:extLst>
-          </p:cNvPr>
+            <a:endParaRPr lang="en-US" dirty="0"/>
+          </a:p>
+        </p:txBody>
+      </p:sp>
+      <p:sp>
+        <p:nvSpPr>
+          <p:cNvPr id="7" name="Date Placeholder 6"/>
           <p:cNvSpPr>
             <a:spLocks noGrp="1"/>
           </p:cNvSpPr>
@@ -1839,13 +4396,7 @@
       </p:sp>
       <p:sp>
         <p:nvSpPr>
-          <p:cNvPr id="8" name="Plassholder for bunntekst 7">
-            <a:extLst>
-              <a:ext uri="{FF2B5EF4-FFF2-40B4-BE49-F238E27FC236}">
-                <a16:creationId xmlns:a16="http://schemas.microsoft.com/office/drawing/2014/main" id="{3AEDF202-8049-4026-8DFD-34F3E1947EFE}"/>
-              </a:ext>
-            </a:extLst>
-          </p:cNvPr>
+          <p:cNvPr id="8" name="Footer Placeholder 7"/>
           <p:cNvSpPr>
             <a:spLocks noGrp="1"/>
           </p:cNvSpPr>
@@ -1864,13 +4415,7 @@
       </p:sp>
       <p:sp>
         <p:nvSpPr>
-          <p:cNvPr id="9" name="Plassholder for lysbildenummer 8">
-            <a:extLst>
-              <a:ext uri="{FF2B5EF4-FFF2-40B4-BE49-F238E27FC236}">
-                <a16:creationId xmlns:a16="http://schemas.microsoft.com/office/drawing/2014/main" id="{8FCB6B4D-27E1-4D5F-80B3-9DA0A48D1C52}"/>
-              </a:ext>
-            </a:extLst>
-          </p:cNvPr>
+          <p:cNvPr id="9" name="Slide Number Placeholder 8"/>
           <p:cNvSpPr>
             <a:spLocks noGrp="1"/>
           </p:cNvSpPr>
@@ -1894,7 +4439,7 @@
     </p:spTree>
     <p:extLst>
       <p:ext uri="{BB962C8B-B14F-4D97-AF65-F5344CB8AC3E}">
-        <p14:creationId xmlns:p14="http://schemas.microsoft.com/office/powerpoint/2010/main" val="3296320968"/>
+        <p14:creationId xmlns:p14="http://schemas.microsoft.com/office/powerpoint/2010/main" val="3395806770"/>
       </p:ext>
     </p:extLst>
   </p:cSld>
@@ -1923,13 +4468,7 @@
       </p:grpSpPr>
       <p:sp>
         <p:nvSpPr>
-          <p:cNvPr id="2" name="Tittel 1">
-            <a:extLst>
-              <a:ext uri="{FF2B5EF4-FFF2-40B4-BE49-F238E27FC236}">
-                <a16:creationId xmlns:a16="http://schemas.microsoft.com/office/drawing/2014/main" id="{32CAD4C5-7D42-43F9-BEE4-53CA2E8AEDF2}"/>
-              </a:ext>
-            </a:extLst>
-          </p:cNvPr>
+          <p:cNvPr id="2" name="Title 1"/>
           <p:cNvSpPr>
             <a:spLocks noGrp="1"/>
           </p:cNvSpPr>
@@ -1946,18 +4485,13 @@
               <a:rPr lang="nb-NO"/>
               <a:t>Klikk for å redigere tittelstil</a:t>
             </a:r>
-          </a:p>
-        </p:txBody>
-      </p:sp>
-      <p:sp>
-        <p:nvSpPr>
-          <p:cNvPr id="3" name="Plassholder for dato 2">
-            <a:extLst>
-              <a:ext uri="{FF2B5EF4-FFF2-40B4-BE49-F238E27FC236}">
-                <a16:creationId xmlns:a16="http://schemas.microsoft.com/office/drawing/2014/main" id="{8064280D-9BF0-4964-881B-9D1F9341CF22}"/>
-              </a:ext>
-            </a:extLst>
-          </p:cNvPr>
+            <a:endParaRPr lang="en-US" dirty="0"/>
+          </a:p>
+        </p:txBody>
+      </p:sp>
+      <p:sp>
+        <p:nvSpPr>
+          <p:cNvPr id="3" name="Date Placeholder 2"/>
           <p:cNvSpPr>
             <a:spLocks noGrp="1"/>
           </p:cNvSpPr>
@@ -1980,13 +4514,7 @@
       </p:sp>
       <p:sp>
         <p:nvSpPr>
-          <p:cNvPr id="4" name="Plassholder for bunntekst 3">
-            <a:extLst>
-              <a:ext uri="{FF2B5EF4-FFF2-40B4-BE49-F238E27FC236}">
-                <a16:creationId xmlns:a16="http://schemas.microsoft.com/office/drawing/2014/main" id="{4B1F40A9-300C-4500-BAD6-E1C03C22E7FD}"/>
-              </a:ext>
-            </a:extLst>
-          </p:cNvPr>
+          <p:cNvPr id="4" name="Footer Placeholder 3"/>
           <p:cNvSpPr>
             <a:spLocks noGrp="1"/>
           </p:cNvSpPr>
@@ -2005,13 +4533,7 @@
       </p:sp>
       <p:sp>
         <p:nvSpPr>
-          <p:cNvPr id="5" name="Plassholder for lysbildenummer 4">
-            <a:extLst>
-              <a:ext uri="{FF2B5EF4-FFF2-40B4-BE49-F238E27FC236}">
-                <a16:creationId xmlns:a16="http://schemas.microsoft.com/office/drawing/2014/main" id="{069C9BC6-821B-4865-8F44-5A8FEA2B7773}"/>
-              </a:ext>
-            </a:extLst>
-          </p:cNvPr>
+          <p:cNvPr id="5" name="Slide Number Placeholder 4"/>
           <p:cNvSpPr>
             <a:spLocks noGrp="1"/>
           </p:cNvSpPr>
@@ -2035,7 +4557,7 @@
     </p:spTree>
     <p:extLst>
       <p:ext uri="{BB962C8B-B14F-4D97-AF65-F5344CB8AC3E}">
-        <p14:creationId xmlns:p14="http://schemas.microsoft.com/office/powerpoint/2010/main" val="803807180"/>
+        <p14:creationId xmlns:p14="http://schemas.microsoft.com/office/powerpoint/2010/main" val="2709338975"/>
       </p:ext>
     </p:extLst>
   </p:cSld>
@@ -2064,13 +4586,7 @@
       </p:grpSpPr>
       <p:sp>
         <p:nvSpPr>
-          <p:cNvPr id="2" name="Plassholder for dato 1">
-            <a:extLst>
-              <a:ext uri="{FF2B5EF4-FFF2-40B4-BE49-F238E27FC236}">
-                <a16:creationId xmlns:a16="http://schemas.microsoft.com/office/drawing/2014/main" id="{C11178F7-B744-47A0-A72F-3EF58D4626CA}"/>
-              </a:ext>
-            </a:extLst>
-          </p:cNvPr>
+          <p:cNvPr id="2" name="Date Placeholder 1"/>
           <p:cNvSpPr>
             <a:spLocks noGrp="1"/>
           </p:cNvSpPr>
@@ -2093,13 +4609,7 @@
       </p:sp>
       <p:sp>
         <p:nvSpPr>
-          <p:cNvPr id="3" name="Plassholder for bunntekst 2">
-            <a:extLst>
-              <a:ext uri="{FF2B5EF4-FFF2-40B4-BE49-F238E27FC236}">
-                <a16:creationId xmlns:a16="http://schemas.microsoft.com/office/drawing/2014/main" id="{49B319FD-3934-45B6-9C17-D614A208FADC}"/>
-              </a:ext>
-            </a:extLst>
-          </p:cNvPr>
+          <p:cNvPr id="3" name="Footer Placeholder 2"/>
           <p:cNvSpPr>
             <a:spLocks noGrp="1"/>
           </p:cNvSpPr>
@@ -2118,13 +4628,7 @@
       </p:sp>
       <p:sp>
         <p:nvSpPr>
-          <p:cNvPr id="4" name="Plassholder for lysbildenummer 3">
-            <a:extLst>
-              <a:ext uri="{FF2B5EF4-FFF2-40B4-BE49-F238E27FC236}">
-                <a16:creationId xmlns:a16="http://schemas.microsoft.com/office/drawing/2014/main" id="{E2AF3A59-2FF8-45AC-87DA-FC720741A219}"/>
-              </a:ext>
-            </a:extLst>
-          </p:cNvPr>
+          <p:cNvPr id="4" name="Slide Number Placeholder 3"/>
           <p:cNvSpPr>
             <a:spLocks noGrp="1"/>
           </p:cNvSpPr>
@@ -2148,7 +4652,7 @@
     </p:spTree>
     <p:extLst>
       <p:ext uri="{BB962C8B-B14F-4D97-AF65-F5344CB8AC3E}">
-        <p14:creationId xmlns:p14="http://schemas.microsoft.com/office/powerpoint/2010/main" val="1995712140"/>
+        <p14:creationId xmlns:p14="http://schemas.microsoft.com/office/powerpoint/2010/main" val="2772710189"/>
       </p:ext>
     </p:extLst>
   </p:cSld>
@@ -2177,13 +4681,7 @@
       </p:grpSpPr>
       <p:sp>
         <p:nvSpPr>
-          <p:cNvPr id="2" name="Tittel 1">
-            <a:extLst>
-              <a:ext uri="{FF2B5EF4-FFF2-40B4-BE49-F238E27FC236}">
-                <a16:creationId xmlns:a16="http://schemas.microsoft.com/office/drawing/2014/main" id="{7B2BAC27-DF70-4467-9483-73D8FBD4539C}"/>
-              </a:ext>
-            </a:extLst>
-          </p:cNvPr>
+          <p:cNvPr id="2" name="Title 1"/>
           <p:cNvSpPr>
             <a:spLocks noGrp="1"/>
           </p:cNvSpPr>
@@ -2193,14 +4691,14 @@
         </p:nvSpPr>
         <p:spPr>
           <a:xfrm>
-            <a:off x="839788" y="457200"/>
-            <a:ext cx="3932237" cy="1600200"/>
+            <a:off x="685800" y="1524000"/>
+            <a:ext cx="4114800" cy="1600200"/>
           </a:xfrm>
         </p:spPr>
         <p:txBody>
           <a:bodyPr anchor="b"/>
           <a:lstStyle>
-            <a:lvl1pPr>
+            <a:lvl1pPr algn="l">
               <a:defRPr sz="3200"/>
             </a:lvl1pPr>
           </a:lstStyle>
@@ -2209,18 +4707,13 @@
               <a:rPr lang="nb-NO"/>
               <a:t>Klikk for å redigere tittelstil</a:t>
             </a:r>
-          </a:p>
-        </p:txBody>
-      </p:sp>
-      <p:sp>
-        <p:nvSpPr>
-          <p:cNvPr id="3" name="Plassholder for innhold 2">
-            <a:extLst>
-              <a:ext uri="{FF2B5EF4-FFF2-40B4-BE49-F238E27FC236}">
-                <a16:creationId xmlns:a16="http://schemas.microsoft.com/office/drawing/2014/main" id="{C49D37B8-C9F2-419A-A4CF-19A86F5A0AA1}"/>
-              </a:ext>
-            </a:extLst>
-          </p:cNvPr>
+            <a:endParaRPr lang="en-US" dirty="0"/>
+          </a:p>
+        </p:txBody>
+      </p:sp>
+      <p:sp>
+        <p:nvSpPr>
+          <p:cNvPr id="3" name="Content Placeholder 2"/>
           <p:cNvSpPr>
             <a:spLocks noGrp="1"/>
           </p:cNvSpPr>
@@ -2230,46 +4723,18 @@
         </p:nvSpPr>
         <p:spPr>
           <a:xfrm>
-            <a:off x="5183188" y="987425"/>
-            <a:ext cx="6172200" cy="4873625"/>
-          </a:xfrm>
-        </p:spPr>
-        <p:txBody>
-          <a:bodyPr/>
-          <a:lstStyle>
-            <a:lvl1pPr>
-              <a:defRPr sz="3200"/>
-            </a:lvl1pPr>
-            <a:lvl2pPr>
-              <a:defRPr sz="2800"/>
-            </a:lvl2pPr>
-            <a:lvl3pPr>
-              <a:defRPr sz="2400"/>
-            </a:lvl3pPr>
-            <a:lvl4pPr>
-              <a:defRPr sz="2000"/>
-            </a:lvl4pPr>
-            <a:lvl5pPr>
-              <a:defRPr sz="2000"/>
-            </a:lvl5pPr>
-            <a:lvl6pPr>
-              <a:defRPr sz="2000"/>
-            </a:lvl6pPr>
-            <a:lvl7pPr>
-              <a:defRPr sz="2000"/>
-            </a:lvl7pPr>
-            <a:lvl8pPr>
-              <a:defRPr sz="2000"/>
-            </a:lvl8pPr>
-            <a:lvl9pPr>
-              <a:defRPr sz="2000"/>
-            </a:lvl9pPr>
-          </a:lstStyle>
+            <a:off x="4995582" y="746759"/>
+            <a:ext cx="6510618" cy="5471925"/>
+          </a:xfrm>
+        </p:spPr>
+        <p:txBody>
+          <a:bodyPr anchor="ctr"/>
+          <a:lstStyle/>
           <a:p>
             <a:pPr lvl="0"/>
             <a:r>
               <a:rPr lang="nb-NO"/>
-              <a:t>Rediger tekststiler i malen</a:t>
+              <a:t>Klikk for å redigere tekststiler i malen</a:t>
             </a:r>
           </a:p>
           <a:p>
@@ -2299,18 +4764,13 @@
               <a:rPr lang="nb-NO"/>
               <a:t>Femte nivå</a:t>
             </a:r>
-          </a:p>
-        </p:txBody>
-      </p:sp>
-      <p:sp>
-        <p:nvSpPr>
-          <p:cNvPr id="4" name="Plassholder for tekst 3">
-            <a:extLst>
-              <a:ext uri="{FF2B5EF4-FFF2-40B4-BE49-F238E27FC236}">
-                <a16:creationId xmlns:a16="http://schemas.microsoft.com/office/drawing/2014/main" id="{E790CE97-8B2F-4A99-BD44-B91FC79FFECB}"/>
-              </a:ext>
-            </a:extLst>
-          </p:cNvPr>
+            <a:endParaRPr lang="en-US" dirty="0"/>
+          </a:p>
+        </p:txBody>
+      </p:sp>
+      <p:sp>
+        <p:nvSpPr>
+          <p:cNvPr id="4" name="Text Placeholder 3"/>
           <p:cNvSpPr>
             <a:spLocks noGrp="1"/>
           </p:cNvSpPr>
@@ -2320,8 +4780,8 @@
         </p:nvSpPr>
         <p:spPr>
           <a:xfrm>
-            <a:off x="839788" y="2057400"/>
-            <a:ext cx="3932237" cy="3811588"/>
+            <a:off x="685800" y="3124199"/>
+            <a:ext cx="4114800" cy="3094485"/>
           </a:xfrm>
         </p:spPr>
         <p:txBody>
@@ -2368,20 +4828,14 @@
             <a:pPr lvl="0"/>
             <a:r>
               <a:rPr lang="nb-NO"/>
-              <a:t>Rediger tekststiler i malen</a:t>
-            </a:r>
-          </a:p>
-        </p:txBody>
-      </p:sp>
-      <p:sp>
-        <p:nvSpPr>
-          <p:cNvPr id="5" name="Plassholder for dato 4">
-            <a:extLst>
-              <a:ext uri="{FF2B5EF4-FFF2-40B4-BE49-F238E27FC236}">
-                <a16:creationId xmlns:a16="http://schemas.microsoft.com/office/drawing/2014/main" id="{FED68259-AAEE-4982-BB3A-864C3A9B8C5D}"/>
-              </a:ext>
-            </a:extLst>
-          </p:cNvPr>
+              <a:t>Klikk for å redigere tekststiler i malen</a:t>
+            </a:r>
+          </a:p>
+        </p:txBody>
+      </p:sp>
+      <p:sp>
+        <p:nvSpPr>
+          <p:cNvPr id="5" name="Date Placeholder 4"/>
           <p:cNvSpPr>
             <a:spLocks noGrp="1"/>
           </p:cNvSpPr>
@@ -2404,13 +4858,7 @@
       </p:sp>
       <p:sp>
         <p:nvSpPr>
-          <p:cNvPr id="6" name="Plassholder for bunntekst 5">
-            <a:extLst>
-              <a:ext uri="{FF2B5EF4-FFF2-40B4-BE49-F238E27FC236}">
-                <a16:creationId xmlns:a16="http://schemas.microsoft.com/office/drawing/2014/main" id="{4F710B40-02F9-4C4C-AE68-C461FDE90801}"/>
-              </a:ext>
-            </a:extLst>
-          </p:cNvPr>
+          <p:cNvPr id="6" name="Footer Placeholder 5"/>
           <p:cNvSpPr>
             <a:spLocks noGrp="1"/>
           </p:cNvSpPr>
@@ -2429,13 +4877,7 @@
       </p:sp>
       <p:sp>
         <p:nvSpPr>
-          <p:cNvPr id="7" name="Plassholder for lysbildenummer 6">
-            <a:extLst>
-              <a:ext uri="{FF2B5EF4-FFF2-40B4-BE49-F238E27FC236}">
-                <a16:creationId xmlns:a16="http://schemas.microsoft.com/office/drawing/2014/main" id="{A41DB680-FA90-41D1-B2B9-DB26F952ED58}"/>
-              </a:ext>
-            </a:extLst>
-          </p:cNvPr>
+          <p:cNvPr id="7" name="Slide Number Placeholder 6"/>
           <p:cNvSpPr>
             <a:spLocks noGrp="1"/>
           </p:cNvSpPr>
@@ -2459,7 +4901,7 @@
     </p:spTree>
     <p:extLst>
       <p:ext uri="{BB962C8B-B14F-4D97-AF65-F5344CB8AC3E}">
-        <p14:creationId xmlns:p14="http://schemas.microsoft.com/office/powerpoint/2010/main" val="4002486264"/>
+        <p14:creationId xmlns:p14="http://schemas.microsoft.com/office/powerpoint/2010/main" val="2490717848"/>
       </p:ext>
     </p:extLst>
   </p:cSld>
@@ -2488,13 +4930,7 @@
       </p:grpSpPr>
       <p:sp>
         <p:nvSpPr>
-          <p:cNvPr id="2" name="Tittel 1">
-            <a:extLst>
-              <a:ext uri="{FF2B5EF4-FFF2-40B4-BE49-F238E27FC236}">
-                <a16:creationId xmlns:a16="http://schemas.microsoft.com/office/drawing/2014/main" id="{D83BAF03-EFD0-4197-807F-6FD1BA2026A0}"/>
-              </a:ext>
-            </a:extLst>
-          </p:cNvPr>
+          <p:cNvPr id="2" name="Title 1"/>
           <p:cNvSpPr>
             <a:spLocks noGrp="1"/>
           </p:cNvSpPr>
@@ -2504,14 +4940,14 @@
         </p:nvSpPr>
         <p:spPr>
           <a:xfrm>
-            <a:off x="839788" y="457200"/>
-            <a:ext cx="3932237" cy="1600200"/>
+            <a:off x="685800" y="1524000"/>
+            <a:ext cx="6873240" cy="1600200"/>
           </a:xfrm>
         </p:spPr>
         <p:txBody>
           <a:bodyPr anchor="b"/>
           <a:lstStyle>
-            <a:lvl1pPr>
+            <a:lvl1pPr algn="l">
               <a:defRPr sz="3200"/>
             </a:lvl1pPr>
           </a:lstStyle>
@@ -2520,20 +4956,15 @@
               <a:rPr lang="nb-NO"/>
               <a:t>Klikk for å redigere tittelstil</a:t>
             </a:r>
-          </a:p>
-        </p:txBody>
-      </p:sp>
-      <p:sp>
-        <p:nvSpPr>
-          <p:cNvPr id="3" name="Plassholder for bilde 2">
-            <a:extLst>
-              <a:ext uri="{FF2B5EF4-FFF2-40B4-BE49-F238E27FC236}">
-                <a16:creationId xmlns:a16="http://schemas.microsoft.com/office/drawing/2014/main" id="{FBCAD987-C66A-4F35-85F5-F64DDE362AFC}"/>
-              </a:ext>
-            </a:extLst>
-          </p:cNvPr>
-          <p:cNvSpPr>
-            <a:spLocks noGrp="1"/>
+            <a:endParaRPr lang="en-US" dirty="0"/>
+          </a:p>
+        </p:txBody>
+      </p:sp>
+      <p:sp>
+        <p:nvSpPr>
+          <p:cNvPr id="3" name="Picture Placeholder 2"/>
+          <p:cNvSpPr>
+            <a:spLocks noGrp="1" noChangeAspect="1"/>
           </p:cNvSpPr>
           <p:nvPr>
             <p:ph type="pic" idx="1"/>
@@ -2541,12 +4972,12 @@
         </p:nvSpPr>
         <p:spPr>
           <a:xfrm>
-            <a:off x="5183188" y="987425"/>
-            <a:ext cx="6172200" cy="4873625"/>
-          </a:xfrm>
-        </p:spPr>
-        <p:txBody>
-          <a:bodyPr/>
+            <a:off x="7861238" y="751241"/>
+            <a:ext cx="3644962" cy="5467443"/>
+          </a:xfrm>
+        </p:spPr>
+        <p:txBody>
+          <a:bodyPr anchor="t"/>
           <a:lstStyle>
             <a:lvl1pPr marL="0" indent="0">
               <a:buNone/>
@@ -2586,19 +5017,17 @@
             </a:lvl9pPr>
           </a:lstStyle>
           <a:p>
-            <a:endParaRPr lang="nb-NO"/>
-          </a:p>
-        </p:txBody>
-      </p:sp>
-      <p:sp>
-        <p:nvSpPr>
-          <p:cNvPr id="4" name="Plassholder for tekst 3">
-            <a:extLst>
-              <a:ext uri="{FF2B5EF4-FFF2-40B4-BE49-F238E27FC236}">
-                <a16:creationId xmlns:a16="http://schemas.microsoft.com/office/drawing/2014/main" id="{A34C74E1-159C-486E-A0A3-910B28E076BF}"/>
-              </a:ext>
-            </a:extLst>
-          </p:cNvPr>
+            <a:r>
+              <a:rPr lang="nb-NO"/>
+              <a:t>Klikk på ikonet for å legge til et bilde</a:t>
+            </a:r>
+            <a:endParaRPr lang="en-US" dirty="0"/>
+          </a:p>
+        </p:txBody>
+      </p:sp>
+      <p:sp>
+        <p:nvSpPr>
+          <p:cNvPr id="4" name="Text Placeholder 3"/>
           <p:cNvSpPr>
             <a:spLocks noGrp="1"/>
           </p:cNvSpPr>
@@ -2608,8 +5037,8 @@
         </p:nvSpPr>
         <p:spPr>
           <a:xfrm>
-            <a:off x="839788" y="2057400"/>
-            <a:ext cx="3932237" cy="3811588"/>
+            <a:off x="685800" y="3124199"/>
+            <a:ext cx="6873240" cy="3094485"/>
           </a:xfrm>
         </p:spPr>
         <p:txBody>
@@ -2656,20 +5085,14 @@
             <a:pPr lvl="0"/>
             <a:r>
               <a:rPr lang="nb-NO"/>
-              <a:t>Rediger tekststiler i malen</a:t>
-            </a:r>
-          </a:p>
-        </p:txBody>
-      </p:sp>
-      <p:sp>
-        <p:nvSpPr>
-          <p:cNvPr id="5" name="Plassholder for dato 4">
-            <a:extLst>
-              <a:ext uri="{FF2B5EF4-FFF2-40B4-BE49-F238E27FC236}">
-                <a16:creationId xmlns:a16="http://schemas.microsoft.com/office/drawing/2014/main" id="{F7E8BE5F-25F7-45FD-8C9F-41E373902150}"/>
-              </a:ext>
-            </a:extLst>
-          </p:cNvPr>
+              <a:t>Klikk for å redigere tekststiler i malen</a:t>
+            </a:r>
+          </a:p>
+        </p:txBody>
+      </p:sp>
+      <p:sp>
+        <p:nvSpPr>
+          <p:cNvPr id="5" name="Date Placeholder 4"/>
           <p:cNvSpPr>
             <a:spLocks noGrp="1"/>
           </p:cNvSpPr>
@@ -2692,13 +5115,7 @@
       </p:sp>
       <p:sp>
         <p:nvSpPr>
-          <p:cNvPr id="6" name="Plassholder for bunntekst 5">
-            <a:extLst>
-              <a:ext uri="{FF2B5EF4-FFF2-40B4-BE49-F238E27FC236}">
-                <a16:creationId xmlns:a16="http://schemas.microsoft.com/office/drawing/2014/main" id="{894314F7-EE21-44A8-B555-36CD22D9C71C}"/>
-              </a:ext>
-            </a:extLst>
-          </p:cNvPr>
+          <p:cNvPr id="6" name="Footer Placeholder 5"/>
           <p:cNvSpPr>
             <a:spLocks noGrp="1"/>
           </p:cNvSpPr>
@@ -2717,13 +5134,7 @@
       </p:sp>
       <p:sp>
         <p:nvSpPr>
-          <p:cNvPr id="7" name="Plassholder for lysbildenummer 6">
-            <a:extLst>
-              <a:ext uri="{FF2B5EF4-FFF2-40B4-BE49-F238E27FC236}">
-                <a16:creationId xmlns:a16="http://schemas.microsoft.com/office/drawing/2014/main" id="{D3164D4A-FBCC-4E48-809F-62B499DB49DD}"/>
-              </a:ext>
-            </a:extLst>
-          </p:cNvPr>
+          <p:cNvPr id="7" name="Slide Number Placeholder 6"/>
           <p:cNvSpPr>
             <a:spLocks noGrp="1"/>
           </p:cNvSpPr>
@@ -2747,7 +5158,7 @@
     </p:spTree>
     <p:extLst>
       <p:ext uri="{BB962C8B-B14F-4D97-AF65-F5344CB8AC3E}">
-        <p14:creationId xmlns:p14="http://schemas.microsoft.com/office/powerpoint/2010/main" val="3500613930"/>
+        <p14:creationId xmlns:p14="http://schemas.microsoft.com/office/powerpoint/2010/main" val="1771397748"/>
       </p:ext>
     </p:extLst>
   </p:cSld>
@@ -2779,31 +5190,55 @@
           <a:chExt cx="0" cy="0"/>
         </a:xfrm>
       </p:grpSpPr>
-      <p:sp>
-        <p:nvSpPr>
-          <p:cNvPr id="2" name="Plassholder for tittel 1">
+      <p:pic>
+        <p:nvPicPr>
+          <p:cNvPr id="7" name="Picture 6" descr="C0-HD-TOP.png"/>
+          <p:cNvPicPr>
+            <a:picLocks noChangeAspect="1"/>
+          </p:cNvPicPr>
+          <p:nvPr/>
+        </p:nvPicPr>
+        <p:blipFill>
+          <a:blip r:embed="rId19">
             <a:extLst>
-              <a:ext uri="{FF2B5EF4-FFF2-40B4-BE49-F238E27FC236}">
-                <a16:creationId xmlns:a16="http://schemas.microsoft.com/office/drawing/2014/main" id="{FCA9AE72-4DA6-4B8F-9BAD-72DD48101FB2}"/>
+              <a:ext uri="{28A0092B-C50C-407E-A947-70E740481C1C}">
+                <a14:useLocalDpi xmlns:a14="http://schemas.microsoft.com/office/drawing/2010/main" val="0"/>
               </a:ext>
             </a:extLst>
-          </p:cNvPr>
-          <p:cNvSpPr>
-            <a:spLocks noGrp="1"/>
-          </p:cNvSpPr>
-          <p:nvPr>
-            <p:ph type="title"/>
-          </p:nvPr>
-        </p:nvSpPr>
-        <p:spPr>
-          <a:xfrm>
-            <a:off x="838200" y="365125"/>
-            <a:ext cx="10515600" cy="1325563"/>
+          </a:blip>
+          <a:stretch>
+            <a:fillRect/>
+          </a:stretch>
+        </p:blipFill>
+        <p:spPr>
+          <a:xfrm>
+            <a:off x="0" y="0"/>
+            <a:ext cx="12192000" cy="1441450"/>
           </a:xfrm>
           <a:prstGeom prst="rect">
             <a:avLst/>
           </a:prstGeom>
         </p:spPr>
+      </p:pic>
+      <p:sp>
+        <p:nvSpPr>
+          <p:cNvPr id="2" name="Title Placeholder 1"/>
+          <p:cNvSpPr>
+            <a:spLocks noGrp="1"/>
+          </p:cNvSpPr>
+          <p:nvPr>
+            <p:ph type="title"/>
+          </p:nvPr>
+        </p:nvSpPr>
+        <p:spPr>
+          <a:xfrm>
+            <a:off x="2895600" y="764373"/>
+            <a:ext cx="8610600" cy="1293028"/>
+          </a:xfrm>
+          <a:prstGeom prst="rect">
+            <a:avLst/>
+          </a:prstGeom>
+        </p:spPr>
         <p:txBody>
           <a:bodyPr vert="horz" lIns="91440" tIns="45720" rIns="91440" bIns="45720" rtlCol="0" anchor="ctr">
             <a:normAutofit/>
@@ -2814,18 +5249,13 @@
               <a:rPr lang="nb-NO"/>
               <a:t>Klikk for å redigere tittelstil</a:t>
             </a:r>
-          </a:p>
-        </p:txBody>
-      </p:sp>
-      <p:sp>
-        <p:nvSpPr>
-          <p:cNvPr id="3" name="Plassholder for tekst 2">
-            <a:extLst>
-              <a:ext uri="{FF2B5EF4-FFF2-40B4-BE49-F238E27FC236}">
-                <a16:creationId xmlns:a16="http://schemas.microsoft.com/office/drawing/2014/main" id="{D4B45B5A-05F6-45BE-BD61-71E724992519}"/>
-              </a:ext>
-            </a:extLst>
-          </p:cNvPr>
+            <a:endParaRPr lang="en-US" dirty="0"/>
+          </a:p>
+        </p:txBody>
+      </p:sp>
+      <p:sp>
+        <p:nvSpPr>
+          <p:cNvPr id="3" name="Text Placeholder 2"/>
           <p:cNvSpPr>
             <a:spLocks noGrp="1"/>
           </p:cNvSpPr>
@@ -2835,8 +5265,8 @@
         </p:nvSpPr>
         <p:spPr>
           <a:xfrm>
-            <a:off x="838200" y="1825625"/>
-            <a:ext cx="10515600" cy="4351338"/>
+            <a:off x="685800" y="2194560"/>
+            <a:ext cx="10820400" cy="4024125"/>
           </a:xfrm>
           <a:prstGeom prst="rect">
             <a:avLst/>
@@ -2851,7 +5281,7 @@
             <a:pPr lvl="0"/>
             <a:r>
               <a:rPr lang="nb-NO"/>
-              <a:t>Rediger tekststiler i malen</a:t>
+              <a:t>Klikk for å redigere tekststiler i malen</a:t>
             </a:r>
           </a:p>
           <a:p>
@@ -2881,18 +5311,13 @@
               <a:rPr lang="nb-NO"/>
               <a:t>Femte nivå</a:t>
             </a:r>
-          </a:p>
-        </p:txBody>
-      </p:sp>
-      <p:sp>
-        <p:nvSpPr>
-          <p:cNvPr id="4" name="Plassholder for dato 3">
-            <a:extLst>
-              <a:ext uri="{FF2B5EF4-FFF2-40B4-BE49-F238E27FC236}">
-                <a16:creationId xmlns:a16="http://schemas.microsoft.com/office/drawing/2014/main" id="{B8E9D662-5CA1-425D-888B-4BF9D4C30E2B}"/>
-              </a:ext>
-            </a:extLst>
-          </p:cNvPr>
+            <a:endParaRPr lang="en-US" dirty="0"/>
+          </a:p>
+        </p:txBody>
+      </p:sp>
+      <p:sp>
+        <p:nvSpPr>
+          <p:cNvPr id="4" name="Date Placeholder 3"/>
           <p:cNvSpPr>
             <a:spLocks noGrp="1"/>
           </p:cNvSpPr>
@@ -2902,8 +5327,8 @@
         </p:nvSpPr>
         <p:spPr>
           <a:xfrm>
-            <a:off x="838200" y="6356350"/>
-            <a:ext cx="2743200" cy="365125"/>
+            <a:off x="8595360" y="6356350"/>
+            <a:ext cx="2910840" cy="365125"/>
           </a:xfrm>
           <a:prstGeom prst="rect">
             <a:avLst/>
@@ -2912,8 +5337,8 @@
         <p:txBody>
           <a:bodyPr vert="horz" lIns="91440" tIns="45720" rIns="91440" bIns="45720" rtlCol="0" anchor="ctr"/>
           <a:lstStyle>
-            <a:lvl1pPr algn="l">
-              <a:defRPr sz="1200">
+            <a:lvl1pPr algn="r">
+              <a:defRPr sz="1050">
                 <a:solidFill>
                   <a:schemeClr val="tx1">
                     <a:tint val="75000"/>
@@ -2933,13 +5358,7 @@
       </p:sp>
       <p:sp>
         <p:nvSpPr>
-          <p:cNvPr id="5" name="Plassholder for bunntekst 4">
-            <a:extLst>
-              <a:ext uri="{FF2B5EF4-FFF2-40B4-BE49-F238E27FC236}">
-                <a16:creationId xmlns:a16="http://schemas.microsoft.com/office/drawing/2014/main" id="{61321594-7F54-43E2-B76F-85A9EF068454}"/>
-              </a:ext>
-            </a:extLst>
-          </p:cNvPr>
+          <p:cNvPr id="5" name="Footer Placeholder 4"/>
           <p:cNvSpPr>
             <a:spLocks noGrp="1"/>
           </p:cNvSpPr>
@@ -2949,8 +5368,8 @@
         </p:nvSpPr>
         <p:spPr>
           <a:xfrm>
-            <a:off x="4038600" y="6356350"/>
-            <a:ext cx="4114800" cy="365125"/>
+            <a:off x="685800" y="6355845"/>
+            <a:ext cx="7772400" cy="365125"/>
           </a:xfrm>
           <a:prstGeom prst="rect">
             <a:avLst/>
@@ -2959,8 +5378,8 @@
         <p:txBody>
           <a:bodyPr vert="horz" lIns="91440" tIns="45720" rIns="91440" bIns="45720" rtlCol="0" anchor="ctr"/>
           <a:lstStyle>
-            <a:lvl1pPr algn="ctr">
-              <a:defRPr sz="1200">
+            <a:lvl1pPr algn="l">
+              <a:defRPr sz="1050">
                 <a:solidFill>
                   <a:schemeClr val="tx1">
                     <a:tint val="75000"/>
@@ -2976,13 +5395,7 @@
       </p:sp>
       <p:sp>
         <p:nvSpPr>
-          <p:cNvPr id="6" name="Plassholder for lysbildenummer 5">
-            <a:extLst>
-              <a:ext uri="{FF2B5EF4-FFF2-40B4-BE49-F238E27FC236}">
-                <a16:creationId xmlns:a16="http://schemas.microsoft.com/office/drawing/2014/main" id="{DF89C163-A6F9-47FC-8571-EC65D0C23F4C}"/>
-              </a:ext>
-            </a:extLst>
-          </p:cNvPr>
+          <p:cNvPr id="6" name="Slide Number Placeholder 5"/>
           <p:cNvSpPr>
             <a:spLocks noGrp="1"/>
           </p:cNvSpPr>
@@ -2992,7 +5405,7 @@
         </p:nvSpPr>
         <p:spPr>
           <a:xfrm>
-            <a:off x="8610600" y="6356350"/>
+            <a:off x="8763000" y="381000"/>
             <a:ext cx="2743200" cy="365125"/>
           </a:xfrm>
           <a:prstGeom prst="rect">
@@ -3003,7 +5416,7 @@
           <a:bodyPr vert="horz" lIns="91440" tIns="45720" rIns="91440" bIns="45720" rtlCol="0" anchor="ctr"/>
           <a:lstStyle>
             <a:lvl1pPr algn="r">
-              <a:defRPr sz="1200">
+              <a:defRPr sz="1050">
                 <a:solidFill>
                   <a:schemeClr val="tx1">
                     <a:tint val="75000"/>
@@ -3024,27 +5437,33 @@
     </p:spTree>
     <p:extLst>
       <p:ext uri="{BB962C8B-B14F-4D97-AF65-F5344CB8AC3E}">
-        <p14:creationId xmlns:p14="http://schemas.microsoft.com/office/powerpoint/2010/main" val="451094028"/>
+        <p14:creationId xmlns:p14="http://schemas.microsoft.com/office/powerpoint/2010/main" val="1446913008"/>
       </p:ext>
     </p:extLst>
   </p:cSld>
-  <p:clrMap bg1="lt1" tx1="dk1" bg2="lt2" tx2="dk2" accent1="accent1" accent2="accent2" accent3="accent3" accent4="accent4" accent5="accent5" accent6="accent6" hlink="hlink" folHlink="folHlink"/>
+  <p:clrMap bg1="dk1" tx1="lt1" bg2="dk2" tx2="lt2" accent1="accent1" accent2="accent2" accent3="accent3" accent4="accent4" accent5="accent5" accent6="accent6" hlink="hlink" folHlink="folHlink"/>
   <p:sldLayoutIdLst>
-    <p:sldLayoutId id="2147483649" r:id="rId1"/>
-    <p:sldLayoutId id="2147483650" r:id="rId2"/>
-    <p:sldLayoutId id="2147483651" r:id="rId3"/>
-    <p:sldLayoutId id="2147483652" r:id="rId4"/>
-    <p:sldLayoutId id="2147483653" r:id="rId5"/>
-    <p:sldLayoutId id="2147483654" r:id="rId6"/>
-    <p:sldLayoutId id="2147483655" r:id="rId7"/>
-    <p:sldLayoutId id="2147483656" r:id="rId8"/>
-    <p:sldLayoutId id="2147483657" r:id="rId9"/>
-    <p:sldLayoutId id="2147483658" r:id="rId10"/>
-    <p:sldLayoutId id="2147483659" r:id="rId11"/>
+    <p:sldLayoutId id="2147483661" r:id="rId1"/>
+    <p:sldLayoutId id="2147483662" r:id="rId2"/>
+    <p:sldLayoutId id="2147483663" r:id="rId3"/>
+    <p:sldLayoutId id="2147483664" r:id="rId4"/>
+    <p:sldLayoutId id="2147483665" r:id="rId5"/>
+    <p:sldLayoutId id="2147483666" r:id="rId6"/>
+    <p:sldLayoutId id="2147483667" r:id="rId7"/>
+    <p:sldLayoutId id="2147483668" r:id="rId8"/>
+    <p:sldLayoutId id="2147483669" r:id="rId9"/>
+    <p:sldLayoutId id="2147483670" r:id="rId10"/>
+    <p:sldLayoutId id="2147483671" r:id="rId11"/>
+    <p:sldLayoutId id="2147483672" r:id="rId12"/>
+    <p:sldLayoutId id="2147483673" r:id="rId13"/>
+    <p:sldLayoutId id="2147483674" r:id="rId14"/>
+    <p:sldLayoutId id="2147483675" r:id="rId15"/>
+    <p:sldLayoutId id="2147483676" r:id="rId16"/>
+    <p:sldLayoutId id="2147483677" r:id="rId17"/>
   </p:sldLayoutIdLst>
   <p:txStyles>
     <p:titleStyle>
-      <a:lvl1pPr algn="l" defTabSz="914400" rtl="0" eaLnBrk="1" latinLnBrk="0" hangingPunct="1">
+      <a:lvl1pPr algn="r" defTabSz="914400" rtl="0" eaLnBrk="1" latinLnBrk="0" hangingPunct="1">
         <a:lnSpc>
           <a:spcPct val="90000"/>
         </a:lnSpc>
@@ -3052,7 +5471,7 @@
           <a:spcPct val="0"/>
         </a:spcBef>
         <a:buNone/>
-        <a:defRPr sz="4400" kern="1200">
+        <a:defRPr sz="4000" kern="1200" cap="all" baseline="0">
           <a:solidFill>
             <a:schemeClr val="tx1"/>
           </a:solidFill>
@@ -3072,7 +5491,7 @@
         </a:spcBef>
         <a:buFont typeface="Arial" panose="020B0604020202020204" pitchFamily="34" charset="0"/>
         <a:buChar char="•"/>
-        <a:defRPr sz="2800" kern="1200">
+        <a:defRPr sz="2200" kern="1200">
           <a:solidFill>
             <a:schemeClr val="tx1"/>
           </a:solidFill>
@@ -3090,7 +5509,7 @@
         </a:spcBef>
         <a:buFont typeface="Arial" panose="020B0604020202020204" pitchFamily="34" charset="0"/>
         <a:buChar char="•"/>
-        <a:defRPr sz="2400" kern="1200">
+        <a:defRPr sz="2000" kern="1200">
           <a:solidFill>
             <a:schemeClr val="tx1"/>
           </a:solidFill>
@@ -3108,7 +5527,7 @@
         </a:spcBef>
         <a:buFont typeface="Arial" panose="020B0604020202020204" pitchFamily="34" charset="0"/>
         <a:buChar char="•"/>
-        <a:defRPr sz="2000" kern="1200">
+        <a:defRPr sz="1800" kern="1200">
           <a:solidFill>
             <a:schemeClr val="tx1"/>
           </a:solidFill>
@@ -3126,7 +5545,7 @@
         </a:spcBef>
         <a:buFont typeface="Arial" panose="020B0604020202020204" pitchFamily="34" charset="0"/>
         <a:buChar char="•"/>
-        <a:defRPr sz="1800" kern="1200">
+        <a:defRPr sz="1600" kern="1200">
           <a:solidFill>
             <a:schemeClr val="tx1"/>
           </a:solidFill>
@@ -3144,7 +5563,7 @@
         </a:spcBef>
         <a:buFont typeface="Arial" panose="020B0604020202020204" pitchFamily="34" charset="0"/>
         <a:buChar char="•"/>
-        <a:defRPr sz="1800" kern="1200">
+        <a:defRPr sz="1600" kern="1200">
           <a:solidFill>
             <a:schemeClr val="tx1"/>
           </a:solidFill>
@@ -3162,7 +5581,7 @@
         </a:spcBef>
         <a:buFont typeface="Arial" panose="020B0604020202020204" pitchFamily="34" charset="0"/>
         <a:buChar char="•"/>
-        <a:defRPr sz="1800" kern="1200">
+        <a:defRPr sz="1600" kern="1200">
           <a:solidFill>
             <a:schemeClr val="tx1"/>
           </a:solidFill>
@@ -3180,7 +5599,7 @@
         </a:spcBef>
         <a:buFont typeface="Arial" panose="020B0604020202020204" pitchFamily="34" charset="0"/>
         <a:buChar char="•"/>
-        <a:defRPr sz="1800" kern="1200">
+        <a:defRPr sz="1600" kern="1200">
           <a:solidFill>
             <a:schemeClr val="tx1"/>
           </a:solidFill>
@@ -3198,7 +5617,7 @@
         </a:spcBef>
         <a:buFont typeface="Arial" panose="020B0604020202020204" pitchFamily="34" charset="0"/>
         <a:buChar char="•"/>
-        <a:defRPr sz="1800" kern="1200">
+        <a:defRPr sz="1600" kern="1200">
           <a:solidFill>
             <a:schemeClr val="tx1"/>
           </a:solidFill>
@@ -3216,7 +5635,7 @@
         </a:spcBef>
         <a:buFont typeface="Arial" panose="020B0604020202020204" pitchFamily="34" charset="0"/>
         <a:buChar char="•"/>
-        <a:defRPr sz="1800" kern="1200">
+        <a:defRPr sz="1600" kern="1200">
           <a:solidFill>
             <a:schemeClr val="tx1"/>
           </a:solidFill>
@@ -3228,7 +5647,7 @@
     </p:bodyStyle>
     <p:otherStyle>
       <a:defPPr>
-        <a:defRPr lang="nb-NO"/>
+        <a:defRPr lang="en-US"/>
       </a:defPPr>
       <a:lvl1pPr marL="0" algn="l" defTabSz="914400" rtl="0" eaLnBrk="1" latinLnBrk="0" hangingPunct="1">
         <a:defRPr sz="1800" kern="1200">
@@ -3363,6 +5782,7 @@
           <a:bodyPr/>
           <a:lstStyle/>
           <a:p>
+            <a:pPr algn="ctr"/>
             <a:r>
               <a:rPr lang="nb-NO" dirty="0" err="1"/>
               <a:t>Codingwarriors</a:t>
@@ -3389,18 +5809,22 @@
         </p:nvSpPr>
         <p:spPr/>
         <p:txBody>
-          <a:bodyPr/>
-          <a:lstStyle/>
-          <a:p>
-            <a:r>
-              <a:rPr lang="nb-NO" dirty="0" err="1"/>
+          <a:bodyPr>
+            <a:noAutofit/>
+          </a:bodyPr>
+          <a:lstStyle/>
+          <a:p>
+            <a:pPr algn="ctr"/>
+            <a:r>
+              <a:rPr lang="nb-NO" sz="2800" dirty="0" err="1"/>
               <a:t>RoboRally</a:t>
             </a:r>
-            <a:endParaRPr lang="nb-NO" dirty="0"/>
-          </a:p>
-          <a:p>
-            <a:r>
-              <a:rPr lang="nb-NO" dirty="0"/>
+            <a:endParaRPr lang="nb-NO" sz="2800" dirty="0"/>
+          </a:p>
+          <a:p>
+            <a:pPr algn="ctr"/>
+            <a:r>
+              <a:rPr lang="nb-NO" sz="2800" dirty="0"/>
               <a:t>(Gruppe 7 – Grønt lag)</a:t>
             </a:r>
           </a:p>
@@ -3482,48 +5906,50 @@
         </p:nvSpPr>
         <p:spPr/>
         <p:txBody>
-          <a:bodyPr/>
-          <a:lstStyle/>
-          <a:p>
-            <a:r>
-              <a:rPr lang="nb-NO" dirty="0"/>
+          <a:bodyPr>
+            <a:normAutofit/>
+          </a:bodyPr>
+          <a:lstStyle/>
+          <a:p>
+            <a:r>
+              <a:rPr lang="nb-NO" sz="2800" dirty="0"/>
               <a:t>Tore </a:t>
             </a:r>
             <a:r>
-              <a:rPr lang="nb-NO" dirty="0" err="1"/>
+              <a:rPr lang="nb-NO" sz="2800" dirty="0" err="1"/>
               <a:t>Berven</a:t>
             </a:r>
-            <a:endParaRPr lang="nb-NO" dirty="0"/>
-          </a:p>
-          <a:p>
-            <a:r>
-              <a:rPr lang="nb-NO" dirty="0"/>
+            <a:endParaRPr lang="nb-NO" sz="2800" dirty="0"/>
+          </a:p>
+          <a:p>
+            <a:r>
+              <a:rPr lang="nb-NO" sz="2800" dirty="0"/>
               <a:t>Kim-Erling Bolstad-Larssen</a:t>
             </a:r>
           </a:p>
           <a:p>
             <a:r>
-              <a:rPr lang="nb-NO" dirty="0"/>
+              <a:rPr lang="nb-NO" sz="2800" dirty="0"/>
               <a:t>Jakob Dyrseth</a:t>
             </a:r>
           </a:p>
           <a:p>
             <a:r>
-              <a:rPr lang="nb-NO" dirty="0"/>
+              <a:rPr lang="nb-NO" sz="2800" dirty="0"/>
               <a:t>Jan-Erik Erstad</a:t>
             </a:r>
           </a:p>
           <a:p>
             <a:r>
-              <a:rPr lang="nb-NO" dirty="0"/>
+              <a:rPr lang="nb-NO" sz="2800" dirty="0"/>
               <a:t>Eirin </a:t>
             </a:r>
             <a:r>
-              <a:rPr lang="nb-NO" dirty="0" err="1"/>
+              <a:rPr lang="nb-NO" sz="2800" dirty="0" err="1"/>
               <a:t>Ormbostad</a:t>
             </a:r>
             <a:r>
-              <a:rPr lang="nb-NO" dirty="0"/>
+              <a:rPr lang="nb-NO" sz="2800" dirty="0"/>
               <a:t> Ervik</a:t>
             </a:r>
           </a:p>
@@ -3619,19 +6045,19 @@
               <a:buNone/>
             </a:pPr>
             <a:r>
-              <a:rPr lang="nb-NO" b="1" u="sng" dirty="0"/>
+              <a:rPr lang="nb-NO" sz="2800" b="1" u="sng" dirty="0"/>
               <a:t>Teknisk:</a:t>
             </a:r>
           </a:p>
           <a:p>
             <a:r>
-              <a:rPr lang="nb-NO" dirty="0"/>
+              <a:rPr lang="nb-NO" sz="2800" dirty="0"/>
               <a:t>Viktigheten å dele opp oppgaver i mindre deler</a:t>
             </a:r>
           </a:p>
           <a:p>
             <a:r>
-              <a:rPr lang="nb-NO" dirty="0"/>
+              <a:rPr lang="nb-NO" sz="2800" dirty="0"/>
               <a:t>Viktigheten av små klasser</a:t>
             </a:r>
           </a:p>
@@ -4116,7 +6542,7 @@
           <p:cNvPr id="2" name="Tittel 1">
             <a:extLst>
               <a:ext uri="{FF2B5EF4-FFF2-40B4-BE49-F238E27FC236}">
-                <a16:creationId xmlns:a16="http://schemas.microsoft.com/office/drawing/2014/main" id="{9F8E6B00-2DDB-46F6-B604-E814AC9F75E0}"/>
+                <a16:creationId xmlns:a16="http://schemas.microsoft.com/office/drawing/2014/main" id="{395E87C4-ED53-4967-9B55-A96F6574A0E4}"/>
               </a:ext>
             </a:extLst>
           </p:cNvPr>
@@ -4134,7 +6560,7 @@
           <a:p>
             <a:r>
               <a:rPr lang="nb-NO" dirty="0"/>
-              <a:t>Demo</a:t>
+              <a:t>Hva kunne vi ha gjort annerledes?</a:t>
             </a:r>
           </a:p>
         </p:txBody>
@@ -4144,7 +6570,7 @@
           <p:cNvPr id="3" name="Plassholder for innhold 2">
             <a:extLst>
               <a:ext uri="{FF2B5EF4-FFF2-40B4-BE49-F238E27FC236}">
-                <a16:creationId xmlns:a16="http://schemas.microsoft.com/office/drawing/2014/main" id="{37C6FFDE-6B73-4EDD-AB82-F10EA48708C4}"/>
+                <a16:creationId xmlns:a16="http://schemas.microsoft.com/office/drawing/2014/main" id="{E0ABA33B-CCBF-4A5E-8CEC-6F6F478B8498}"/>
               </a:ext>
             </a:extLst>
           </p:cNvPr>
@@ -4157,17 +6583,47 @@
         </p:nvSpPr>
         <p:spPr/>
         <p:txBody>
-          <a:bodyPr/>
-          <a:lstStyle/>
-          <a:p>
-            <a:endParaRPr lang="nb-NO"/>
+          <a:bodyPr>
+            <a:normAutofit/>
+          </a:bodyPr>
+          <a:lstStyle/>
+          <a:p>
+            <a:r>
+              <a:rPr lang="nb-NO" sz="2800" dirty="0"/>
+              <a:t>Mer konsekvent på </a:t>
+            </a:r>
+            <a:r>
+              <a:rPr lang="nb-NO" sz="2800" dirty="0" err="1"/>
+              <a:t>code</a:t>
+            </a:r>
+            <a:r>
+              <a:rPr lang="nb-NO" sz="2800" dirty="0"/>
+              <a:t> </a:t>
+            </a:r>
+            <a:r>
+              <a:rPr lang="nb-NO" sz="2800" dirty="0" err="1"/>
+              <a:t>reviews</a:t>
+            </a:r>
+            <a:endParaRPr lang="nb-NO" sz="2800" dirty="0"/>
+          </a:p>
+          <a:p>
+            <a:r>
+              <a:rPr lang="nb-NO" sz="2800" dirty="0"/>
+              <a:t>Starte kunnskapsoverføring tidligere</a:t>
+            </a:r>
+          </a:p>
+          <a:p>
+            <a:r>
+              <a:rPr lang="nb-NO" sz="2800" dirty="0"/>
+              <a:t>Mer kunnskapsoverføring av grafikk</a:t>
+            </a:r>
           </a:p>
         </p:txBody>
       </p:sp>
     </p:spTree>
     <p:extLst>
       <p:ext uri="{BB962C8B-B14F-4D97-AF65-F5344CB8AC3E}">
-        <p14:creationId xmlns:p14="http://schemas.microsoft.com/office/powerpoint/2010/main" val="2010924275"/>
+        <p14:creationId xmlns:p14="http://schemas.microsoft.com/office/powerpoint/2010/main" val="2582099811"/>
       </p:ext>
     </p:extLst>
   </p:cSld>
@@ -4199,7 +6655,7 @@
           <p:cNvPr id="2" name="Tittel 1">
             <a:extLst>
               <a:ext uri="{FF2B5EF4-FFF2-40B4-BE49-F238E27FC236}">
-                <a16:creationId xmlns:a16="http://schemas.microsoft.com/office/drawing/2014/main" id="{395E87C4-ED53-4967-9B55-A96F6574A0E4}"/>
+                <a16:creationId xmlns:a16="http://schemas.microsoft.com/office/drawing/2014/main" id="{25C4A66D-C47F-4B0C-808B-F314C93DFE48}"/>
               </a:ext>
             </a:extLst>
           </p:cNvPr>
@@ -4217,7 +6673,7 @@
           <a:p>
             <a:r>
               <a:rPr lang="nb-NO" dirty="0"/>
-              <a:t>Hva kunne vi ha gjort annerledes?</a:t>
+              <a:t>Hvor ville vi ha gått videre?</a:t>
             </a:r>
           </a:p>
         </p:txBody>
@@ -4227,7 +6683,7 @@
           <p:cNvPr id="3" name="Plassholder for innhold 2">
             <a:extLst>
               <a:ext uri="{FF2B5EF4-FFF2-40B4-BE49-F238E27FC236}">
-                <a16:creationId xmlns:a16="http://schemas.microsoft.com/office/drawing/2014/main" id="{E0ABA33B-CCBF-4A5E-8CEC-6F6F478B8498}"/>
+                <a16:creationId xmlns:a16="http://schemas.microsoft.com/office/drawing/2014/main" id="{D53C04A1-A40D-4493-87FF-8FFD996F53B4}"/>
               </a:ext>
             </a:extLst>
           </p:cNvPr>
@@ -4240,37 +6696,50 @@
         </p:nvSpPr>
         <p:spPr/>
         <p:txBody>
-          <a:bodyPr/>
-          <a:lstStyle/>
-          <a:p>
-            <a:r>
-              <a:rPr lang="nb-NO" dirty="0"/>
-              <a:t>Mer konsekvent på </a:t>
-            </a:r>
-            <a:r>
-              <a:rPr lang="nb-NO" dirty="0" err="1"/>
-              <a:t>code</a:t>
-            </a:r>
-            <a:r>
-              <a:rPr lang="nb-NO" dirty="0"/>
-              <a:t> </a:t>
-            </a:r>
-            <a:r>
-              <a:rPr lang="nb-NO" dirty="0" err="1"/>
-              <a:t>reviews</a:t>
-            </a:r>
-            <a:endParaRPr lang="nb-NO" dirty="0"/>
-          </a:p>
-          <a:p>
-            <a:r>
-              <a:rPr lang="nb-NO" dirty="0"/>
-              <a:t>Starte kunnskapsoverføring tidligere</a:t>
-            </a:r>
-          </a:p>
-          <a:p>
-            <a:r>
-              <a:rPr lang="nb-NO" dirty="0"/>
-              <a:t>Mer kunnskapsoverføring av grafikk</a:t>
+          <a:bodyPr>
+            <a:normAutofit/>
+          </a:bodyPr>
+          <a:lstStyle/>
+          <a:p>
+            <a:r>
+              <a:rPr lang="nb-NO" sz="2800" dirty="0"/>
+              <a:t>Integrere nettverksfunksjonen (</a:t>
+            </a:r>
+            <a:r>
+              <a:rPr lang="nb-NO" sz="2800" dirty="0" err="1"/>
+              <a:t>multiplayer</a:t>
+            </a:r>
+            <a:r>
+              <a:rPr lang="nb-NO" sz="2800" dirty="0"/>
+              <a:t>)</a:t>
+            </a:r>
+          </a:p>
+          <a:p>
+            <a:r>
+              <a:rPr lang="nb-NO" sz="2800" dirty="0"/>
+              <a:t>Skikkelig startmeny</a:t>
+            </a:r>
+          </a:p>
+          <a:p>
+            <a:r>
+              <a:rPr lang="nb-NO" sz="2800" dirty="0"/>
+              <a:t>Statistikker</a:t>
+            </a:r>
+          </a:p>
+          <a:p>
+            <a:r>
+              <a:rPr lang="nb-NO" sz="2800" dirty="0" err="1"/>
+              <a:t>Event</a:t>
+            </a:r>
+            <a:r>
+              <a:rPr lang="nb-NO" sz="2800" dirty="0"/>
+              <a:t> log</a:t>
+            </a:r>
+          </a:p>
+          <a:p>
+            <a:r>
+              <a:rPr lang="nb-NO" sz="2800" dirty="0"/>
+              <a:t>Muligheten til å chatte underveis</a:t>
             </a:r>
           </a:p>
         </p:txBody>
@@ -4278,7 +6747,7 @@
     </p:spTree>
     <p:extLst>
       <p:ext uri="{BB962C8B-B14F-4D97-AF65-F5344CB8AC3E}">
-        <p14:creationId xmlns:p14="http://schemas.microsoft.com/office/powerpoint/2010/main" val="2582099811"/>
+        <p14:creationId xmlns:p14="http://schemas.microsoft.com/office/powerpoint/2010/main" val="351429213"/>
       </p:ext>
     </p:extLst>
   </p:cSld>
@@ -4310,7 +6779,7 @@
           <p:cNvPr id="2" name="Tittel 1">
             <a:extLst>
               <a:ext uri="{FF2B5EF4-FFF2-40B4-BE49-F238E27FC236}">
-                <a16:creationId xmlns:a16="http://schemas.microsoft.com/office/drawing/2014/main" id="{25C4A66D-C47F-4B0C-808B-F314C93DFE48}"/>
+                <a16:creationId xmlns:a16="http://schemas.microsoft.com/office/drawing/2014/main" id="{9F8E6B00-2DDB-46F6-B604-E814AC9F75E0}"/>
               </a:ext>
             </a:extLst>
           </p:cNvPr>
@@ -4328,84 +6797,15 @@
           <a:p>
             <a:r>
               <a:rPr lang="nb-NO" dirty="0"/>
-              <a:t>Hvor ville vi ha gått videre?</a:t>
-            </a:r>
-          </a:p>
-        </p:txBody>
-      </p:sp>
-      <p:sp>
-        <p:nvSpPr>
-          <p:cNvPr id="3" name="Plassholder for innhold 2">
-            <a:extLst>
-              <a:ext uri="{FF2B5EF4-FFF2-40B4-BE49-F238E27FC236}">
-                <a16:creationId xmlns:a16="http://schemas.microsoft.com/office/drawing/2014/main" id="{D53C04A1-A40D-4493-87FF-8FFD996F53B4}"/>
-              </a:ext>
-            </a:extLst>
-          </p:cNvPr>
-          <p:cNvSpPr>
-            <a:spLocks noGrp="1"/>
-          </p:cNvSpPr>
-          <p:nvPr>
-            <p:ph idx="1"/>
-          </p:nvPr>
-        </p:nvSpPr>
-        <p:spPr/>
-        <p:txBody>
-          <a:bodyPr/>
-          <a:lstStyle/>
-          <a:p>
-            <a:r>
-              <a:rPr lang="nb-NO" dirty="0"/>
-              <a:t>Integrere nettverksfunksjonen (</a:t>
-            </a:r>
-            <a:r>
-              <a:rPr lang="nb-NO" dirty="0" err="1"/>
-              <a:t>multiplayer</a:t>
-            </a:r>
-            <a:r>
-              <a:rPr lang="nb-NO" dirty="0"/>
-              <a:t>)</a:t>
-            </a:r>
-          </a:p>
-          <a:p>
-            <a:r>
-              <a:rPr lang="nb-NO" dirty="0"/>
-              <a:t>Skikkelig startmeny</a:t>
-            </a:r>
-          </a:p>
-          <a:p>
-            <a:r>
-              <a:rPr lang="nb-NO" dirty="0"/>
-              <a:t>Statistikker</a:t>
-            </a:r>
-          </a:p>
-          <a:p>
-            <a:r>
-              <a:rPr lang="nb-NO" dirty="0" err="1"/>
-              <a:t>Event</a:t>
-            </a:r>
-            <a:r>
-              <a:rPr lang="nb-NO" dirty="0"/>
-              <a:t> log</a:t>
-            </a:r>
-          </a:p>
-          <a:p>
-            <a:r>
-              <a:rPr lang="nb-NO" dirty="0"/>
-              <a:t>Muligheten til å </a:t>
-            </a:r>
-            <a:r>
-              <a:rPr lang="nb-NO"/>
-              <a:t>chatte underveis</a:t>
-            </a:r>
-            <a:endParaRPr lang="nb-NO" dirty="0"/>
+              <a:t>Demo</a:t>
+            </a:r>
           </a:p>
         </p:txBody>
       </p:sp>
     </p:spTree>
     <p:extLst>
       <p:ext uri="{BB962C8B-B14F-4D97-AF65-F5344CB8AC3E}">
-        <p14:creationId xmlns:p14="http://schemas.microsoft.com/office/powerpoint/2010/main" val="351429213"/>
+        <p14:creationId xmlns:p14="http://schemas.microsoft.com/office/powerpoint/2010/main" val="2010924275"/>
       </p:ext>
     </p:extLst>
   </p:cSld>
@@ -4416,9 +6816,9 @@
 </file>
 
 <file path=ppt/theme/theme1.xml><?xml version="1.0" encoding="utf-8"?>
-<a:theme xmlns:a="http://schemas.openxmlformats.org/drawingml/2006/main" name="Office-tema">
+<a:theme xmlns:a="http://schemas.openxmlformats.org/drawingml/2006/main" name="Kondensstripe">
   <a:themeElements>
-    <a:clrScheme name="Office">
+    <a:clrScheme name="Kondensstripe">
       <a:dk1>
         <a:sysClr val="windowText" lastClr="000000"/>
       </a:dk1>
@@ -4426,44 +6826,44 @@
         <a:sysClr val="window" lastClr="FFFFFF"/>
       </a:lt1>
       <a:dk2>
-        <a:srgbClr val="44546A"/>
+        <a:srgbClr val="454545"/>
       </a:dk2>
       <a:lt2>
-        <a:srgbClr val="E7E6E6"/>
+        <a:srgbClr val="DADADA"/>
       </a:lt2>
       <a:accent1>
-        <a:srgbClr val="4472C4"/>
+        <a:srgbClr val="DF2E28"/>
       </a:accent1>
       <a:accent2>
-        <a:srgbClr val="ED7D31"/>
+        <a:srgbClr val="FE801A"/>
       </a:accent2>
       <a:accent3>
-        <a:srgbClr val="A5A5A5"/>
+        <a:srgbClr val="E9BF35"/>
       </a:accent3>
       <a:accent4>
-        <a:srgbClr val="FFC000"/>
+        <a:srgbClr val="81BB42"/>
       </a:accent4>
       <a:accent5>
-        <a:srgbClr val="5B9BD5"/>
+        <a:srgbClr val="32C7A9"/>
       </a:accent5>
       <a:accent6>
-        <a:srgbClr val="70AD47"/>
+        <a:srgbClr val="4A9BDC"/>
       </a:accent6>
       <a:hlink>
-        <a:srgbClr val="0563C1"/>
+        <a:srgbClr val="F0532B"/>
       </a:hlink>
       <a:folHlink>
-        <a:srgbClr val="954F72"/>
+        <a:srgbClr val="F38B53"/>
       </a:folHlink>
     </a:clrScheme>
-    <a:fontScheme name="Office">
+    <a:fontScheme name="Kondensstripe">
       <a:majorFont>
-        <a:latin typeface="Calibri Light" panose="020F0302020204030204"/>
+        <a:latin typeface="Century Gothic" panose="020B0502020202020204"/>
         <a:ea typeface=""/>
         <a:cs typeface=""/>
-        <a:font script="Jpan" typeface="游ゴシック Light"/>
+        <a:font script="Jpan" typeface="ＭＳ Ｐゴシック"/>
         <a:font script="Hang" typeface="맑은 고딕"/>
-        <a:font script="Hans" typeface="等线 Light"/>
+        <a:font script="Hans" typeface="宋体"/>
         <a:font script="Hant" typeface="新細明體"/>
         <a:font script="Arab" typeface="Times New Roman"/>
         <a:font script="Hebr" typeface="Times New Roman"/>
@@ -4491,31 +6891,14 @@
         <a:font script="Viet" typeface="Times New Roman"/>
         <a:font script="Uigh" typeface="Microsoft Uighur"/>
         <a:font script="Geor" typeface="Sylfaen"/>
-        <a:font script="Armn" typeface="Arial"/>
-        <a:font script="Bugi" typeface="Leelawadee UI"/>
-        <a:font script="Bopo" typeface="Microsoft JhengHei"/>
-        <a:font script="Java" typeface="Javanese Text"/>
-        <a:font script="Lisu" typeface="Segoe UI"/>
-        <a:font script="Mymr" typeface="Myanmar Text"/>
-        <a:font script="Nkoo" typeface="Ebrima"/>
-        <a:font script="Olck" typeface="Nirmala UI"/>
-        <a:font script="Osma" typeface="Ebrima"/>
-        <a:font script="Phag" typeface="Phagspa"/>
-        <a:font script="Syrn" typeface="Estrangelo Edessa"/>
-        <a:font script="Syrj" typeface="Estrangelo Edessa"/>
-        <a:font script="Syre" typeface="Estrangelo Edessa"/>
-        <a:font script="Sora" typeface="Nirmala UI"/>
-        <a:font script="Tale" typeface="Microsoft Tai Le"/>
-        <a:font script="Talu" typeface="Microsoft New Tai Lue"/>
-        <a:font script="Tfng" typeface="Ebrima"/>
       </a:majorFont>
       <a:minorFont>
-        <a:latin typeface="Calibri" panose="020F0502020204030204"/>
+        <a:latin typeface="Century Gothic" panose="020B0502020202020204"/>
         <a:ea typeface=""/>
         <a:cs typeface=""/>
-        <a:font script="Jpan" typeface="游ゴシック"/>
+        <a:font script="Jpan" typeface="ＭＳ Ｐゴシック"/>
         <a:font script="Hang" typeface="맑은 고딕"/>
-        <a:font script="Hans" typeface="等线"/>
+        <a:font script="Hans" typeface="宋体"/>
         <a:font script="Hant" typeface="新細明體"/>
         <a:font script="Arab" typeface="Arial"/>
         <a:font script="Hebr" typeface="Arial"/>
@@ -4543,26 +6926,9 @@
         <a:font script="Viet" typeface="Arial"/>
         <a:font script="Uigh" typeface="Microsoft Uighur"/>
         <a:font script="Geor" typeface="Sylfaen"/>
-        <a:font script="Armn" typeface="Arial"/>
-        <a:font script="Bugi" typeface="Leelawadee UI"/>
-        <a:font script="Bopo" typeface="Microsoft JhengHei"/>
-        <a:font script="Java" typeface="Javanese Text"/>
-        <a:font script="Lisu" typeface="Segoe UI"/>
-        <a:font script="Mymr" typeface="Myanmar Text"/>
-        <a:font script="Nkoo" typeface="Ebrima"/>
-        <a:font script="Olck" typeface="Nirmala UI"/>
-        <a:font script="Osma" typeface="Ebrima"/>
-        <a:font script="Phag" typeface="Phagspa"/>
-        <a:font script="Syrn" typeface="Estrangelo Edessa"/>
-        <a:font script="Syrj" typeface="Estrangelo Edessa"/>
-        <a:font script="Syre" typeface="Estrangelo Edessa"/>
-        <a:font script="Sora" typeface="Nirmala UI"/>
-        <a:font script="Tale" typeface="Microsoft Tai Le"/>
-        <a:font script="Talu" typeface="Microsoft New Tai Lue"/>
-        <a:font script="Tfng" typeface="Ebrima"/>
       </a:minorFont>
     </a:fontScheme>
-    <a:fmtScheme name="Office">
+    <a:fmtScheme name="Kondensstripe">
       <a:fillStyleLst>
         <a:solidFill>
           <a:schemeClr val="phClr"/>
@@ -4571,23 +6937,24 @@
           <a:gsLst>
             <a:gs pos="0">
               <a:schemeClr val="phClr">
+                <a:tint val="69000"/>
+                <a:alpha val="100000"/>
+                <a:satMod val="109000"/>
                 <a:lumMod val="110000"/>
-                <a:satMod val="105000"/>
-                <a:tint val="67000"/>
               </a:schemeClr>
             </a:gs>
-            <a:gs pos="50000">
+            <a:gs pos="52000">
               <a:schemeClr val="phClr">
-                <a:lumMod val="105000"/>
-                <a:satMod val="103000"/>
-                <a:tint val="73000"/>
+                <a:tint val="74000"/>
+                <a:satMod val="100000"/>
+                <a:lumMod val="104000"/>
               </a:schemeClr>
             </a:gs>
             <a:gs pos="100000">
               <a:schemeClr val="phClr">
-                <a:lumMod val="105000"/>
-                <a:satMod val="109000"/>
-                <a:tint val="81000"/>
+                <a:tint val="78000"/>
+                <a:satMod val="100000"/>
+                <a:lumMod val="100000"/>
               </a:schemeClr>
             </a:gs>
           </a:gsLst>
@@ -4597,23 +6964,16 @@
           <a:gsLst>
             <a:gs pos="0">
               <a:schemeClr val="phClr">
-                <a:satMod val="103000"/>
-                <a:lumMod val="102000"/>
-                <a:tint val="94000"/>
+                <a:tint val="96000"/>
+                <a:satMod val="100000"/>
+                <a:lumMod val="104000"/>
               </a:schemeClr>
             </a:gs>
-            <a:gs pos="50000">
+            <a:gs pos="78000">
               <a:schemeClr val="phClr">
+                <a:shade val="100000"/>
                 <a:satMod val="110000"/>
                 <a:lumMod val="100000"/>
-                <a:shade val="100000"/>
-              </a:schemeClr>
-            </a:gs>
-            <a:gs pos="100000">
-              <a:schemeClr val="phClr">
-                <a:lumMod val="99000"/>
-                <a:satMod val="120000"/>
-                <a:shade val="78000"/>
               </a:schemeClr>
             </a:gs>
           </a:gsLst>
@@ -4621,26 +6981,23 @@
         </a:gradFill>
       </a:fillStyleLst>
       <a:lnStyleLst>
-        <a:ln w="6350" cap="flat" cmpd="sng" algn="ctr">
+        <a:ln w="9525" cap="flat" cmpd="sng" algn="ctr">
           <a:solidFill>
             <a:schemeClr val="phClr"/>
           </a:solidFill>
           <a:prstDash val="solid"/>
-          <a:miter lim="800000"/>
         </a:ln>
         <a:ln w="12700" cap="flat" cmpd="sng" algn="ctr">
           <a:solidFill>
             <a:schemeClr val="phClr"/>
           </a:solidFill>
           <a:prstDash val="solid"/>
-          <a:miter lim="800000"/>
         </a:ln>
         <a:ln w="19050" cap="flat" cmpd="sng" algn="ctr">
           <a:solidFill>
             <a:schemeClr val="phClr"/>
           </a:solidFill>
           <a:prstDash val="solid"/>
-          <a:miter lim="800000"/>
         </a:ln>
       </a:lnStyleLst>
       <a:effectStyleLst>
@@ -4649,15 +7006,33 @@
         </a:effectStyle>
         <a:effectStyle>
           <a:effectLst/>
+          <a:scene3d>
+            <a:camera prst="orthographicFront">
+              <a:rot lat="0" lon="0" rev="0"/>
+            </a:camera>
+            <a:lightRig rig="threePt" dir="t"/>
+          </a:scene3d>
+          <a:sp3d>
+            <a:bevelT w="25400" h="12700"/>
+          </a:sp3d>
         </a:effectStyle>
         <a:effectStyle>
           <a:effectLst>
             <a:outerShdw blurRad="57150" dist="19050" dir="5400000" algn="ctr" rotWithShape="0">
               <a:srgbClr val="000000">
-                <a:alpha val="63000"/>
+                <a:alpha val="48000"/>
               </a:srgbClr>
             </a:outerShdw>
           </a:effectLst>
+          <a:scene3d>
+            <a:camera prst="orthographicFront">
+              <a:rot lat="0" lon="0" rev="0"/>
+            </a:camera>
+            <a:lightRig rig="threePt" dir="t"/>
+          </a:scene3d>
+          <a:sp3d>
+            <a:bevelT w="50800" h="25400"/>
+          </a:sp3d>
         </a:effectStyle>
       </a:effectStyleLst>
       <a:bgFillStyleLst>
@@ -4675,16 +7050,16 @@
             <a:gs pos="0">
               <a:schemeClr val="phClr">
                 <a:tint val="93000"/>
+                <a:shade val="98000"/>
                 <a:satMod val="150000"/>
-                <a:shade val="98000"/>
                 <a:lumMod val="102000"/>
               </a:schemeClr>
             </a:gs>
             <a:gs pos="50000">
               <a:schemeClr val="phClr">
                 <a:tint val="98000"/>
+                <a:shade val="90000"/>
                 <a:satMod val="130000"/>
-                <a:shade val="90000"/>
                 <a:lumMod val="103000"/>
               </a:schemeClr>
             </a:gs>
@@ -4704,7 +7079,7 @@
   <a:extraClrSchemeLst/>
   <a:extLst>
     <a:ext uri="{05A4C25C-085E-4340-85A3-A5531E510DB2}">
-      <thm15:themeFamily xmlns:thm15="http://schemas.microsoft.com/office/thememl/2012/main" name="Office Theme" id="{62F939B6-93AF-4DB8-9C6B-D6C7DFDC589F}" vid="{4A3C46E8-61CC-4603-A589-7422A47A8E4A}"/>
+      <thm15:themeFamily xmlns:thm15="http://schemas.microsoft.com/office/thememl/2012/main" name="Vapor Trail" id="{4FDF2955-7D9C-493C-B9F9-C205151B46CD}" vid="{8F31A783-2159-4870-BC29-2BA7D038EA44}"/>
     </a:ext>
   </a:extLst>
 </a:theme>
